--- a/200220/2020.02.20 은.pptx
+++ b/200220/2020.02.20 은.pptx
@@ -235,7 +235,7 @@
   </inkml:definitions>
   <inkml:trace contextRef="#ctx0" brushRef="#br0">11 185 6737 0 0,'0'0'137'0'0,"0"0"0"0"0,0 0 0 0 0,0 0 0 0 0,0 0 0 0 0,0 0 0 0 0,-1 0 0 0 0,1 0 0 0 0,0 0 0 0 0,0 0-1 0 0,0 0 1 0 0,0 0 0 0 0,0 0 0 0 0,0 0 0 0 0,0 0 0 0 0,0 0 0 0 0,-1 0 0 0 0,1 0 0 0 0,0 0-1 0 0,0 0 1 0 0,0 0 0 0 0,0 0 0 0 0,0 0 0 0 0,0 0 0 0 0,0 0 0 0 0,0 0 0 0 0,-1 0 0 0 0,1 0 0 0 0,0 0-1 0 0,0 0 1 0 0,0 0 0 0 0,0 0 0 0 0,0 0 0 0 0,0 0 0 0 0,0 0 0 0 0,0 1 0 0 0,0-1 0 0 0,0 0-1 0 0,0 0 1 0 0,-1 0 0 0 0,1 0 0 0 0,0 0 0 0 0,0 0 0 0 0,0 0 0 0 0,0 0 0 0 0,0 0 0 0 0,0 1 0 0 0,0-1-1 0 0,0 0 1 0 0,0 0 0 0 0,0 0 0 0 0,0 0 0 0 0,0 0 0 0 0,0 0 0 0 0,0 0 0 0 0,0 0 0 0 0,0 1 0 0 0,0-1-1 0 0,0 0 1 0 0,0 0 0 0 0,0 0 0 0 0,0 0 0 0 0,0 0 0 0 0,0 0 0 0 0,0 0 0 0 0,1 0 0 0 0,-1 0-1 0 0,0 1 1 0 0,0-1-137 0 0,10 7 3233 0 0,21 4-2257 0 0,-8-12-818 0 0,0-2 1 0 0,0 0-1 0 0,0-2 1 0 0,17-5-159 0 0,-14 3 24 0 0,0 1 0 0 0,1 2 1 0 0,3 0-25 0 0,-29 4 7 0 0,0-1 0 0 0,0 1 0 0 0,0 0 0 0 0,0 0 0 0 0,0 0 0 0 0,1 0 0 0 0,-1 0 0 0 0,0 0 1 0 0,0 0-1 0 0,0 0 0 0 0,0 1 0 0 0,0-1 0 0 0,0 0 0 0 0,0 1 0 0 0,0-1 0 0 0,0 1 0 0 0,0-1 0 0 0,0 1 0 0 0,0-1 0 0 0,0 1 0 0 0,0 0 1 0 0,0-1-1 0 0,-1 1 0 0 0,1 0 0 0 0,0 0 0 0 0,0 0 0 0 0,-1-1 0 0 0,1 1 0 0 0,-1 0 0 0 0,1 0 0 0 0,0 0 0 0 0,-1 0-7 0 0,1 2 64 0 0,-1 0 0 0 0,0 0-1 0 0,0 0 1 0 0,0-1 0 0 0,0 1 0 0 0,0 0-1 0 0,-1 0 1 0 0,1 0 0 0 0,-1-1-1 0 0,1 1 1 0 0,-1 0 0 0 0,-1 2-64 0 0,-4 9 289 0 0,0-1 0 0 0,-1 0 0 0 0,0 0 0 0 0,-7 8-289 0 0,-15 15 213 0 0,0-1 0 0 0,-2-1 0 0 0,-2-2 0 0 0,-1-1 0 0 0,-1-2 0 0 0,-14 7-213 0 0,37-28 134 0 0,-12 12 516 0 0,28-15-382 0 0,18-4-187 0 0,46-4-394 0 0,-29 2-224 0 0,-1-1 1 0 0,30-7 536 0 0,-22-3-4573 0 0,-1-7-3992 0 0,-37 14 1626 0 0</inkml:trace>
   <inkml:trace contextRef="#ctx0" brushRef="#br0" timeOffset="716.548">377 303 11090 0 0,'-3'0'412'0'0,"0"0"-1"0"0,1 0 0 0 0,-1 0 1 0 0,0 1-1 0 0,0-1 0 0 0,0 1 1 0 0,0 0-1 0 0,0-1 0 0 0,1 1 1 0 0,-1 0-1 0 0,0 1 1 0 0,1-1-1 0 0,-1 0 0 0 0,-1 2-411 0 0,3-2 50 0 0,1-1 0 0 0,0 0-1 0 0,0 0 1 0 0,-1 1 0 0 0,1-1-1 0 0,0 0 1 0 0,0 1 0 0 0,0-1 0 0 0,-1 0-1 0 0,1 1 1 0 0,0-1 0 0 0,0 0-1 0 0,0 1 1 0 0,0-1 0 0 0,0 1 0 0 0,0-1-1 0 0,0 0 1 0 0,0 1 0 0 0,0-1-1 0 0,0 0 1 0 0,0 1 0 0 0,0-1 0 0 0,0 1-1 0 0,0-1 1 0 0,0 0 0 0 0,0 1-1 0 0,0-1 1 0 0,1 0 0 0 0,-1 1-1 0 0,0-1 1 0 0,0 0 0 0 0,0 1 0 0 0,1-1-1 0 0,-1 0 1 0 0,0 1-50 0 0,24 12 1159 0 0,-7-6-810 0 0,1-2 1 0 0,0 0-1 0 0,0-1 0 0 0,9 1-349 0 0,-22-4 1 0 0,0-1-1 0 0,0 1 1 0 0,1-1 0 0 0,-1 0-1 0 0,0-1 1 0 0,0 1 0 0 0,1-1-1 0 0,-1 0 1 0 0,0 0 0 0 0,0-1 0 0 0,0 0-1 0 0,0 1 1 0 0,0-2 0 0 0,0 1-1 0 0,-1 0 1 0 0,1-1 0 0 0,3-3-1 0 0,-6 4-21 0 0,0 0 1 0 0,-1 0 0 0 0,1-1-1 0 0,-1 1 1 0 0,0 0 0 0 0,1-1-1 0 0,-1 1 1 0 0,0-1 0 0 0,-1 1-1 0 0,1-1 1 0 0,0 1 0 0 0,-1-1-1 0 0,1 0 1 0 0,-1 1 0 0 0,0-1-1 0 0,0 0 1 0 0,0 0 0 0 0,0 1-1 0 0,-1-1 1 0 0,1 0 0 0 0,0 1-1 0 0,-1-1 1 0 0,0 1 0 0 0,0-1-1 0 0,0 1 1 0 0,0-1 0 0 0,0 1-1 0 0,0-1 1 0 0,-1 1 0 0 0,0-1 20 0 0,-1-2 52 0 0,1 0 1 0 0,-1 0-1 0 0,-1 0 1 0 0,1 1-1 0 0,-1-1 1 0 0,1 1-1 0 0,-1 0 1 0 0,-1 0-1 0 0,1 1 1 0 0,0-1-1 0 0,-1 1 1 0 0,0 0-1 0 0,0 0 1 0 0,0 0-53 0 0,2 2 73 0 0,-1 0 0 0 0,1 0 0 0 0,-1 0 0 0 0,1 1-1 0 0,0-1 1 0 0,-1 1 0 0 0,1 0 0 0 0,-1 0 0 0 0,1 0 0 0 0,-1 0 0 0 0,1 1 0 0 0,-1-1 0 0 0,1 1 0 0 0,0 0 0 0 0,-1 0 0 0 0,1 0 0 0 0,0 1-1 0 0,0-1 1 0 0,-2 2-73 0 0,-1 1 67 0 0,1 0-1 0 0,0 0 1 0 0,-1 0 0 0 0,1 1-1 0 0,1 0 1 0 0,-1 0-1 0 0,1 0 1 0 0,0 1-1 0 0,0-1 1 0 0,0 2-67 0 0,-3 4 87 0 0,1 0-1 0 0,0 1 1 0 0,1 0-1 0 0,0 0 1 0 0,1 1-1 0 0,1-1 1 0 0,0 1-1 0 0,0 0 1 0 0,1 0 0 0 0,1 7-87 0 0,0-15 30 0 0,2 1 1 0 0,-1 0 0 0 0,1-1 0 0 0,-1 1 0 0 0,2-1 0 0 0,-1 1 0 0 0,1-1 0 0 0,-1 1 0 0 0,2-1 0 0 0,-1 0 0 0 0,0 0 0 0 0,1 0 0 0 0,0 0-1 0 0,0 0 1 0 0,1 0 0 0 0,-1-1 0 0 0,1 0 0 0 0,0 0 0 0 0,0 0 0 0 0,0 0 0 0 0,1-1 0 0 0,-1 1 0 0 0,1-1 0 0 0,0 0 0 0 0,0 0 0 0 0,0-1-1 0 0,0 0 1 0 0,1 0 0 0 0,-1 0 0 0 0,1 0 0 0 0,0-1-31 0 0,0 1-124 0 0,1-1 0 0 0,-1-1-1 0 0,0 1 1 0 0,1-1 0 0 0,-1 0-1 0 0,1 0 1 0 0,-1-1 0 0 0,1 0-1 0 0,-1 0 1 0 0,0-1 0 0 0,0 1-1 0 0,1-1 1 0 0,-1-1 0 0 0,0 1-1 0 0,-1-1 1 0 0,1 0 0 0 0,0 0 0 0 0,-1-1-1 0 0,0 0 1 0 0,0 0 0 0 0,0 0-1 0 0,0 0 1 0 0,0-1 0 0 0,-1 0-1 0 0,0 0 1 0 0,0 0 0 0 0,1-3 124 0 0,6-11-930 0 0,-2 0 0 0 0,0-1 1 0 0,-1 0-1 0 0,-1-1 0 0 0,-1 0 0 0 0,3-18 930 0 0,8-71 2771 0 0,-16 92 252 0 0,-2 25-782 0 0,-2 32-963 0 0,0 57-554 0 0,1-50-656 0 0,1 0 0 0 0,3 0 0 0 0,2 11-68 0 0,3-37-133 0 0,2-19-360 0 0,-7-2 443 0 0,-1-1 0 0 0,1 0 0 0 0,-1 0 0 0 0,0 0 0 0 0,1 0 0 0 0,-1 0 0 0 0,0 0 0 0 0,0 0 1 0 0,0 0-1 0 0,-1-1 0 0 0,1 1 0 0 0,0 0 0 0 0,-1-2 50 0 0,12-76-236 0 0,-6 38 227 0 0,1 1-1 0 0,4-10 10 0 0,-8 41 44 0 0,0-1 1 0 0,1 1-1 0 0,0 0 0 0 0,0 0 0 0 0,1 1 1 0 0,1-1-1 0 0,-1 1 0 0 0,2 0 1 0 0,-1 0-1 0 0,7-5-44 0 0,-12 13-17 0 0,-1 0 0 0 0,1 0 0 0 0,0 1 0 0 0,0-1 1 0 0,0 0-1 0 0,0 1 0 0 0,0-1 0 0 0,1 1 0 0 0,-1-1 0 0 0,0 1 0 0 0,0 0 0 0 0,0-1 0 0 0,0 1 0 0 0,0 0 0 0 0,1 0 1 0 0,-1 0-1 0 0,0 0 0 0 0,0 0 0 0 0,0 0 0 0 0,0 0 0 0 0,1 0 0 0 0,-1 1 0 0 0,0-1 0 0 0,0 0 0 0 0,0 1 0 0 0,0-1 0 0 0,0 1 1 0 0,0-1-1 0 0,0 1 0 0 0,0-1 0 0 0,0 1 0 0 0,0 0 0 0 0,0-1 0 0 0,0 1 0 0 0,0 0 0 0 0,0 0 0 0 0,-1 0 0 0 0,1 0 1 0 0,0 0 16 0 0,35 49-8145 0 0,-24-31-609 0 0,-8-14 3393 0 0</inkml:trace>
-  <inkml:trace contextRef="#ctx0" brushRef="#br0" timeOffset="1073.824">955 275 8050 0 0,'0'0'326'0'0,"-1"-1"0"0"0,1 1 0 0 0,0 0 0 0 0,0 0 0 0 0,-1 0 0 0 0,1-1 0 0 0,0 1 0 0 0,-1 0 0 0 0,1 0 0 0 0,0 0 0 0 0,-1 0 0 0 0,1 0 0 0 0,0 0 0 0 0,-1-1 0 0 0,1 1 0 0 0,-1 0 0 0 0,1 0 0 0 0,0 0 0 0 0,-1 0 0 0 0,1 0 0 0 0,0 1 0 0 0,-1-1 0 0 0,1 0 0 0 0,0 0 0 0 0,-1 0 0 0 0,1 0 0 0 0,0 0 0 0 0,-1 0 0 0 0,1 1 0 0 0,0-1 0 0 0,-1 0 0 0 0,1 0 0 0 0,0 0 0 0 0,-1 1-326 0 0,-11 12 3426 0 0,-4 17-2106 0 0,13-21-1161 0 0,0 0 0 0 0,0 0 1 0 0,1 0-1 0 0,0 0 0 0 0,0 1 1 0 0,1-1-1 0 0,0 0 0 0 0,1 1 1 0 0,0-1-1 0 0,1 1-159 0 0,-1-6 4 0 0,1-1 0 0 0,0 0-1 0 0,0 0 1 0 0,0 0 0 0 0,1 0 0 0 0,-1 0-1 0 0,1-1 1 0 0,0 1 0 0 0,-1 0 0 0 0,1-1-1 0 0,0 1 1 0 0,1-1 0 0 0,-1 1 0 0 0,0-1-1 0 0,1 0 1 0 0,-1 0 0 0 0,1 0 0 0 0,-1 0-1 0 0,1-1 1 0 0,0 1 0 0 0,0-1 0 0 0,0 1-1 0 0,0-1 1 0 0,0 0 0 0 0,0 0 0 0 0,0-1-1 0 0,1 1 1 0 0,-1-1 0 0 0,0 1 0 0 0,0-1-1 0 0,1 0-3 0 0,3 1 7 0 0,0 0 0 0 0,0 0 0 0 0,0-1 0 0 0,0 0 0 0 0,0 0 0 0 0,0-1 0 0 0,0 0-1 0 0,0 0 1 0 0,0-1 0 0 0,0 0 0 0 0,0 0 0 0 0,3-1-7 0 0,-5 0-25 0 0,0-1 1 0 0,0 1 0 0 0,-1-1-1 0 0,1 1 1 0 0,-1-1-1 0 0,1-1 1 0 0,-1 1-1 0 0,0 0 1 0 0,-1-1-1 0 0,1 0 1 0 0,-1 0-1 0 0,0 0 1 0 0,0 0-1 0 0,2-6 25 0 0,7-15-83 0 0,-1-1-1 0 0,-1-1 0 0 0,0-4 84 0 0,-7 22 39 0 0,-1 0-1 0 0,0 0 1 0 0,0 1-1 0 0,-1-1 1 0 0,-1 0-1 0 0,0 0 1 0 0,0-1-1 0 0,0 1 1 0 0,-2 0-1 0 0,1 1 0 0 0,-1-1-38 0 0,2 8 36 0 0,-1 0-1 0 0,0 0 0 0 0,1 0 0 0 0,-1 0 0 0 0,0 0 1 0 0,0 0-1 0 0,0 0 0 0 0,0 0 0 0 0,0 0 0 0 0,0 1 0 0 0,-1-1 1 0 0,1 0-1 0 0,-1 1 0 0 0,1-1 0 0 0,-1 1 0 0 0,1 0 0 0 0,-1-1 1 0 0,0 1-1 0 0,0 0 0 0 0,0 0 0 0 0,1 0 0 0 0,-1 0 1 0 0,-1 0-36 0 0,-1 0 29 0 0,1 1 0 0 0,-1 0 1 0 0,1-1-1 0 0,0 1 1 0 0,-1 1-1 0 0,1-1 1 0 0,-1 0-1 0 0,1 1 1 0 0,-1 0-1 0 0,1 0 1 0 0,0 0-1 0 0,-1 0 1 0 0,-1 1-30 0 0,-12 6-20 0 0,0 1 0 0 0,1 1 0 0 0,0 0 0 0 0,-14 13 20 0 0,26-19-32 0 0,-4 1-303 0 0,2 0 1 0 0,-1 1 0 0 0,1 0-1 0 0,0 1 1 0 0,0-1 0 0 0,1 1-1 0 0,-5 7 335 0 0,9-12-330 0 0,0 0-1 0 0,0 0 0 0 0,0 0 1 0 0,0 0-1 0 0,0 1 0 0 0,1-1 0 0 0,-1 0 1 0 0,1 1-1 0 0,0-1 0 0 0,-1 1 1 0 0,1-1-1 0 0,0 0 0 0 0,0 2 331 0 0,1-2-520 0 0,-1 0 0 0 0,1 0 0 0 0,0 0-1 0 0,-1 0 1 0 0,1 0 0 0 0,0 0 0 0 0,0 0-1 0 0,0 0 1 0 0,1 0 0 0 0,-1 0 0 0 0,0-1 0 0 0,1 1-1 0 0,-1 0 1 0 0,1-1 0 0 0,-1 0 0 0 0,1 1-1 0 0,0-1 521 0 0,8 6-6929 0 0</inkml:trace>
+  <inkml:trace contextRef="#ctx0" brushRef="#br0" timeOffset="1073.823">955 275 8050 0 0,'0'0'326'0'0,"-1"-1"0"0"0,1 1 0 0 0,0 0 0 0 0,0 0 0 0 0,-1 0 0 0 0,1-1 0 0 0,0 1 0 0 0,-1 0 0 0 0,1 0 0 0 0,0 0 0 0 0,-1 0 0 0 0,1 0 0 0 0,0 0 0 0 0,-1-1 0 0 0,1 1 0 0 0,-1 0 0 0 0,1 0 0 0 0,0 0 0 0 0,-1 0 0 0 0,1 0 0 0 0,0 1 0 0 0,-1-1 0 0 0,1 0 0 0 0,0 0 0 0 0,-1 0 0 0 0,1 0 0 0 0,0 0 0 0 0,-1 0 0 0 0,1 1 0 0 0,0-1 0 0 0,-1 0 0 0 0,1 0 0 0 0,0 0 0 0 0,-1 1-326 0 0,-11 12 3426 0 0,-4 17-2106 0 0,13-21-1161 0 0,0 0 0 0 0,0 0 1 0 0,1 0-1 0 0,0 0 0 0 0,0 1 1 0 0,1-1-1 0 0,0 0 0 0 0,1 1 1 0 0,0-1-1 0 0,1 1-159 0 0,-1-6 4 0 0,1-1 0 0 0,0 0-1 0 0,0 0 1 0 0,0 0 0 0 0,1 0 0 0 0,-1 0-1 0 0,1-1 1 0 0,0 1 0 0 0,-1 0 0 0 0,1-1-1 0 0,0 1 1 0 0,1-1 0 0 0,-1 1 0 0 0,0-1-1 0 0,1 0 1 0 0,-1 0 0 0 0,1 0 0 0 0,-1 0-1 0 0,1-1 1 0 0,0 1 0 0 0,0-1 0 0 0,0 1-1 0 0,0-1 1 0 0,0 0 0 0 0,0 0 0 0 0,0-1-1 0 0,1 1 1 0 0,-1-1 0 0 0,0 1 0 0 0,0-1-1 0 0,1 0-3 0 0,3 1 7 0 0,0 0 0 0 0,0 0 0 0 0,0-1 0 0 0,0 0 0 0 0,0 0 0 0 0,0-1 0 0 0,0 0-1 0 0,0 0 1 0 0,0-1 0 0 0,0 0 0 0 0,0 0 0 0 0,3-1-7 0 0,-5 0-25 0 0,0-1 1 0 0,0 1 0 0 0,-1-1-1 0 0,1 1 1 0 0,-1-1-1 0 0,1-1 1 0 0,-1 1-1 0 0,0 0 1 0 0,-1-1-1 0 0,1 0 1 0 0,-1 0-1 0 0,0 0 1 0 0,0 0-1 0 0,2-6 25 0 0,7-15-83 0 0,-1-1-1 0 0,-1-1 0 0 0,0-4 84 0 0,-7 22 39 0 0,-1 0-1 0 0,0 0 1 0 0,0 1-1 0 0,-1-1 1 0 0,-1 0-1 0 0,0 0 1 0 0,0-1-1 0 0,0 1 1 0 0,-2 0-1 0 0,1 1 0 0 0,-1-1-38 0 0,2 8 36 0 0,-1 0-1 0 0,0 0 0 0 0,1 0 0 0 0,-1 0 0 0 0,0 0 1 0 0,0 0-1 0 0,0 0 0 0 0,0 0 0 0 0,0 0 0 0 0,0 1 0 0 0,-1-1 1 0 0,1 0-1 0 0,-1 1 0 0 0,1-1 0 0 0,-1 1 0 0 0,1 0 0 0 0,-1-1 1 0 0,0 1-1 0 0,0 0 0 0 0,0 0 0 0 0,1 0 0 0 0,-1 0 1 0 0,-1 0-36 0 0,-1 0 29 0 0,1 1 0 0 0,-1 0 1 0 0,1-1-1 0 0,0 1 1 0 0,-1 1-1 0 0,1-1 1 0 0,-1 0-1 0 0,1 1 1 0 0,-1 0-1 0 0,1 0 1 0 0,0 0-1 0 0,-1 0 1 0 0,-1 1-30 0 0,-12 6-20 0 0,0 1 0 0 0,1 1 0 0 0,0 0 0 0 0,-14 13 20 0 0,26-19-32 0 0,-4 1-303 0 0,2 0 1 0 0,-1 1 0 0 0,1 0-1 0 0,0 1 1 0 0,0-1 0 0 0,1 1-1 0 0,-5 7 335 0 0,9-12-330 0 0,0 0-1 0 0,0 0 0 0 0,0 0 1 0 0,0 0-1 0 0,0 1 0 0 0,1-1 0 0 0,-1 0 1 0 0,1 1-1 0 0,0-1 0 0 0,-1 1 1 0 0,1-1-1 0 0,0 0 0 0 0,0 2 331 0 0,1-2-520 0 0,-1 0 0 0 0,1 0 0 0 0,0 0-1 0 0,-1 0 1 0 0,1 0 0 0 0,0 0 0 0 0,0 0-1 0 0,0 0 1 0 0,1 0 0 0 0,-1 0 0 0 0,0-1 0 0 0,1 1-1 0 0,-1 0 1 0 0,1-1 0 0 0,-1 0 0 0 0,1 1-1 0 0,0-1 521 0 0,8 6-6929 0 0</inkml:trace>
   <inkml:trace contextRef="#ctx0" brushRef="#br0" timeOffset="1899.377">1542 256 11506 0 0,'0'0'122'0'0,"0"-1"-1"0"0,0 1 0 0 0,0 0 0 0 0,0 0 1 0 0,0 0-1 0 0,-1-1 0 0 0,1 1 0 0 0,0 0 0 0 0,0 0 1 0 0,0 0-1 0 0,0-1 0 0 0,-1 1 0 0 0,1 0 0 0 0,0 0 1 0 0,0 0-1 0 0,0 0 0 0 0,-1 0 0 0 0,1-1 0 0 0,0 1 1 0 0,0 0-1 0 0,0 0 0 0 0,-1 0 0 0 0,1 0 1 0 0,0 0-1 0 0,0 0 0 0 0,-1 0 0 0 0,1 0 0 0 0,0 0 1 0 0,0 0-1 0 0,-1 0 0 0 0,1 0 0 0 0,0 0 0 0 0,0 0 1 0 0,-1 0-1 0 0,1 0 0 0 0,0 0 0 0 0,0 0 1 0 0,-1 0-1 0 0,1 1 0 0 0,0-1 0 0 0,0 0 0 0 0,0 0 1 0 0,-1 0-1 0 0,1 0 0 0 0,0 0 0 0 0,0 1-121 0 0,-2 15 2832 0 0,10 46-1601 0 0,-2-17-275 0 0,-3 108-119 0 0,2 25-2346 0 0,12-62-5886 0 0,-6-80 495 0 0,-8-29 2030 0 0</inkml:trace>
   <inkml:trace contextRef="#ctx0" brushRef="#br0" timeOffset="2265.175">1539 332 11146 0 0,'-4'-24'3082'0'0,"2"16"-2424"0"0,1 1-1 0 0,-1-1 1 0 0,1 1 0 0 0,1-1 0 0 0,-1 0 0 0 0,1 1 0 0 0,0-1 0 0 0,1 0-1 0 0,0 1 1 0 0,0-1 0 0 0,1 1 0 0 0,2-7-658 0 0,-4 14 34 0 0,1-1 1 0 0,0 0-1 0 0,0 1 1 0 0,-1-1-1 0 0,1 0 1 0 0,0 1-1 0 0,0-1 1 0 0,0 1-1 0 0,0 0 0 0 0,0-1 1 0 0,-1 1-1 0 0,1 0 1 0 0,0-1-1 0 0,0 1 1 0 0,0 0-1 0 0,0 0 0 0 0,0 0 1 0 0,0 0-1 0 0,0 0 1 0 0,0 0-1 0 0,0 0 1 0 0,0 0-1 0 0,0 0 0 0 0,0 0 1 0 0,0 0-1 0 0,0 1 1 0 0,0-1-1 0 0,0 0 1 0 0,0 1-1 0 0,0-1 0 0 0,-1 1 1 0 0,1-1-1 0 0,0 1 1 0 0,0 0-1 0 0,0-1 1 0 0,-1 1-1 0 0,1 0 0 0 0,0-1 1 0 0,-1 1-1 0 0,1 0-34 0 0,34 30 28 0 0,-33-30-7 0 0,5 6-84 0 0,0 1 1 0 0,0-1 0 0 0,-1 1-1 0 0,0 1 1 0 0,-1-1-1 0 0,0 1 1 0 0,0 0 0 0 0,0 0-1 0 0,-2 0 1 0 0,1 1-1 0 0,-1 0 1 0 0,0-1 0 0 0,0 6 62 0 0,-2-11-27 0 0,-1 1 0 0 0,0-1 0 0 0,0 1 1 0 0,0-1-1 0 0,-1 1 0 0 0,1-1 1 0 0,-1 1-1 0 0,0-1 0 0 0,-1 1 0 0 0,1-1 1 0 0,-1 0-1 0 0,1 0 0 0 0,-1 0 1 0 0,0 0-1 0 0,-1 0 0 0 0,1 0 1 0 0,-1 0-1 0 0,0-1 0 0 0,0 1 0 0 0,0-1 1 0 0,0 0-1 0 0,0 0 0 0 0,-1 0 1 0 0,0 0-1 0 0,1-1 0 0 0,-1 1 0 0 0,0-1 1 0 0,0 0-1 0 0,0 0 0 0 0,-5 1 27 0 0,4-1-49 0 0,-1 0 0 0 0,0-1-1 0 0,1 1 1 0 0,-1-1 0 0 0,0-1-1 0 0,0 1 1 0 0,0-1 0 0 0,0 0 0 0 0,0 0-1 0 0,-1-1 50 0 0,3 1-37 0 0,1 0 0 0 0,0-1-1 0 0,-1 1 1 0 0,1-1 0 0 0,0 0 0 0 0,0 0-1 0 0,-1 0 1 0 0,1-1 0 0 0,0 1-1 0 0,0-1 1 0 0,0 1 0 0 0,1-1 0 0 0,-1 0-1 0 0,0 0 1 0 0,1 0 0 0 0,-1-1-1 0 0,1 1 1 0 0,-2-2 37 0 0,4 3-136 0 0,1 0 0 0 0,-1 0 0 0 0,0 1 0 0 0,0-1 0 0 0,1 0 1 0 0,-1 0-1 0 0,0 0 0 0 0,1 1 0 0 0,-1-1 0 0 0,1 0 0 0 0,-1 0 0 0 0,1 1 0 0 0,-1-1 0 0 0,1 0 0 0 0,-1 1 0 0 0,1-1 0 0 0,0 1 0 0 0,-1-1 0 0 0,1 1 1 0 0,0-1-1 0 0,0 1 0 0 0,-1-1 0 0 0,1 1 0 0 0,0 0 0 0 0,0-1 0 0 0,0 1 0 0 0,-1 0 0 0 0,1 0 0 0 0,0-1 0 0 0,0 1 0 0 0,0 0 0 0 0,0 0 1 0 0,0 0-1 0 0,0 0 136 0 0,35-8-4371 0 0,-2 1-1165 0 0,-18 3 941 0 0</inkml:trace>
   <inkml:trace contextRef="#ctx0" brushRef="#br0" timeOffset="2644.941">1934 389 12715 0 0,'-2'-55'7528'0'0,"-8"-5"-5556"0"0,9 53-1921 0 0,-1 0 0 0 0,0 0 0 0 0,0 0 0 0 0,-1 0 0 0 0,0 0 0 0 0,0 1 0 0 0,-1-1 1 0 0,0 1-1 0 0,0 0 0 0 0,0 0 0 0 0,0 1 0 0 0,-1-1 0 0 0,0 1 0 0 0,-5-4-51 0 0,9 8 24 0 0,0 0 0 0 0,0 1-1 0 0,0-1 1 0 0,0 1 0 0 0,0-1-1 0 0,0 1 1 0 0,0-1 0 0 0,0 1-1 0 0,0-1 1 0 0,-1 1 0 0 0,1 0-1 0 0,0 0 1 0 0,0 0 0 0 0,0 0-1 0 0,0 0 1 0 0,-1 0 0 0 0,1 0-1 0 0,0 0 1 0 0,0 0 0 0 0,0 0-1 0 0,0 1 1 0 0,-1-1-1 0 0,1 0 1 0 0,0 1 0 0 0,0-1-1 0 0,0 1-23 0 0,-2 1 27 0 0,0 0-1 0 0,0 0 0 0 0,1 0 1 0 0,-1 0-1 0 0,1 1 0 0 0,0-1 1 0 0,0 1-1 0 0,0-1 1 0 0,0 1-1 0 0,0 0-26 0 0,-5 10 24 0 0,0 0 1 0 0,1 0-1 0 0,0 0 0 0 0,0 3-24 0 0,-2 8-17 0 0,0 1-1 0 0,1 0 1 0 0,2 1-1 0 0,0 4 18 0 0,4-24-3 0 0,0 0 0 0 0,0 0 0 0 0,1 0-1 0 0,0 1 1 0 0,0-1 0 0 0,1 0-1 0 0,-1 0 1 0 0,1 0 0 0 0,0 0-1 0 0,1 0 1 0 0,0-1 0 0 0,0 1 0 0 0,0 0-1 0 0,0-1 1 0 0,1 1 0 0 0,0-1-1 0 0,0 0 1 0 0,1 0 0 0 0,-1 0-1 0 0,4 3 4 0 0,-6-7-13 0 0,0 0 0 0 0,0 0 0 0 0,0 0 0 0 0,0 0 0 0 0,1-1 0 0 0,-1 1 0 0 0,0 0 0 0 0,0-1 0 0 0,1 1 0 0 0,-1 0 0 0 0,0-1 0 0 0,1 0 0 0 0,-1 1-1 0 0,0-1 1 0 0,1 0 0 0 0,-1 0 0 0 0,1 0 0 0 0,-1 0 0 0 0,0 0 0 0 0,1 0 0 0 0,-1 0 0 0 0,1 0 0 0 0,-1 0 0 0 0,1-1 13 0 0,1 0-66 0 0,0-1 0 0 0,-1 1 0 0 0,1 0 1 0 0,-1-1-1 0 0,1 0 0 0 0,-1 0 0 0 0,0 0 0 0 0,0 0 1 0 0,0 0-1 0 0,0 0 0 0 0,2-3 66 0 0,5-8-343 0 0,-1-1 0 0 0,0 0-1 0 0,-1 0 1 0 0,3-7 343 0 0,-5 9-89 0 0,-1 3 149 0 0,1 0 0 0 0,0 0 0 0 0,0 0 0 0 0,1 1 0 0 0,0 0 0 0 0,5-6-60 0 0,-10 13 60 0 0,0 0 0 0 0,0 0 1 0 0,0 0-1 0 0,0 0 1 0 0,1 0-1 0 0,-1 1 0 0 0,0-1 1 0 0,0 0-1 0 0,1 1 1 0 0,-1-1-1 0 0,1 1 1 0 0,-1-1-1 0 0,0 1 0 0 0,1-1 1 0 0,-1 1-1 0 0,1 0 1 0 0,-1 0-1 0 0,1 0 1 0 0,-1 0-1 0 0,1 0-60 0 0,0 1 67 0 0,0-1 1 0 0,0 1 0 0 0,-1 0-1 0 0,1 0 1 0 0,0 0-1 0 0,0 0 1 0 0,-1 0-1 0 0,1 1 1 0 0,-1-1-1 0 0,1 0 1 0 0,-1 1 0 0 0,0-1-1 0 0,1 1 1 0 0,-1 0-1 0 0,0-1 1 0 0,0 1-1 0 0,0 0 1 0 0,0 0-1 0 0,0 0-67 0 0,5 8 98 0 0,1 0-1 0 0,0 0 1 0 0,0-1-1 0 0,1-1 0 0 0,0 1-97 0 0,21 16-2108 0 0,1-13-6159 0 0,-23-12 2287 0 0,-5-2 367 0 0</inkml:trace>
@@ -278,7 +278,7 @@
   <inkml:trace contextRef="#ctx0" brushRef="#br0">24 356 6529 0 0,'19'-3'9925'0'0,"-16"18"-8140"0"0,-3-13-1631 0 0,1-1 1 0 0,-1 0 0 0 0,1 0 0 0 0,-1 1 0 0 0,0-1 0 0 0,0 0 0 0 0,1 1 0 0 0,-1-1 0 0 0,0 0 0 0 0,0 1 0 0 0,-1-1-1 0 0,1 0 1 0 0,0 1 0 0 0,0-1 0 0 0,0 0 0 0 0,-1 1 0 0 0,1-1 0 0 0,-1 0 0 0 0,1 1 0 0 0,-1-1 0 0 0,0 0-1 0 0,1 0 1 0 0,-1 0 0 0 0,0 0 0 0 0,0 0 0 0 0,0 1-155 0 0,9 74 1560 0 0,-3 65-922 0 0,14 79-638 0 0,-15-191 7 0 0,3 42 87 0 0,4 0 1 0 0,6 13-95 0 0,-15-74 69 0 0,-1 0 0 0 0,-1 1 1 0 0,0-1-1 0 0,0 0 0 0 0,-1 0 1 0 0,0 1-1 0 0,-1-1 0 0 0,0 0 0 0 0,-3 8-69 0 0,2-5 47 0 0,0-1 0 0 0,1 0-1 0 0,1 1 1 0 0,0-1-1 0 0,0 1 1 0 0,1 2-47 0 0,7 99 100 0 0,-6 3-100 0 0,-3-21 25 0 0,-1-49-45 0 0,3-1 1 0 0,1 0-1 0 0,6 23 20 0 0,-3-30 41 0 0,-2 0-1 0 0,-1 17-40 0 0,4 65 48 0 0,-1-61 24 0 0,-2 0 0 0 0,-3 0 0 0 0,-4 11-72 0 0,0 70 88 0 0,3-59-54 0 0,-11 77-34 0 0,13-155 1 0 0,-24 214-116 0 0,22-174 47 0 0,1 0 0 0 0,3 0 0 0 0,7 43 68 0 0,4-24-346 0 0,5 32-26 0 0,-18-87-164 0 0,1 0-1 0 0,-1 0 0 0 0,-1 0 0 0 0,1 0 0 0 0,-1 0 0 0 0,-1 0 1 0 0,0 0-1 0 0,0 0 0 0 0,0 0 0 0 0,-2 4 537 0 0,-4-2-4111 0 0,1-7-4279 0 0,1-4 2735 0 0</inkml:trace>
   <inkml:trace contextRef="#ctx0" brushRef="#br0" timeOffset="3028.499">2 352 8 0 0,'-1'-1'193'0'0,"1"1"0"0"0,0 0 0 0 0,0 0 0 0 0,0 0 0 0 0,0-1 1 0 0,0 1-1 0 0,0 0 0 0 0,0 0 0 0 0,-1 0 0 0 0,1-1 0 0 0,0 1 0 0 0,0 0 0 0 0,0 0 0 0 0,0-1 0 0 0,0 1 1 0 0,0 0-1 0 0,0 0 0 0 0,0-1 0 0 0,0 1 0 0 0,0 0 0 0 0,0 0 0 0 0,1-1 0 0 0,-1 1 0 0 0,0 0 0 0 0,0 0 1 0 0,0-1-1 0 0,0 1 0 0 0,0 0 0 0 0,0 0 0 0 0,0 0 0 0 0,1-1 0 0 0,-1 1 0 0 0,0 0 0 0 0,0 0 0 0 0,0 0 0 0 0,0 0 1 0 0,1-1-1 0 0,-1 1 0 0 0,0 0 0 0 0,0 0 0 0 0,0 0 0 0 0,1 0 0 0 0,-1 0 0 0 0,0 0 0 0 0,0 0 0 0 0,1 0 1 0 0,-1 0-1 0 0,0-1 0 0 0,0 1 0 0 0,1 0 0 0 0,-1 0 0 0 0,0 0 0 0 0,0 0 0 0 0,0 0 0 0 0,1 0 0 0 0,-1 1 0 0 0,0-1 1 0 0,0 0-1 0 0,1 0 0 0 0,-1 0 0 0 0,0 0 0 0 0,0 0 0 0 0,1 0 0 0 0,-1 0 0 0 0,0 0 0 0 0,0 1 0 0 0,0-1 1 0 0,1 0-194 0 0,0-17 6607 0 0,-1 16-6501 0 0,1 1 1 0 0,-1-1 0 0 0,1 0-1 0 0,-1 1 1 0 0,1-1 0 0 0,0 1-1 0 0,-1-1 1 0 0,1 1 0 0 0,0-1-1 0 0,0 1 1 0 0,-1-1 0 0 0,1 1-1 0 0,0-1 1 0 0,0 1 0 0 0,0 0 0 0 0,-1 0-1 0 0,1-1 1 0 0,0 1 0 0 0,0 0-1 0 0,0 0 1 0 0,0 0 0 0 0,-1 0-1 0 0,1 0 1 0 0,0 0 0 0 0,0 0-1 0 0,0 0-106 0 0,4 1 232 0 0,1 0-1 0 0,-1 0 0 0 0,0 0 1 0 0,1 1-1 0 0,-1 0 0 0 0,0 0 0 0 0,0 0 1 0 0,1 1-232 0 0,41 13 466 0 0,-11-11-247 0 0,-26-3-88 0 0,1 0 0 0 0,0-1 0 0 0,0 0 0 0 0,0-1 1 0 0,0 0-1 0 0,-1-1 0 0 0,1 0 0 0 0,0-1 0 0 0,9-2-131 0 0,6-2 75 0 0,1 2-1 0 0,1 1 1 0 0,-1 2-1 0 0,0 0 1 0 0,6 2-75 0 0,-7-1 87 0 0,26 6 119 0 0,-43-4-161 0 0,-1-1 0 0 0,1 0 1 0 0,-1 0-1 0 0,1-1 0 0 0,0 0 1 0 0,-1-1-1 0 0,1 1 0 0 0,2-2-45 0 0,7-2 73 0 0,-10 1-6 0 0,1 1 0 0 0,-1 0-1 0 0,1 0 1 0 0,0 1 0 0 0,-1 0 0 0 0,1 0-1 0 0,0 1 1 0 0,0 0 0 0 0,-1 1-1 0 0,1 0 1 0 0,0 0 0 0 0,-1 1-1 0 0,1 0 1 0 0,-1 0 0 0 0,1 1-1 0 0,0 1-66 0 0,-1-1 5 0 0,-1-1 0 0 0,0 0 0 0 0,1-1 0 0 0,0 0 0 0 0,-1 0 0 0 0,1 0-1 0 0,0-1 1 0 0,-1 0 0 0 0,1 0 0 0 0,0-1 0 0 0,-1 0 0 0 0,1-1 0 0 0,0 0-1 0 0,-1 0 1 0 0,5-2-5 0 0,-2 1 46 0 0,-1 1 0 0 0,1 0 0 0 0,0 0 0 0 0,0 1-1 0 0,1 0 1 0 0,-1 0 0 0 0,0 1 0 0 0,0 1 0 0 0,6 1-46 0 0,-5 0 25 0 0,0 0 1 0 0,0 0-1 0 0,0-1 1 0 0,0 0-1 0 0,0-1 1 0 0,0 0-1 0 0,1-1 0 0 0,-1 0 1 0 0,0-1-1 0 0,0 0 1 0 0,0 0-1 0 0,2-2-25 0 0,24-6 108 0 0,-1 2-1 0 0,22 0-107 0 0,-21 2 67 0 0,0-1-1 0 0,20-7-66 0 0,-39 10 17 0 0,1 1-1 0 0,-1 1 1 0 0,0 0-1 0 0,1 1 0 0 0,17 2-16 0 0,49-4-38 0 0,-69 2 37 0 0,0 1-1 0 0,-1 0 1 0 0,1 1-1 0 0,0 1 0 0 0,-1 1 1 0 0,10 2 1 0 0,-10-1 2 0 0,-1-1 0 0 0,1-1 0 0 0,-1 0 0 0 0,1-1-1 0 0,0-1 1 0 0,0 0 0 0 0,12-2-2 0 0,-5-2 3 0 0,7-3 19 0 0,0 2-1 0 0,0 2 1 0 0,0 0 0 0 0,0 2 0 0 0,1 1-1 0 0,-1 1 1 0 0,10 3-22 0 0,7 1 14 0 0,0-3 0 0 0,0-1 0 0 0,0-3 0 0 0,-1-1 0 0 0,7-4-14 0 0,22 0 6 0 0,26 2-6 0 0,46-2-45 0 0,-82 2 45 0 0,62 4 0 0 0,30 5 65 0 0,6-6-65 0 0,138 7-54 0 0,-78 1 76 0 0,-77-9 18 0 0,81-15-40 0 0,-157 14-26 0 0,0 2 0 0 0,41 6 26 0 0,23 0-15 0 0,-47-7 30 0 0,-57 0 0 0 0,0 2 1 0 0,0 0 0 0 0,0 3 0 0 0,0 0 0 0 0,22 5-16 0 0,-5 6 0 0 0,-31-8 0 0 0,0 0-1 0 0,0-1 0 0 0,1-1 1 0 0,-1 0-1 0 0,1-1 0 0 0,0-1 1 0 0,0 0-1 0 0,0-1 0 0 0,13-2 1 0 0,-29 2 4 0 0,1 0 0 0 0,-1 0 0 0 0,1 0 0 0 0,-1 0 0 0 0,1 0 1 0 0,-1 0-1 0 0,0 0 0 0 0,1 0 0 0 0,-1 0 0 0 0,1-1 0 0 0,-1 1 0 0 0,1 0 0 0 0,-1 0 0 0 0,0 0 0 0 0,1-1 0 0 0,-1 1 0 0 0,1 0 0 0 0,-1 0 0 0 0,0-1 0 0 0,1 1 0 0 0,-1 0 0 0 0,0-1 0 0 0,0 1 0 0 0,1 0 0 0 0,-1-1 0 0 0,0 1 0 0 0,0 0 0 0 0,1-1 0 0 0,-1 1 0 0 0,0-1 0 0 0,0 1 0 0 0,0 0 0 0 0,0-1 0 0 0,0 1 0 0 0,0-1 0 0 0,1 1 0 0 0,-1-1 0 0 0,0 1 0 0 0,0-1-4 0 0,-1 1 9 0 0,1-1-1 0 0,-1 0 1 0 0,1 1-1 0 0,-1-1 1 0 0,1 1 0 0 0,-1-1-1 0 0,1 1 1 0 0,-1-1-1 0 0,1 1 1 0 0,-1 0-1 0 0,0-1 1 0 0,1 1-1 0 0,-1 0 1 0 0,0-1 0 0 0,1 1-1 0 0,-1 0 1 0 0,0 0-1 0 0,1 0 1 0 0,-1-1-1 0 0,0 1 1 0 0,0 0-1 0 0,1 0 1 0 0,-1 0 0 0 0,0 0-1 0 0,0 0-8 0 0,1 0 5 0 0,-12 50 54 0 0,-11 57-23 0 0,15-78-19 0 0,2 1-1 0 0,1 0 0 0 0,1 0 0 0 0,0 21-16 0 0,2-16 13 0 0,-1 0-1 0 0,-2 0 0 0 0,-9 28-12 0 0,6-28 14 0 0,2 0-1 0 0,1 0 1 0 0,0 31-14 0 0,6 21 108 0 0,1-13-54 0 0,-4-1 0 0 0,-8 50-54 0 0,3-51 7 0 0,3 0 0 0 0,4 14-7 0 0,-2 46-35 0 0,-8 475-43 0 0,9-596 62 0 0,-4 128-257 0 0,7 56 273 0 0,-1-76-90 0 0,-1-73 61 0 0,1 0 0 0 0,2 1-1 0 0,3 2 30 0 0,-1-7-130 0 0,-1-1 0 0 0,-2 1 0 0 0,-2-1 0 0 0,-2 1 0 0 0,-2 1 130 0 0,3-9-193 0 0,1 1 0 0 0,1-1 0 0 0,2 1-1 0 0,4 12 194 0 0,-7-44-48 0 0,0 0-1 0 0,0 0 1 0 0,-1 0-1 0 0,1 0 1 0 0,-1 0-1 0 0,1 0 1 0 0,-1 0-1 0 0,0 0 1 0 0,0 0-1 0 0,0-1 1 0 0,-1 1 48 0 0,-9 13-2138 0 0,-4-10-4072 0 0,10-11-1191 0 0,3 0-571 0 0</inkml:trace>
   <inkml:trace contextRef="#ctx0" brushRef="#br0" timeOffset="4802.812">66 3439 5673 0 0,'5'-6'8807'0'0,"-5"5"-8668"0"0,1 1 0 0 0,-1-1 0 0 0,0 0 0 0 0,0 0-1 0 0,0 1 1 0 0,1-1 0 0 0,-1 0 0 0 0,0 1 0 0 0,1-1 0 0 0,-1 1 0 0 0,1-1-1 0 0,-1 0 1 0 0,0 1 0 0 0,1-1 0 0 0,-1 1 0 0 0,1-1 0 0 0,0 1 0 0 0,-1-1-1 0 0,1 1 1 0 0,-1 0 0 0 0,1-1 0 0 0,0 1 0 0 0,-1 0 0 0 0,1-1 0 0 0,0 1-1 0 0,-1 0 1 0 0,1 0 0 0 0,0 0 0 0 0,-1-1 0 0 0,1 1 0 0 0,0 0 0 0 0,0 0-1 0 0,-1 0 1 0 0,1 0 0 0 0,0 0 0 0 0,-1 0 0 0 0,1 1 0 0 0,0-1 0 0 0,0 0-1 0 0,-1 0 1 0 0,1 0 0 0 0,0 1 0 0 0,-1-1 0 0 0,1 0 0 0 0,0 1 0 0 0,-1-1 0 0 0,1 1-1 0 0,-1-1 1 0 0,1 0 0 0 0,-1 1 0 0 0,1-1 0 0 0,-1 1 0 0 0,1 0 0 0 0,-1-1-1 0 0,1 1 1 0 0,-1-1 0 0 0,0 1 0 0 0,1 0 0 0 0,-1 0-139 0 0,2 0 71 0 0,-1 0 0 0 0,0 1 0 0 0,1-1 0 0 0,0 0 1 0 0,-1 1-1 0 0,1-1 0 0 0,0 0 0 0 0,-1 0 0 0 0,1-1 0 0 0,0 1 0 0 0,0 0 1 0 0,0 0-1 0 0,0-1 0 0 0,0 1 0 0 0,0-1 0 0 0,0 0 0 0 0,0 0 0 0 0,0 1 1 0 0,0-1-1 0 0,0-1 0 0 0,0 1 0 0 0,0 0 0 0 0,0 0 0 0 0,0-1 0 0 0,1 0-70 0 0,54-16 349 0 0,-47 13-136 0 0,14-3-83 0 0,1 1-1 0 0,-1 1 1 0 0,1 1-1 0 0,0 1 1 0 0,6 1-131 0 0,-1 0 376 0 0,0-2 0 0 0,0 0 1 0 0,7-4-377 0 0,-23 4 89 0 0,0 2 0 0 0,0 0 0 0 0,0 0 0 0 0,0 1 0 0 0,0 1 0 0 0,0 1 0 0 0,10 1-89 0 0,16 4 126 0 0,-1 2-1 0 0,1 1-125 0 0,-17-2 31 0 0,0-1-1 0 0,1-1 1 0 0,0-2-1 0 0,0 0 1 0 0,0-2-1 0 0,0 0 1 0 0,16-3-31 0 0,117-25 584 0 0,28-3 43 0 0,2 7-467 0 0,170-44-160 0 0,-268 49 45 0 0,0 3 1 0 0,1 4-1 0 0,0 4 0 0 0,0 5 1 0 0,88 7-46 0 0,-101-3-52 0 0,0-4 1 0 0,53-9 51 0 0,-60 3 7 0 0,0 4-1 0 0,0 3 1 0 0,37 5-7 0 0,28 12 0 0 0,-41-3-4 0 0,1-5 0 0 0,5-3 4 0 0,-32-6 5 0 0,57 1 38 0 0,-1 4 0 0 0,44 11-43 0 0,-35 1-28 0 0,0-6 1 0 0,1-7-1 0 0,93-9 28 0 0,-141-2 78 0 0,-39 3-73 0 0,1 2 0 0 0,44 3-5 0 0,0 3 24 0 0,-89-2-530 0 0,-9 3 1501 0 0,-5 2-4484 0 0,11-1-6436 0 0,1-5 1075 0 0</inkml:trace>
-  <inkml:trace contextRef="#ctx0" brushRef="#br0" timeOffset="6126.439">4410 1762 8666 0 0,'-23'14'4025'0'0,"19"-12"-2440"0"0,9-9-192 0 0,4-5-209 0 0,7-9-4 0 0,1 1 1 0 0,0 1-1 0 0,2 1 1 0 0,12-9-1181 0 0,0 1 577 0 0,2 3 1 0 0,24-14-578 0 0,39-15-545 0 0,77-28 545 0 0,-134 63 340 0 0,104-42 683 0 0,135-36-1023 0 0,155-22 1252 0 0,-196 55-1125 0 0,-26 9 1113 0 0,103-7-1240 0 0,-251 58 2124 0 0,-70 2-4887 0 0,5 0-1613 0 0,1 1-4407 0 0,1-2 751 0 0</inkml:trace>
+  <inkml:trace contextRef="#ctx0" brushRef="#br0" timeOffset="6126.438">4410 1762 8666 0 0,'-23'14'4025'0'0,"19"-12"-2440"0"0,9-9-192 0 0,4-5-209 0 0,7-9-4 0 0,1 1 1 0 0,0 1-1 0 0,2 1 1 0 0,12-9-1181 0 0,0 1 577 0 0,2 3 1 0 0,24-14-578 0 0,39-15-545 0 0,77-28 545 0 0,-134 63 340 0 0,104-42 683 0 0,135-36-1023 0 0,155-22 1252 0 0,-196 55-1125 0 0,-26 9 1113 0 0,103-7-1240 0 0,-251 58 2124 0 0,-70 2-4887 0 0,5 0-1613 0 0,1 1-4407 0 0,1-2 751 0 0</inkml:trace>
   <inkml:trace contextRef="#ctx0" brushRef="#br0" timeOffset="6777.259">6988 832 10786 0 0,'-3'1'257'0'0,"1"1"0"0"0,-1 0 0 0 0,1-1 0 0 0,0 1 0 0 0,0 1 0 0 0,0-1 0 0 0,0 0 0 0 0,0 0-1 0 0,0 1 1 0 0,0-1 0 0 0,1 1 0 0 0,0-1 0 0 0,-1 1 0 0 0,1 0 0 0 0,0 0 0 0 0,0-1 0 0 0,0 1 0 0 0,1 0 0 0 0,-1 0-1 0 0,1 0 1 0 0,-1 0 0 0 0,1 0 0 0 0,0 0 0 0 0,0 0 0 0 0,1 1-257 0 0,0 15 191 0 0,1-1-1 0 0,1 1 1 0 0,4 17-191 0 0,2 6 240 0 0,-6-17-562 0 0,0 0 0 0 0,-2 0-1 0 0,-1 1 1 0 0,-1 5 322 0 0,-4-3-4141 0 0,-3-2-3573 0 0,7-24 3645 0 0</inkml:trace>
   <inkml:trace contextRef="#ctx0" brushRef="#br0" timeOffset="7146.031">6994 958 11771 0 0,'-1'-1'144'0'0,"0"0"0"0"0,1 0 1 0 0,-1-1-1 0 0,0 1 0 0 0,1-1 1 0 0,-1 1-1 0 0,1-1 0 0 0,-1 1 1 0 0,1-1-1 0 0,-1 1 0 0 0,1-1 1 0 0,0 1-1 0 0,0-1 0 0 0,0 1 1 0 0,0-1-1 0 0,0 1 0 0 0,0-1 1 0 0,0 0-1 0 0,1 1 0 0 0,-1-1 1 0 0,1 1-1 0 0,-1-1 0 0 0,1 1 1 0 0,-1 0-1 0 0,1-1 0 0 0,0 1 1 0 0,0-1-145 0 0,1 0 144 0 0,0-1 0 0 0,1 1 0 0 0,-1 0 0 0 0,1-1-1 0 0,-1 1 1 0 0,1 1 0 0 0,0-1 0 0 0,0 0 0 0 0,0 1 0 0 0,0-1 0 0 0,0 1 0 0 0,3-1-144 0 0,3-1 93 0 0,1 0 0 0 0,-1 1 0 0 0,1 1 1 0 0,0-1-1 0 0,0 1 0 0 0,-1 1 0 0 0,1 0 0 0 0,10 1-93 0 0,-17-1 20 0 0,1 1 0 0 0,-1-1 1 0 0,1 1-1 0 0,-1 0 0 0 0,0 0 0 0 0,0 0 0 0 0,1 0 1 0 0,-1 1-1 0 0,0-1 0 0 0,0 1 0 0 0,0 0 1 0 0,0 0-1 0 0,-1 0 0 0 0,1 0 0 0 0,0 1 0 0 0,-1-1 1 0 0,0 1-1 0 0,1-1 0 0 0,-1 1 0 0 0,0 0 1 0 0,0 0-1 0 0,-1 0 0 0 0,1 0 0 0 0,-1 0 0 0 0,1 0 1 0 0,0 3-21 0 0,-1 1-77 0 0,0-1-1 0 0,-1 1 1 0 0,0 0 0 0 0,0-1 0 0 0,-1 1 0 0 0,1-1-1 0 0,-1 1 1 0 0,-1-1 0 0 0,1 1 0 0 0,-1-1 0 0 0,0 0 0 0 0,-1 0-1 0 0,-2 5 78 0 0,0 0-207 0 0,0 0 0 0 0,0-1 0 0 0,-1 0 0 0 0,-1 0 0 0 0,0 0 0 0 0,0-1-1 0 0,-1 0 1 0 0,0-1 0 0 0,0 1 0 0 0,-1-1 0 0 0,0-1 0 0 0,-1 0-1 0 0,0 0 1 0 0,0-1 0 0 0,-5 2 207 0 0,9-5 375 0 0,0 0-1 0 0,0 0 1 0 0,1 1 0 0 0,-1-1-1 0 0,1 1 1 0 0,0 1-1 0 0,0-1 1 0 0,0 1 0 0 0,1-1-1 0 0,-1 2-374 0 0,5-6 328 0 0,36-13 2474 0 0,28 19-2615 0 0,24-1-2566 0 0,-81-5 908 0 0,-1-1 1 0 0,0 0-1 0 0,0 0 1 0 0,0 0-1 0 0,0-1 0 0 0,0 0 1 0 0,4-1 1470 0 0,-1-2-5088 0 0</inkml:trace>
   <inkml:trace contextRef="#ctx0" brushRef="#br0" timeOffset="7489.521">7330 822 14971 0 0,'-2'-2'396'0'0,"0"0"0"0"0,-1 1-1 0 0,1-1 1 0 0,0 0 0 0 0,-1 1-1 0 0,1 0 1 0 0,-1-1 0 0 0,0 1 0 0 0,1 0-1 0 0,-1 1 1 0 0,0-1 0 0 0,1 0-1 0 0,-1 1 1 0 0,-2-1-396 0 0,5 1 68 0 0,-1 0 0 0 0,1 0 0 0 0,-1 1 0 0 0,1-1 0 0 0,0 0 0 0 0,-1 0-1 0 0,1 0 1 0 0,-1 1 0 0 0,1-1 0 0 0,0 0 0 0 0,-1 1 0 0 0,1-1 0 0 0,0 0 0 0 0,-1 1 0 0 0,1-1 0 0 0,0 0 0 0 0,-1 1 0 0 0,1-1-1 0 0,0 0 1 0 0,0 1 0 0 0,0-1 0 0 0,-1 1 0 0 0,1-1 0 0 0,0 1 0 0 0,0-1 0 0 0,0 0 0 0 0,0 1 0 0 0,0 0-68 0 0,3 25 1047 0 0,26 74-454 0 0,-16-60-620 0 0,-1 0 0 0 0,-3 1-1 0 0,-1 0 1 0 0,-1 1 0 0 0,-3 5 27 0 0,-3-18-814 0 0,2 35-1901 0 0,5-25-5514 0 0,-5-35 3604 0 0,-3-5-420 0 0</inkml:trace>
@@ -287,8 +287,8 @@
   <inkml:trace contextRef="#ctx0" brushRef="#br0" timeOffset="8177.257">7582 912 9082 0 0,'10'11'8206'0'0,"7"6"-3946"0"0,-1-3-4145 0 0,0-1 1 0 0,1 0-1 0 0,0-1 0 0 0,1-1 1 0 0,17 7-116 0 0,-33-17 311 0 0,15 8-3903 0 0,-16-9 3262 0 0,-1 0 0 0 0,0 1 0 0 0,1-1 0 0 0,-1 1 0 0 0,0-1 1 0 0,0 1-1 0 0,0-1 0 0 0,1 0 0 0 0,-1 1 0 0 0,0-1 0 0 0,0 1 0 0 0,0-1 0 0 0,0 1 0 0 0,0-1 0 0 0,0 1 1 0 0,0-1-1 0 0,0 1 0 0 0,0-1 0 0 0,0 1 0 0 0,0-1 0 0 0,0 1 0 0 0,0-1 0 0 0,0 1 0 0 0,-1-1 1 0 0,1 1-1 0 0,0-1 0 0 0,0 0 0 0 0,0 1 0 0 0,-1-1 0 0 0,1 1 0 0 0,0-1 0 0 0,-1 0 0 0 0,1 1 0 0 0,0-1 1 0 0,-1 1 329 0 0,-3 3-5106 0 0</inkml:trace>
   <inkml:trace contextRef="#ctx0" brushRef="#br0" timeOffset="8178.257">7463 1287 14091 0 0,'-39'8'5968'0'0,"39"-8"-5948"0"0,0 0 0 0 0,0 0 1 0 0,0 0-1 0 0,0 0 1 0 0,0 0-1 0 0,0 1 0 0 0,1-1 1 0 0,-1 0-1 0 0,0 0 0 0 0,0 0 1 0 0,0 0-1 0 0,0 0 0 0 0,0 0 1 0 0,0 0-1 0 0,0 0 1 0 0,0 0-1 0 0,0 0 0 0 0,0 0 1 0 0,0 1-1 0 0,0-1 0 0 0,0 0 1 0 0,0 0-1 0 0,0 0 0 0 0,0 0 1 0 0,0 0-1 0 0,0 0 1 0 0,0 0-1 0 0,0 0 0 0 0,0 0 1 0 0,0 1-1 0 0,0-1 0 0 0,0 0 1 0 0,0 0-1 0 0,0 0 1 0 0,0 0-1 0 0,0 0 0 0 0,0 0 1 0 0,0 0-1 0 0,0 0 0 0 0,0 0 1 0 0,-1 0-1 0 0,1 0 0 0 0,0 1 1 0 0,0-1-1 0 0,0 0 1 0 0,0 0-1 0 0,0 0 0 0 0,0 0 1 0 0,0 0-1 0 0,0 0 0 0 0,0 0 1 0 0,0 0-1 0 0,0 0 0 0 0,-1 0 1 0 0,1 0-1 0 0,0 0 1 0 0,0 0-1 0 0,0 0 0 0 0,0 0 1 0 0,0 0-21 0 0,24 2 1663 0 0,168-5 124 0 0,-64-5-4795 0 0,-108 3-1576 0 0,-8-2-2906 0 0,-8 3 1170 0 0</inkml:trace>
   <inkml:trace contextRef="#ctx0" brushRef="#br0" timeOffset="8509.123">7771 860 15731 0 0,'-1'-1'55'0'0,"1"1"-1"0"0,0 0 1 0 0,-1 0 0 0 0,1 0-1 0 0,-1 0 1 0 0,1-1-1 0 0,0 1 1 0 0,-1 0-1 0 0,1 0 1 0 0,0-1-1 0 0,-1 1 1 0 0,1 0-1 0 0,0-1 1 0 0,-1 1-1 0 0,1 0 1 0 0,0-1-1 0 0,0 1 1 0 0,-1 0 0 0 0,1-1-1 0 0,0 1 1 0 0,0-1-1 0 0,0 1 1 0 0,-1 0-1 0 0,1-1 1 0 0,0 1-1 0 0,0-1 1 0 0,0 1-1 0 0,0-1 1 0 0,0 1-1 0 0,0-1 1 0 0,0 1 0 0 0,0 0-1 0 0,0-1 1 0 0,0 1-1 0 0,0-1 1 0 0,0 1-1 0 0,0-1 1 0 0,1 1-1 0 0,-1 0 1 0 0,0-1-1 0 0,0 1 1 0 0,0-1-1 0 0,1 1 1 0 0,-1 0 0 0 0,0-1-1 0 0,1 1-54 0 0,25-16 1767 0 0,38-3 13 0 0,-53 16-1692 0 0,0 1 0 0 0,0 1 0 0 0,0 0 0 0 0,0 1 0 0 0,0 0 0 0 0,0 0-1 0 0,0 1 1 0 0,0 0 0 0 0,6 3-88 0 0,-13-3 16 0 0,0 0-1 0 0,0 1 0 0 0,-1-1 1 0 0,1 1-1 0 0,-1 0 1 0 0,0 0-1 0 0,1 0 1 0 0,-1 1-1 0 0,0-1 1 0 0,0 1-1 0 0,0 0 1 0 0,-1-1-1 0 0,1 1 1 0 0,-1 1-1 0 0,0-1 0 0 0,1 0 1 0 0,-1 0-1 0 0,-1 1 1 0 0,1-1-1 0 0,0 1 1 0 0,-1 0-1 0 0,0 0 1 0 0,0-1-1 0 0,0 1 1 0 0,0 0-1 0 0,-1 0 1 0 0,1 4-16 0 0,0 7 35 0 0,-1 1 1 0 0,0 0-1 0 0,-3 13-35 0 0,2-15-355 0 0,0 0-1 0 0,0 0 0 0 0,2 0 0 0 0,1 12 356 0 0,-1-21-943 0 0,0 1 1 0 0,0-1-1 0 0,1 0 0 0 0,0 1 1 0 0,0-1-1 0 0,1 0 0 0 0,-1 0 1 0 0,4 4 942 0 0,-5-5-5626 0 0,-2-4 955 0 0</inkml:trace>
-  <inkml:trace contextRef="#ctx0" brushRef="#br0" timeOffset="8841.805">7812 988 14379 0 0,'-13'-3'4790'0'0,"1"4"-2774"0"0,31 1-1347 0 0,14-4-122 0 0,0-1 0 0 0,0-2 0 0 0,10-3-547 0 0,46-6-2891 0 0,-89 14 2770 0 0,0 0 0 0 0,1 0-1 0 0,-1 0 1 0 0,1 0 0 0 0,-1 0-1 0 0,0 0 1 0 0,1 0 0 0 0,-1 0-1 0 0,0 0 1 0 0,1 0 0 0 0,-1 0-1 0 0,1 0 1 0 0,-1 0 0 0 0,0 0-1 0 0,1 0 1 0 0,-1 0 0 0 0,0 0-1 0 0,1 1 1 0 0,-1-1 0 0 0,0 0-1 0 0,1 0 1 0 0,-1 0 0 0 0,0 1-1 0 0,1-1 1 0 0,-1 0 0 0 0,0 1-1 0 0,0-1 1 0 0,1 0-1 0 0,-1 0 1 0 0,0 1 0 0 0,0-1-1 0 0,0 0 1 0 0,1 1 0 0 0,-1-1-1 0 0,0 0 1 0 0,0 1 0 0 0,0-1-1 0 0,0 1 1 0 0,0-1 0 0 0,0 0-1 0 0,0 1 1 0 0,0-1 0 0 0,0 0-1 0 0,0 1 1 0 0,0-1 0 0 0,0 1-1 0 0,0-1 1 0 0,0 0 0 0 0,0 1-1 0 0,0-1 1 0 0,0 0 0 0 0,0 1-1 0 0,-1-1 1 0 0,1 0 0 0 0,0 1-1 0 0,0-1 1 0 0,0 0 0 0 0,-1 1-1 0 0,1-1 1 0 0,0 0 0 0 0,0 1-1 0 0,-1-1 1 0 0,1 0-1 0 0,0 0 1 0 0,-1 1 0 0 0,1-1-1 0 0,0 0 1 0 0,-1 0 0 0 0,1 0 121 0 0,-20 24-7651 0 0,10-13 3742 0 0</inkml:trace>
-  <inkml:trace contextRef="#ctx0" brushRef="#br0" timeOffset="8842.805">7736 1258 10946 0 0,'-9'5'4846'0'0,"10"-1"-1611"0"0,20 2-270 0 0,33-1-1739 0 0,116-12-121 0 0,-98 0-6945 0 0,-52 0-5626 0 0,-12 3 5897 0 0</inkml:trace>
+  <inkml:trace contextRef="#ctx0" brushRef="#br0" timeOffset="8841.804">7812 988 14379 0 0,'-13'-3'4790'0'0,"1"4"-2774"0"0,31 1-1347 0 0,14-4-122 0 0,0-1 0 0 0,0-2 0 0 0,10-3-547 0 0,46-6-2891 0 0,-89 14 2770 0 0,0 0 0 0 0,1 0-1 0 0,-1 0 1 0 0,1 0 0 0 0,-1 0-1 0 0,0 0 1 0 0,1 0 0 0 0,-1 0-1 0 0,0 0 1 0 0,1 0 0 0 0,-1 0-1 0 0,1 0 1 0 0,-1 0 0 0 0,0 0-1 0 0,1 0 1 0 0,-1 0 0 0 0,0 0-1 0 0,1 1 1 0 0,-1-1 0 0 0,0 0-1 0 0,1 0 1 0 0,-1 0 0 0 0,0 1-1 0 0,1-1 1 0 0,-1 0 0 0 0,0 1-1 0 0,0-1 1 0 0,1 0-1 0 0,-1 0 1 0 0,0 1 0 0 0,0-1-1 0 0,0 0 1 0 0,1 1 0 0 0,-1-1-1 0 0,0 0 1 0 0,0 1 0 0 0,0-1-1 0 0,0 1 1 0 0,0-1 0 0 0,0 0-1 0 0,0 1 1 0 0,0-1 0 0 0,0 0-1 0 0,0 1 1 0 0,0-1 0 0 0,0 1-1 0 0,0-1 1 0 0,0 0 0 0 0,0 1-1 0 0,0-1 1 0 0,0 0 0 0 0,0 1-1 0 0,-1-1 1 0 0,1 0 0 0 0,0 1-1 0 0,0-1 1 0 0,0 0 0 0 0,-1 1-1 0 0,1-1 1 0 0,0 0 0 0 0,0 1-1 0 0,-1-1 1 0 0,1 0-1 0 0,0 0 1 0 0,-1 1 0 0 0,1-1-1 0 0,0 0 1 0 0,-1 0 0 0 0,1 0 121 0 0,-20 24-7651 0 0,10-13 3742 0 0</inkml:trace>
+  <inkml:trace contextRef="#ctx0" brushRef="#br0" timeOffset="8842.804">7736 1258 10946 0 0,'-9'5'4846'0'0,"10"-1"-1611"0"0,20 2-270 0 0,33-1-1739 0 0,116-12-121 0 0,-98 0-6945 0 0,-52 0-5626 0 0,-12 3 5897 0 0</inkml:trace>
 </inkml:ink>
 </file>
 
@@ -437,7 +437,7 @@
   <inkml:trace contextRef="#ctx0" brushRef="#br0">93 137 4881 0 0,'-92'10'12661'0'0,"129"-43"-10520"0"0,-26 26-2083 0 0,49-31 22 0 0,-56 36-74 0 0,1-1 0 0 0,0 1 0 0 0,0 0 0 0 0,-1 1 0 0 0,1-1 1 0 0,0 1-1 0 0,1 0 0 0 0,-1 0 0 0 0,0 0 0 0 0,0 1 0 0 0,3 0-6 0 0,-6 0 6 0 0,0 1-1 0 0,-1 0 0 0 0,1 0 1 0 0,0 0-1 0 0,-1 0 0 0 0,0 0 1 0 0,1 0-1 0 0,-1 0 0 0 0,1 0 1 0 0,-1 1-1 0 0,0-1 0 0 0,0 1 1 0 0,0-1-1 0 0,0 1 0 0 0,0-1 1 0 0,0 1-1 0 0,0 0 0 0 0,-1-1 1 0 0,1 1-1 0 0,0 0 0 0 0,-1-1 1 0 0,1 1-1 0 0,-1 0 0 0 0,0 0 0 0 0,0 0 1 0 0,0-1-1 0 0,0 1 0 0 0,0 2-4 0 0,-1 53 120 0 0,-3-43-44 0 0,0 0-1 0 0,-1 0 1 0 0,-1 0 0 0 0,0 0-1 0 0,-1-1 1 0 0,0 0 0 0 0,-1 0-1 0 0,-1 0-76 0 0,-25 45-682 0 0,45-64-8064 0 0,4-15 4333 0 0,-14 14 3031 0 0,2 0-1919 0 0</inkml:trace>
   <inkml:trace contextRef="#ctx0" brushRef="#br0" timeOffset="349.85">152 230 5777 0 0,'3'3'7296'0'0,"6"5"-3475"0"0,49 40-2290 0 0,-53-46-1846 0 0,26 17 476 0 0,-23-7-2805 0 0,-14 3-4681 0 0,6-14 5256 0 0,0-2-2220 0 0</inkml:trace>
   <inkml:trace contextRef="#ctx0" brushRef="#br0" timeOffset="686.116">210 151 7282 0 0,'-1'0'466'0'0,"0"-1"1"0"0,-1 1-1 0 0,1 0 1 0 0,0 0 0 0 0,-1 0-1 0 0,1 0 1 0 0,0 0-1 0 0,-1 0 1 0 0,1 0 0 0 0,0 0-1 0 0,-1 0 1 0 0,1 0-1 0 0,0 1 1 0 0,-1-1 0 0 0,1 1-1 0 0,0-1 1 0 0,0 1-1 0 0,-1 0-466 0 0,3 3 1651 0 0,14-1-1121 0 0,120-10-735 0 0,-133 3-1231 0 0,-1 0 0 0 0,0 0 0 0 0,0-1 0 0 0,0 1 0 0 0,0 0-1 0 0,0 0 1 0 0,-1-1 0 0 0,0-3 1436 0 0,1-5-363 0 0,0 9 295 0 0,3-36 2273 0 0,-4 38-1651 0 0,0 0 0 0 0,0 1 1 0 0,-1-1-1 0 0,1 1 0 0 0,-1-1 0 0 0,1 0 1 0 0,-1 1-1 0 0,0 0 0 0 0,1-1 1 0 0,-1 1-1 0 0,0-1 0 0 0,0 1 0 0 0,0 0 1 0 0,-1-2-555 0 0,3 13 3994 0 0,-1 20-2869 0 0,0-12-682 0 0,8 89 472 0 0,0 1-1322 0 0,-6-36-3615 0 0,-6-84-7275 0 0,2 8 6813 0 0</inkml:trace>
-  <inkml:trace contextRef="#ctx0" brushRef="#br0" timeOffset="1038.054">113 455 10234 0 0,'-27'-1'5406'0'0,"46"1"-2197"0"0,45-1-1843 0 0,-56 1-1327 0 0,0 0 1 0 0,0 1-1 0 0,0-1 1 0 0,0 2-1 0 0,0-1 1 0 0,0 1-1 0 0,0 0 1 0 0,0 1-1 0 0,-1 0 1 0 0,1 0-1 0 0,3 2-39 0 0,-7-2 7 0 0,0 0-1 0 0,0 0 1 0 0,-1 1-1 0 0,1-1 0 0 0,0 1 1 0 0,-1 0-1 0 0,0 0 0 0 0,0 0 1 0 0,0 0-1 0 0,-1 0 1 0 0,1 1-1 0 0,-1-1 0 0 0,0 1 1 0 0,0-1-1 0 0,-1 1 1 0 0,1 0-1 0 0,-1 0 0 0 0,0 5-6 0 0,2 8-145 0 0,-3-13-215 0 0,0 0 0 0 0,1 0 0 0 0,-1-1-1 0 0,1 1 1 0 0,0 0 0 0 0,1-1 0 0 0,-1 1-1 0 0,1 0 1 0 0,0-1 0 0 0,2 4 360 0 0,7-47-11097 0 0,-9 31 7033 0 0</inkml:trace>
+  <inkml:trace contextRef="#ctx0" brushRef="#br0" timeOffset="1038.053">113 455 10234 0 0,'-27'-1'5406'0'0,"46"1"-2197"0"0,45-1-1843 0 0,-56 1-1327 0 0,0 0 1 0 0,0 1-1 0 0,0-1 1 0 0,0 2-1 0 0,0-1 1 0 0,0 1-1 0 0,0 0 1 0 0,0 1-1 0 0,-1 0 1 0 0,1 0-1 0 0,3 2-39 0 0,-7-2 7 0 0,0 0-1 0 0,0 0 1 0 0,-1 1-1 0 0,1-1 0 0 0,0 1 1 0 0,-1 0-1 0 0,0 0 0 0 0,0 0 1 0 0,0 0-1 0 0,-1 0 1 0 0,1 1-1 0 0,-1-1 0 0 0,0 1 1 0 0,0-1-1 0 0,-1 1 1 0 0,1 0-1 0 0,-1 0 0 0 0,0 5-6 0 0,2 8-145 0 0,-3-13-215 0 0,0 0 0 0 0,1 0 0 0 0,-1-1-1 0 0,1 1 1 0 0,0 0 0 0 0,1-1 0 0 0,-1 1-1 0 0,1 0 1 0 0,0-1 0 0 0,2 4 360 0 0,7-47-11097 0 0,-9 31 7033 0 0</inkml:trace>
   <inkml:trace contextRef="#ctx0" brushRef="#br0" timeOffset="1372.014">452 78 8810 0 0,'-2'0'435'0'0,"1"-1"0"0"0,-1 1 0 0 0,0 0 0 0 0,0 1 0 0 0,0-1 0 0 0,0 0 0 0 0,0 1 0 0 0,0-1 1 0 0,0 1-1 0 0,0-1 0 0 0,1 1 0 0 0,-1 0 0 0 0,0 0 0 0 0,0 0-435 0 0,2-1 115 0 0,-1 1 0 0 0,1-1-1 0 0,0 1 1 0 0,-1-1 0 0 0,1 0 0 0 0,0 1-1 0 0,0-1 1 0 0,-1 1 0 0 0,1-1 0 0 0,0 1 0 0 0,0-1-1 0 0,0 1 1 0 0,0-1 0 0 0,0 1 0 0 0,0-1 0 0 0,0 1-1 0 0,0-1 1 0 0,0 1 0 0 0,0-1 0 0 0,0 1-1 0 0,0-1 1 0 0,0 1 0 0 0,0-1 0 0 0,0 1 0 0 0,1-1-1 0 0,-1 1 1 0 0,0-1 0 0 0,0 1 0 0 0,1-1 0 0 0,-1 1-1 0 0,0-1-114 0 0,5 6 291 0 0,-1 0 0 0 0,1 0 0 0 0,0-1 0 0 0,1 1-1 0 0,-1-1 1 0 0,2 0-291 0 0,0 1-213 0 0,0 1 229 0 0,0-2-1 0 0,0 1 1 0 0,0-1 0 0 0,1 0-1 0 0,-1 0 1 0 0,1-1 0 0 0,0 0-1 0 0,7 2-15 0 0,-12-5-4 0 0,-1 0-1 0 0,1-1 1 0 0,0 1-1 0 0,0-1 0 0 0,-1 1 1 0 0,1-1-1 0 0,0 0 1 0 0,0 0-1 0 0,-1-1 1 0 0,1 1-1 0 0,0-1 1 0 0,-1 1-1 0 0,1-1 1 0 0,0 0-1 0 0,-1 0 0 0 0,1 0 1 0 0,-1 0-1 0 0,1 0 1 0 0,-1 0-1 0 0,1-1 1 0 0,-1 0-1 0 0,0 1 1 0 0,0-1-1 0 0,0 0 0 0 0,0 0 1 0 0,0 0-1 0 0,0 0 1 0 0,-1 0-1 0 0,2-3 5 0 0,1 0 6 0 0,0 0-1 0 0,0-1 0 0 0,-1 1 1 0 0,0-1-1 0 0,0 0 0 0 0,-1 0 1 0 0,0 0-1 0 0,0 0 1 0 0,0-1-1 0 0,0 1 0 0 0,-1-1 1 0 0,0-2-6 0 0,-1 6 55 0 0,0 0 0 0 0,-1 0 1 0 0,1 0-1 0 0,-1 0 1 0 0,1 0-1 0 0,-1 0 0 0 0,0 0 1 0 0,0 0-1 0 0,0 0 0 0 0,-1 1 1 0 0,1-1-1 0 0,-1 0 1 0 0,1 1-1 0 0,-1-1 0 0 0,0 1 1 0 0,0-1-1 0 0,0 1 0 0 0,0 0 1 0 0,0 0-1 0 0,-1 0 1 0 0,1 0-1 0 0,-1 0 0 0 0,1 1 1 0 0,-1-1-1 0 0,0 1 1 0 0,-2-1-56 0 0,0-1 11 0 0,0 0 1 0 0,0 1 0 0 0,0 0-1 0 0,-1 0 1 0 0,1 1 0 0 0,0-1-1 0 0,-1 1 1 0 0,0 0 0 0 0,1 1-1 0 0,-1-1 1 0 0,0 1 0 0 0,1 0 0 0 0,-5 1-12 0 0,8 0-5 0 0,0 0 1 0 0,0-1 0 0 0,0 1 0 0 0,0 0 0 0 0,0 1-1 0 0,0-1 1 0 0,0 0 0 0 0,0 1 0 0 0,0-1 0 0 0,1 1-1 0 0,-1-1 1 0 0,0 1 0 0 0,1 0 0 0 0,0 0 0 0 0,-1-1-1 0 0,1 1 1 0 0,0 0 0 0 0,0 0 0 0 0,0 0 0 0 0,0 1-1 0 0,0-1 1 0 0,0 0 0 0 0,1 0 0 0 0,-1 0 0 0 0,1 1 0 0 0,0-1-1 0 0,-1 0 1 0 0,1 1 0 0 0,0-1 0 0 0,0 0 0 0 0,1 0-1 0 0,-1 1 1 0 0,0-1 0 0 0,1 2 4 0 0,0 9-133 0 0,1 90 319 0 0,-14-34-3340 0 0,6-43-1189 0 0,3-6-3322 0 0,2-17 3204 0 0</inkml:trace>
   <inkml:trace contextRef="#ctx0" brushRef="#br0" timeOffset="1719.636">530 218 4857 0 0,'-3'0'856'0'0,"2"1"-728"0"0,-2-1-152 0 0,2 2-32 0 0,1-2-128 0 0,-1 0-144 0 0,1 0-1880 0 0,0 0-337 0 0</inkml:trace>
   <inkml:trace contextRef="#ctx0" brushRef="#br0" timeOffset="1720.636">527 214 4001 0 0,'-1'0'1784'0'0,"1"0"-1512"0"0,-1 0-96 0 0,1 0 56 0 0,0 0 24 0 0,0 0-56 0 0,0 0-71 0 0,1 0-81 0 0,0 1-48 0 0,1-1-89 0 0,0 0-103 0 0,0 2-88 0 0,0-2-8 0 0,2 0-112 0 0,0-2-3617 0 0</inkml:trace>
@@ -3928,7 +3928,7 @@
     <mc:Choice Requires="p14">
       <p:transition/>
     </mc:Choice>
-    <mc:Fallback xmlns="" xmlns:c="http://schemas.openxmlformats.org/drawingml/2006/chart" xmlns:dgm="http://schemas.openxmlformats.org/drawingml/2006/diagram" xmlns:dsp="http://schemas.microsoft.com/office/drawing/2008/diagram">
+    <mc:Fallback xmlns:dsp="http://schemas.microsoft.com/office/drawing/2008/diagram" xmlns:dgm="http://schemas.openxmlformats.org/drawingml/2006/diagram" xmlns:c="http://schemas.openxmlformats.org/drawingml/2006/chart" xmlns="">
       <p:transition/>
     </mc:Fallback>
   </mc:AlternateContent>
@@ -4987,7 +4987,7 @@
     <mc:Choice Requires="p14">
       <p:transition/>
     </mc:Choice>
-    <mc:Fallback xmlns="" xmlns:c="http://schemas.openxmlformats.org/drawingml/2006/chart" xmlns:dgm="http://schemas.openxmlformats.org/drawingml/2006/diagram" xmlns:dsp="http://schemas.microsoft.com/office/drawing/2008/diagram">
+    <mc:Fallback xmlns:dsp="http://schemas.microsoft.com/office/drawing/2008/diagram" xmlns:dgm="http://schemas.openxmlformats.org/drawingml/2006/diagram" xmlns:c="http://schemas.openxmlformats.org/drawingml/2006/chart" xmlns="">
       <p:transition/>
     </mc:Fallback>
   </mc:AlternateContent>
@@ -6513,7 +6513,7 @@
     <mc:Choice Requires="p14">
       <p:transition/>
     </mc:Choice>
-    <mc:Fallback xmlns="" xmlns:c="http://schemas.openxmlformats.org/drawingml/2006/chart" xmlns:dgm="http://schemas.openxmlformats.org/drawingml/2006/diagram" xmlns:dsp="http://schemas.microsoft.com/office/drawing/2008/diagram">
+    <mc:Fallback xmlns:dsp="http://schemas.microsoft.com/office/drawing/2008/diagram" xmlns:dgm="http://schemas.openxmlformats.org/drawingml/2006/diagram" xmlns:c="http://schemas.openxmlformats.org/drawingml/2006/chart" xmlns="">
       <p:transition/>
     </mc:Fallback>
   </mc:AlternateContent>
@@ -7390,7 +7390,7 @@
     <mc:Choice Requires="p14">
       <p:transition/>
     </mc:Choice>
-    <mc:Fallback xmlns="" xmlns:c="http://schemas.openxmlformats.org/drawingml/2006/chart" xmlns:dgm="http://schemas.openxmlformats.org/drawingml/2006/diagram" xmlns:dsp="http://schemas.microsoft.com/office/drawing/2008/diagram">
+    <mc:Fallback xmlns:dsp="http://schemas.microsoft.com/office/drawing/2008/diagram" xmlns:dgm="http://schemas.openxmlformats.org/drawingml/2006/diagram" xmlns:c="http://schemas.openxmlformats.org/drawingml/2006/chart" xmlns="">
       <p:transition/>
     </mc:Fallback>
   </mc:AlternateContent>
@@ -7883,7 +7883,7 @@
     <mc:Choice Requires="p14">
       <p:transition/>
     </mc:Choice>
-    <mc:Fallback xmlns="" xmlns:c="http://schemas.openxmlformats.org/drawingml/2006/chart" xmlns:dgm="http://schemas.openxmlformats.org/drawingml/2006/diagram" xmlns:dsp="http://schemas.microsoft.com/office/drawing/2008/diagram">
+    <mc:Fallback xmlns:dsp="http://schemas.microsoft.com/office/drawing/2008/diagram" xmlns:dgm="http://schemas.openxmlformats.org/drawingml/2006/diagram" xmlns:c="http://schemas.openxmlformats.org/drawingml/2006/chart" xmlns="">
       <p:transition/>
     </mc:Fallback>
   </mc:AlternateContent>
@@ -8397,7 +8397,7 @@
     <mc:Choice Requires="p14">
       <p:transition/>
     </mc:Choice>
-    <mc:Fallback xmlns="" xmlns:c="http://schemas.openxmlformats.org/drawingml/2006/chart" xmlns:dgm="http://schemas.openxmlformats.org/drawingml/2006/diagram" xmlns:dsp="http://schemas.microsoft.com/office/drawing/2008/diagram">
+    <mc:Fallback xmlns:dsp="http://schemas.microsoft.com/office/drawing/2008/diagram" xmlns:dgm="http://schemas.openxmlformats.org/drawingml/2006/diagram" xmlns:c="http://schemas.openxmlformats.org/drawingml/2006/chart" xmlns="">
       <p:transition/>
     </mc:Fallback>
   </mc:AlternateContent>
@@ -8815,7 +8815,7 @@
     <mc:Choice Requires="p14">
       <p:transition/>
     </mc:Choice>
-    <mc:Fallback xmlns="" xmlns:c="http://schemas.openxmlformats.org/drawingml/2006/chart" xmlns:dgm="http://schemas.openxmlformats.org/drawingml/2006/diagram" xmlns:dsp="http://schemas.microsoft.com/office/drawing/2008/diagram">
+    <mc:Fallback xmlns:dsp="http://schemas.microsoft.com/office/drawing/2008/diagram" xmlns:dgm="http://schemas.openxmlformats.org/drawingml/2006/diagram" xmlns:c="http://schemas.openxmlformats.org/drawingml/2006/chart" xmlns="">
       <p:transition/>
     </mc:Fallback>
   </mc:AlternateContent>
@@ -9037,7 +9037,7 @@
         </p:nvSpPr>
         <p:spPr>
           <a:xfrm>
-            <a:off x="563811" y="2089344"/>
+            <a:off x="1343987" y="2198401"/>
             <a:ext cx="631437" cy="631437"/>
           </a:xfrm>
           <a:prstGeom prst="ellipse">
@@ -9106,7 +9106,7 @@
         </p:nvSpPr>
         <p:spPr>
           <a:xfrm>
-            <a:off x="1049586" y="2205007"/>
+            <a:off x="1829762" y="2314064"/>
             <a:ext cx="3189039" cy="400110"/>
           </a:xfrm>
           <a:prstGeom prst="rect">
@@ -9168,7 +9168,7 @@
         </p:nvSpPr>
         <p:spPr>
           <a:xfrm>
-            <a:off x="1349562" y="2987988"/>
+            <a:off x="2129738" y="3097045"/>
             <a:ext cx="7561076" cy="2042867"/>
           </a:xfrm>
           <a:prstGeom prst="rect">
@@ -9412,44 +9412,8 @@
         </p:blipFill>
         <p:spPr>
           <a:xfrm>
-            <a:off x="6027737" y="1381125"/>
+            <a:off x="6807913" y="1490182"/>
             <a:ext cx="3815775" cy="5075009"/>
-          </a:xfrm>
-          <a:prstGeom prst="rect">
-            <a:avLst/>
-          </a:prstGeom>
-        </p:spPr>
-      </p:pic>
-      <p:pic>
-        <p:nvPicPr>
-          <p:cNvPr id="5" name="그림 4" descr="텍스트, 화이트보드이(가) 표시된 사진&#10;&#10;자동 생성된 설명">
-            <a:extLst>
-              <a:ext uri="{FF2B5EF4-FFF2-40B4-BE49-F238E27FC236}">
-                <a16:creationId xmlns:a16="http://schemas.microsoft.com/office/drawing/2014/main" id="{956207D0-D311-40D6-9202-2492FA74AFD6}"/>
-              </a:ext>
-            </a:extLst>
-          </p:cNvPr>
-          <p:cNvPicPr>
-            <a:picLocks noChangeAspect="1"/>
-          </p:cNvPicPr>
-          <p:nvPr/>
-        </p:nvPicPr>
-        <p:blipFill>
-          <a:blip r:embed="rId3" cstate="print">
-            <a:extLst>
-              <a:ext uri="{28A0092B-C50C-407E-A947-70E740481C1C}">
-                <a14:useLocalDpi xmlns:a14="http://schemas.microsoft.com/office/drawing/2010/main" val="0"/>
-              </a:ext>
-            </a:extLst>
-          </a:blip>
-          <a:stretch>
-            <a:fillRect/>
-          </a:stretch>
-        </p:blipFill>
-        <p:spPr>
-          <a:xfrm>
-            <a:off x="9951427" y="3058416"/>
-            <a:ext cx="2069123" cy="3397718"/>
           </a:xfrm>
           <a:prstGeom prst="rect">
             <a:avLst/>
@@ -9470,7 +9434,7 @@
     <mc:Choice Requires="p14">
       <p:transition/>
     </mc:Choice>
-    <mc:Fallback xmlns="" xmlns:c="http://schemas.openxmlformats.org/drawingml/2006/chart" xmlns:dgm="http://schemas.openxmlformats.org/drawingml/2006/diagram" xmlns:dsp="http://schemas.microsoft.com/office/drawing/2008/diagram">
+    <mc:Fallback xmlns:dsp="http://schemas.microsoft.com/office/drawing/2008/diagram" xmlns:dgm="http://schemas.openxmlformats.org/drawingml/2006/diagram" xmlns:c="http://schemas.openxmlformats.org/drawingml/2006/chart" xmlns="">
       <p:transition/>
     </mc:Fallback>
   </mc:AlternateContent>
@@ -9846,7 +9810,7 @@
     <mc:Choice Requires="p14">
       <p:transition/>
     </mc:Choice>
-    <mc:Fallback xmlns="" xmlns:c="http://schemas.openxmlformats.org/drawingml/2006/chart" xmlns:dgm="http://schemas.openxmlformats.org/drawingml/2006/diagram" xmlns:dsp="http://schemas.microsoft.com/office/drawing/2008/diagram">
+    <mc:Fallback xmlns:dsp="http://schemas.microsoft.com/office/drawing/2008/diagram" xmlns:dgm="http://schemas.openxmlformats.org/drawingml/2006/diagram" xmlns:c="http://schemas.openxmlformats.org/drawingml/2006/chart" xmlns="">
       <p:transition/>
     </mc:Fallback>
   </mc:AlternateContent>
@@ -10620,7 +10584,7 @@
     <mc:Choice Requires="p14">
       <p:transition/>
     </mc:Choice>
-    <mc:Fallback xmlns="" xmlns:c="http://schemas.openxmlformats.org/drawingml/2006/chart" xmlns:dgm="http://schemas.openxmlformats.org/drawingml/2006/diagram" xmlns:dsp="http://schemas.microsoft.com/office/drawing/2008/diagram">
+    <mc:Fallback xmlns:dsp="http://schemas.microsoft.com/office/drawing/2008/diagram" xmlns:dgm="http://schemas.openxmlformats.org/drawingml/2006/diagram" xmlns:c="http://schemas.openxmlformats.org/drawingml/2006/chart" xmlns="">
       <p:transition/>
     </mc:Fallback>
   </mc:AlternateContent>
@@ -10795,7 +10759,7 @@
     <mc:Choice Requires="p14">
       <p:transition/>
     </mc:Choice>
-    <mc:Fallback xmlns="" xmlns:c="http://schemas.openxmlformats.org/drawingml/2006/chart" xmlns:dgm="http://schemas.openxmlformats.org/drawingml/2006/diagram" xmlns:dsp="http://schemas.microsoft.com/office/drawing/2008/diagram">
+    <mc:Fallback xmlns:dsp="http://schemas.microsoft.com/office/drawing/2008/diagram" xmlns:dgm="http://schemas.openxmlformats.org/drawingml/2006/diagram" xmlns:c="http://schemas.openxmlformats.org/drawingml/2006/chart" xmlns="">
       <p:transition/>
     </mc:Fallback>
   </mc:AlternateContent>
@@ -11413,7 +11377,7 @@
     <mc:Choice Requires="p14">
       <p:transition/>
     </mc:Choice>
-    <mc:Fallback xmlns="" xmlns:c="http://schemas.openxmlformats.org/drawingml/2006/chart" xmlns:dgm="http://schemas.openxmlformats.org/drawingml/2006/diagram" xmlns:dsp="http://schemas.microsoft.com/office/drawing/2008/diagram">
+    <mc:Fallback xmlns:dsp="http://schemas.microsoft.com/office/drawing/2008/diagram" xmlns:dgm="http://schemas.openxmlformats.org/drawingml/2006/diagram" xmlns:c="http://schemas.openxmlformats.org/drawingml/2006/chart" xmlns="">
       <p:transition/>
     </mc:Fallback>
   </mc:AlternateContent>
@@ -11795,7 +11759,7 @@
     <mc:Choice Requires="p14">
       <p:transition/>
     </mc:Choice>
-    <mc:Fallback xmlns="" xmlns:c="http://schemas.openxmlformats.org/drawingml/2006/chart" xmlns:dgm="http://schemas.openxmlformats.org/drawingml/2006/diagram" xmlns:dsp="http://schemas.microsoft.com/office/drawing/2008/diagram">
+    <mc:Fallback xmlns:dsp="http://schemas.microsoft.com/office/drawing/2008/diagram" xmlns:dgm="http://schemas.openxmlformats.org/drawingml/2006/diagram" xmlns:c="http://schemas.openxmlformats.org/drawingml/2006/chart" xmlns="">
       <p:transition/>
     </mc:Fallback>
   </mc:AlternateContent>
@@ -12349,7 +12313,7 @@
     <mc:Choice Requires="p14">
       <p:transition/>
     </mc:Choice>
-    <mc:Fallback xmlns="" xmlns:c="http://schemas.openxmlformats.org/drawingml/2006/chart" xmlns:dgm="http://schemas.openxmlformats.org/drawingml/2006/diagram" xmlns:dsp="http://schemas.microsoft.com/office/drawing/2008/diagram">
+    <mc:Fallback xmlns:dsp="http://schemas.microsoft.com/office/drawing/2008/diagram" xmlns:dgm="http://schemas.openxmlformats.org/drawingml/2006/diagram" xmlns:c="http://schemas.openxmlformats.org/drawingml/2006/chart" xmlns="">
       <p:transition/>
     </mc:Fallback>
   </mc:AlternateContent>
@@ -13208,7 +13172,7 @@
     <mc:Choice Requires="p14">
       <p:transition/>
     </mc:Choice>
-    <mc:Fallback xmlns="" xmlns:c="http://schemas.openxmlformats.org/drawingml/2006/chart" xmlns:dgm="http://schemas.openxmlformats.org/drawingml/2006/diagram" xmlns:dsp="http://schemas.microsoft.com/office/drawing/2008/diagram">
+    <mc:Fallback xmlns:dsp="http://schemas.microsoft.com/office/drawing/2008/diagram" xmlns:dgm="http://schemas.openxmlformats.org/drawingml/2006/diagram" xmlns:c="http://schemas.openxmlformats.org/drawingml/2006/chart" xmlns="">
       <p:transition/>
     </mc:Fallback>
   </mc:AlternateContent>
@@ -13877,8 +13841,8 @@
           </a:prstGeom>
         </p:spPr>
       </p:pic>
-      <mc:AlternateContent xmlns:mc="http://schemas.openxmlformats.org/markup-compatibility/2006">
-        <mc:Choice xmlns:p14="http://schemas.microsoft.com/office/powerpoint/2010/main" Requires="p14">
+      <mc:AlternateContent xmlns:mc="http://schemas.openxmlformats.org/markup-compatibility/2006" xmlns:p14="http://schemas.microsoft.com/office/powerpoint/2010/main">
+        <mc:Choice Requires="p14">
           <p:contentPart p14:bwMode="auto" r:id="rId6">
             <p14:nvContentPartPr>
               <p14:cNvPr id="27" name="잉크 26">
@@ -13897,7 +13861,7 @@
             </p14:xfrm>
           </p:contentPart>
         </mc:Choice>
-        <mc:Fallback>
+        <mc:Fallback xmlns="">
           <p:pic>
             <p:nvPicPr>
               <p:cNvPr id="27" name="잉크 26">
@@ -13928,8 +13892,8 @@
           </p:pic>
         </mc:Fallback>
       </mc:AlternateContent>
-      <mc:AlternateContent xmlns:mc="http://schemas.openxmlformats.org/markup-compatibility/2006">
-        <mc:Choice xmlns:p14="http://schemas.microsoft.com/office/powerpoint/2010/main" Requires="p14">
+      <mc:AlternateContent xmlns:mc="http://schemas.openxmlformats.org/markup-compatibility/2006" xmlns:p14="http://schemas.microsoft.com/office/powerpoint/2010/main">
+        <mc:Choice Requires="p14">
           <p:contentPart p14:bwMode="auto" r:id="rId8">
             <p14:nvContentPartPr>
               <p14:cNvPr id="4877" name="잉크 4876">
@@ -13948,7 +13912,7 @@
             </p14:xfrm>
           </p:contentPart>
         </mc:Choice>
-        <mc:Fallback>
+        <mc:Fallback xmlns="">
           <p:pic>
             <p:nvPicPr>
               <p:cNvPr id="4877" name="잉크 4876">
@@ -13979,8 +13943,8 @@
           </p:pic>
         </mc:Fallback>
       </mc:AlternateContent>
-      <mc:AlternateContent xmlns:mc="http://schemas.openxmlformats.org/markup-compatibility/2006">
-        <mc:Choice xmlns:p14="http://schemas.microsoft.com/office/powerpoint/2010/main" Requires="p14">
+      <mc:AlternateContent xmlns:mc="http://schemas.openxmlformats.org/markup-compatibility/2006" xmlns:p14="http://schemas.microsoft.com/office/powerpoint/2010/main">
+        <mc:Choice Requires="p14">
           <p:contentPart p14:bwMode="auto" r:id="rId10">
             <p14:nvContentPartPr>
               <p14:cNvPr id="4910" name="잉크 4909">
@@ -13999,7 +13963,7 @@
             </p14:xfrm>
           </p:contentPart>
         </mc:Choice>
-        <mc:Fallback>
+        <mc:Fallback xmlns="">
           <p:pic>
             <p:nvPicPr>
               <p:cNvPr id="4910" name="잉크 4909">
@@ -14030,8 +13994,8 @@
           </p:pic>
         </mc:Fallback>
       </mc:AlternateContent>
-      <mc:AlternateContent xmlns:mc="http://schemas.openxmlformats.org/markup-compatibility/2006">
-        <mc:Choice xmlns:p14="http://schemas.microsoft.com/office/powerpoint/2010/main" Requires="p14">
+      <mc:AlternateContent xmlns:mc="http://schemas.openxmlformats.org/markup-compatibility/2006" xmlns:p14="http://schemas.microsoft.com/office/powerpoint/2010/main">
+        <mc:Choice Requires="p14">
           <p:contentPart p14:bwMode="auto" r:id="rId12">
             <p14:nvContentPartPr>
               <p14:cNvPr id="4929" name="잉크 4928">
@@ -14050,7 +14014,7 @@
             </p14:xfrm>
           </p:contentPart>
         </mc:Choice>
-        <mc:Fallback>
+        <mc:Fallback xmlns="">
           <p:pic>
             <p:nvPicPr>
               <p:cNvPr id="4929" name="잉크 4928">
@@ -14081,8 +14045,8 @@
           </p:pic>
         </mc:Fallback>
       </mc:AlternateContent>
-      <mc:AlternateContent xmlns:mc="http://schemas.openxmlformats.org/markup-compatibility/2006">
-        <mc:Choice xmlns:p14="http://schemas.microsoft.com/office/powerpoint/2010/main" Requires="p14">
+      <mc:AlternateContent xmlns:mc="http://schemas.openxmlformats.org/markup-compatibility/2006" xmlns:p14="http://schemas.microsoft.com/office/powerpoint/2010/main">
+        <mc:Choice Requires="p14">
           <p:contentPart p14:bwMode="auto" r:id="rId14">
             <p14:nvContentPartPr>
               <p14:cNvPr id="4939" name="잉크 4938">
@@ -14101,7 +14065,7 @@
             </p14:xfrm>
           </p:contentPart>
         </mc:Choice>
-        <mc:Fallback>
+        <mc:Fallback xmlns="">
           <p:pic>
             <p:nvPicPr>
               <p:cNvPr id="4939" name="잉크 4938">
@@ -14132,8 +14096,8 @@
           </p:pic>
         </mc:Fallback>
       </mc:AlternateContent>
-      <mc:AlternateContent xmlns:mc="http://schemas.openxmlformats.org/markup-compatibility/2006">
-        <mc:Choice xmlns:p14="http://schemas.microsoft.com/office/powerpoint/2010/main" Requires="p14">
+      <mc:AlternateContent xmlns:mc="http://schemas.openxmlformats.org/markup-compatibility/2006" xmlns:p14="http://schemas.microsoft.com/office/powerpoint/2010/main">
+        <mc:Choice Requires="p14">
           <p:contentPart p14:bwMode="auto" r:id="rId16">
             <p14:nvContentPartPr>
               <p14:cNvPr id="4950" name="잉크 4949">
@@ -14152,7 +14116,7 @@
             </p14:xfrm>
           </p:contentPart>
         </mc:Choice>
-        <mc:Fallback>
+        <mc:Fallback xmlns="">
           <p:pic>
             <p:nvPicPr>
               <p:cNvPr id="4950" name="잉크 4949">
@@ -14183,8 +14147,8 @@
           </p:pic>
         </mc:Fallback>
       </mc:AlternateContent>
-      <mc:AlternateContent xmlns:mc="http://schemas.openxmlformats.org/markup-compatibility/2006">
-        <mc:Choice xmlns:p14="http://schemas.microsoft.com/office/powerpoint/2010/main" Requires="p14">
+      <mc:AlternateContent xmlns:mc="http://schemas.openxmlformats.org/markup-compatibility/2006" xmlns:p14="http://schemas.microsoft.com/office/powerpoint/2010/main">
+        <mc:Choice Requires="p14">
           <p:contentPart p14:bwMode="auto" r:id="rId18">
             <p14:nvContentPartPr>
               <p14:cNvPr id="4952" name="잉크 4951">
@@ -14203,7 +14167,7 @@
             </p14:xfrm>
           </p:contentPart>
         </mc:Choice>
-        <mc:Fallback>
+        <mc:Fallback xmlns="">
           <p:pic>
             <p:nvPicPr>
               <p:cNvPr id="4952" name="잉크 4951">
@@ -14234,8 +14198,8 @@
           </p:pic>
         </mc:Fallback>
       </mc:AlternateContent>
-      <mc:AlternateContent xmlns:mc="http://schemas.openxmlformats.org/markup-compatibility/2006">
-        <mc:Choice xmlns:p14="http://schemas.microsoft.com/office/powerpoint/2010/main" Requires="p14">
+      <mc:AlternateContent xmlns:mc="http://schemas.openxmlformats.org/markup-compatibility/2006" xmlns:p14="http://schemas.microsoft.com/office/powerpoint/2010/main">
+        <mc:Choice Requires="p14">
           <p:contentPart p14:bwMode="auto" r:id="rId20">
             <p14:nvContentPartPr>
               <p14:cNvPr id="4957" name="잉크 4956">
@@ -14254,7 +14218,7 @@
             </p14:xfrm>
           </p:contentPart>
         </mc:Choice>
-        <mc:Fallback>
+        <mc:Fallback xmlns="">
           <p:pic>
             <p:nvPicPr>
               <p:cNvPr id="4957" name="잉크 4956">
@@ -14285,8 +14249,8 @@
           </p:pic>
         </mc:Fallback>
       </mc:AlternateContent>
-      <mc:AlternateContent xmlns:mc="http://schemas.openxmlformats.org/markup-compatibility/2006">
-        <mc:Choice xmlns:p14="http://schemas.microsoft.com/office/powerpoint/2010/main" Requires="p14">
+      <mc:AlternateContent xmlns:mc="http://schemas.openxmlformats.org/markup-compatibility/2006" xmlns:p14="http://schemas.microsoft.com/office/powerpoint/2010/main">
+        <mc:Choice Requires="p14">
           <p:contentPart p14:bwMode="auto" r:id="rId22">
             <p14:nvContentPartPr>
               <p14:cNvPr id="4958" name="잉크 4957">
@@ -14305,7 +14269,7 @@
             </p14:xfrm>
           </p:contentPart>
         </mc:Choice>
-        <mc:Fallback>
+        <mc:Fallback xmlns="">
           <p:pic>
             <p:nvPicPr>
               <p:cNvPr id="4958" name="잉크 4957">
@@ -14336,8 +14300,8 @@
           </p:pic>
         </mc:Fallback>
       </mc:AlternateContent>
-      <mc:AlternateContent xmlns:mc="http://schemas.openxmlformats.org/markup-compatibility/2006">
-        <mc:Choice xmlns:p14="http://schemas.microsoft.com/office/powerpoint/2010/main" Requires="p14">
+      <mc:AlternateContent xmlns:mc="http://schemas.openxmlformats.org/markup-compatibility/2006" xmlns:p14="http://schemas.microsoft.com/office/powerpoint/2010/main">
+        <mc:Choice Requires="p14">
           <p:contentPart p14:bwMode="auto" r:id="rId23">
             <p14:nvContentPartPr>
               <p14:cNvPr id="4983" name="잉크 4982">
@@ -14356,7 +14320,7 @@
             </p14:xfrm>
           </p:contentPart>
         </mc:Choice>
-        <mc:Fallback>
+        <mc:Fallback xmlns="">
           <p:pic>
             <p:nvPicPr>
               <p:cNvPr id="4983" name="잉크 4982">
@@ -14387,8 +14351,8 @@
           </p:pic>
         </mc:Fallback>
       </mc:AlternateContent>
-      <mc:AlternateContent xmlns:mc="http://schemas.openxmlformats.org/markup-compatibility/2006">
-        <mc:Choice xmlns:p14="http://schemas.microsoft.com/office/powerpoint/2010/main" Requires="p14">
+      <mc:AlternateContent xmlns:mc="http://schemas.openxmlformats.org/markup-compatibility/2006" xmlns:p14="http://schemas.microsoft.com/office/powerpoint/2010/main">
+        <mc:Choice Requires="p14">
           <p:contentPart p14:bwMode="auto" r:id="rId24">
             <p14:nvContentPartPr>
               <p14:cNvPr id="4996" name="잉크 4995">
@@ -14407,7 +14371,7 @@
             </p14:xfrm>
           </p:contentPart>
         </mc:Choice>
-        <mc:Fallback>
+        <mc:Fallback xmlns="">
           <p:pic>
             <p:nvPicPr>
               <p:cNvPr id="4996" name="잉크 4995">
@@ -14452,7 +14416,7 @@
     <mc:Choice Requires="p14">
       <p:transition/>
     </mc:Choice>
-    <mc:Fallback xmlns="" xmlns:c="http://schemas.openxmlformats.org/drawingml/2006/chart" xmlns:dgm="http://schemas.openxmlformats.org/drawingml/2006/diagram" xmlns:dsp="http://schemas.microsoft.com/office/drawing/2008/diagram">
+    <mc:Fallback xmlns:dsp="http://schemas.microsoft.com/office/drawing/2008/diagram" xmlns:dgm="http://schemas.openxmlformats.org/drawingml/2006/diagram" xmlns:c="http://schemas.openxmlformats.org/drawingml/2006/chart" xmlns="">
       <p:transition/>
     </mc:Fallback>
   </mc:AlternateContent>
@@ -15608,7 +15572,7 @@
     <mc:Choice Requires="p14">
       <p:transition/>
     </mc:Choice>
-    <mc:Fallback xmlns="" xmlns:c="http://schemas.openxmlformats.org/drawingml/2006/chart" xmlns:dgm="http://schemas.openxmlformats.org/drawingml/2006/diagram" xmlns:dsp="http://schemas.microsoft.com/office/drawing/2008/diagram">
+    <mc:Fallback xmlns:dsp="http://schemas.microsoft.com/office/drawing/2008/diagram" xmlns:dgm="http://schemas.openxmlformats.org/drawingml/2006/diagram" xmlns:c="http://schemas.openxmlformats.org/drawingml/2006/chart" xmlns="">
       <p:transition/>
     </mc:Fallback>
   </mc:AlternateContent>
@@ -16620,7 +16584,7 @@
     <mc:Choice Requires="p14">
       <p:transition/>
     </mc:Choice>
-    <mc:Fallback xmlns="" xmlns:c="http://schemas.openxmlformats.org/drawingml/2006/chart" xmlns:dgm="http://schemas.openxmlformats.org/drawingml/2006/diagram" xmlns:dsp="http://schemas.microsoft.com/office/drawing/2008/diagram">
+    <mc:Fallback xmlns:dsp="http://schemas.microsoft.com/office/drawing/2008/diagram" xmlns:dgm="http://schemas.openxmlformats.org/drawingml/2006/diagram" xmlns:c="http://schemas.openxmlformats.org/drawingml/2006/chart" xmlns="">
       <p:transition/>
     </mc:Fallback>
   </mc:AlternateContent>
@@ -18052,7 +18016,7 @@
     <mc:Choice Requires="p14">
       <p:transition/>
     </mc:Choice>
-    <mc:Fallback xmlns="" xmlns:c="http://schemas.openxmlformats.org/drawingml/2006/chart" xmlns:dgm="http://schemas.openxmlformats.org/drawingml/2006/diagram" xmlns:dsp="http://schemas.microsoft.com/office/drawing/2008/diagram">
+    <mc:Fallback xmlns:dsp="http://schemas.microsoft.com/office/drawing/2008/diagram" xmlns:dgm="http://schemas.openxmlformats.org/drawingml/2006/diagram" xmlns:c="http://schemas.openxmlformats.org/drawingml/2006/chart" xmlns="">
       <p:transition/>
     </mc:Fallback>
   </mc:AlternateContent>

--- a/200220/2020.02.20 은.pptx
+++ b/200220/2020.02.20 은.pptx
@@ -235,7 +235,7 @@
   </inkml:definitions>
   <inkml:trace contextRef="#ctx0" brushRef="#br0">11 185 6737 0 0,'0'0'137'0'0,"0"0"0"0"0,0 0 0 0 0,0 0 0 0 0,0 0 0 0 0,0 0 0 0 0,-1 0 0 0 0,1 0 0 0 0,0 0 0 0 0,0 0-1 0 0,0 0 1 0 0,0 0 0 0 0,0 0 0 0 0,0 0 0 0 0,0 0 0 0 0,0 0 0 0 0,-1 0 0 0 0,1 0 0 0 0,0 0-1 0 0,0 0 1 0 0,0 0 0 0 0,0 0 0 0 0,0 0 0 0 0,0 0 0 0 0,0 0 0 0 0,0 0 0 0 0,-1 0 0 0 0,1 0 0 0 0,0 0-1 0 0,0 0 1 0 0,0 0 0 0 0,0 0 0 0 0,0 0 0 0 0,0 0 0 0 0,0 0 0 0 0,0 1 0 0 0,0-1 0 0 0,0 0-1 0 0,0 0 1 0 0,-1 0 0 0 0,1 0 0 0 0,0 0 0 0 0,0 0 0 0 0,0 0 0 0 0,0 0 0 0 0,0 0 0 0 0,0 1 0 0 0,0-1-1 0 0,0 0 1 0 0,0 0 0 0 0,0 0 0 0 0,0 0 0 0 0,0 0 0 0 0,0 0 0 0 0,0 0 0 0 0,0 0 0 0 0,0 1 0 0 0,0-1-1 0 0,0 0 1 0 0,0 0 0 0 0,0 0 0 0 0,0 0 0 0 0,0 0 0 0 0,0 0 0 0 0,0 0 0 0 0,1 0 0 0 0,-1 0-1 0 0,0 1 1 0 0,0-1-137 0 0,10 7 3233 0 0,21 4-2257 0 0,-8-12-818 0 0,0-2 1 0 0,0 0-1 0 0,0-2 1 0 0,17-5-159 0 0,-14 3 24 0 0,0 1 0 0 0,1 2 1 0 0,3 0-25 0 0,-29 4 7 0 0,0-1 0 0 0,0 1 0 0 0,0 0 0 0 0,0 0 0 0 0,0 0 0 0 0,1 0 0 0 0,-1 0 0 0 0,0 0 1 0 0,0 0-1 0 0,0 0 0 0 0,0 1 0 0 0,0-1 0 0 0,0 0 0 0 0,0 1 0 0 0,0-1 0 0 0,0 1 0 0 0,0-1 0 0 0,0 1 0 0 0,0-1 0 0 0,0 1 0 0 0,0 0 1 0 0,0-1-1 0 0,-1 1 0 0 0,1 0 0 0 0,0 0 0 0 0,0 0 0 0 0,-1-1 0 0 0,1 1 0 0 0,-1 0 0 0 0,1 0 0 0 0,0 0 0 0 0,-1 0-7 0 0,1 2 64 0 0,-1 0 0 0 0,0 0-1 0 0,0 0 1 0 0,0-1 0 0 0,0 1 0 0 0,0 0-1 0 0,-1 0 1 0 0,1 0 0 0 0,-1-1-1 0 0,1 1 1 0 0,-1 0 0 0 0,-1 2-64 0 0,-4 9 289 0 0,0-1 0 0 0,-1 0 0 0 0,0 0 0 0 0,-7 8-289 0 0,-15 15 213 0 0,0-1 0 0 0,-2-1 0 0 0,-2-2 0 0 0,-1-1 0 0 0,-1-2 0 0 0,-14 7-213 0 0,37-28 134 0 0,-12 12 516 0 0,28-15-382 0 0,18-4-187 0 0,46-4-394 0 0,-29 2-224 0 0,-1-1 1 0 0,30-7 536 0 0,-22-3-4573 0 0,-1-7-3992 0 0,-37 14 1626 0 0</inkml:trace>
   <inkml:trace contextRef="#ctx0" brushRef="#br0" timeOffset="716.548">377 303 11090 0 0,'-3'0'412'0'0,"0"0"-1"0"0,1 0 0 0 0,-1 0 1 0 0,0 1-1 0 0,0-1 0 0 0,0 1 1 0 0,0 0-1 0 0,0-1 0 0 0,1 1 1 0 0,-1 0-1 0 0,0 1 1 0 0,1-1-1 0 0,-1 0 0 0 0,-1 2-411 0 0,3-2 50 0 0,1-1 0 0 0,0 0-1 0 0,0 0 1 0 0,-1 1 0 0 0,1-1-1 0 0,0 0 1 0 0,0 1 0 0 0,0-1 0 0 0,-1 0-1 0 0,1 1 1 0 0,0-1 0 0 0,0 0-1 0 0,0 1 1 0 0,0-1 0 0 0,0 1 0 0 0,0-1-1 0 0,0 0 1 0 0,0 1 0 0 0,0-1-1 0 0,0 0 1 0 0,0 1 0 0 0,0-1 0 0 0,0 1-1 0 0,0-1 1 0 0,0 0 0 0 0,0 1-1 0 0,0-1 1 0 0,1 0 0 0 0,-1 1-1 0 0,0-1 1 0 0,0 0 0 0 0,0 1 0 0 0,1-1-1 0 0,-1 0 1 0 0,0 1-50 0 0,24 12 1159 0 0,-7-6-810 0 0,1-2 1 0 0,0 0-1 0 0,0-1 0 0 0,9 1-349 0 0,-22-4 1 0 0,0-1-1 0 0,0 1 1 0 0,1-1 0 0 0,-1 0-1 0 0,0-1 1 0 0,0 1 0 0 0,1-1-1 0 0,-1 0 1 0 0,0 0 0 0 0,0-1 0 0 0,0 0-1 0 0,0 1 1 0 0,0-2 0 0 0,0 1-1 0 0,-1 0 1 0 0,1-1 0 0 0,3-3-1 0 0,-6 4-21 0 0,0 0 1 0 0,-1 0 0 0 0,1-1-1 0 0,-1 1 1 0 0,0 0 0 0 0,1-1-1 0 0,-1 1 1 0 0,0-1 0 0 0,-1 1-1 0 0,1-1 1 0 0,0 1 0 0 0,-1-1-1 0 0,1 0 1 0 0,-1 1 0 0 0,0-1-1 0 0,0 0 1 0 0,0 0 0 0 0,0 1-1 0 0,-1-1 1 0 0,1 0 0 0 0,0 1-1 0 0,-1-1 1 0 0,0 1 0 0 0,0-1-1 0 0,0 1 1 0 0,0-1 0 0 0,0 1-1 0 0,0-1 1 0 0,-1 1 0 0 0,0-1 20 0 0,-1-2 52 0 0,1 0 1 0 0,-1 0-1 0 0,-1 0 1 0 0,1 1-1 0 0,-1-1 1 0 0,1 1-1 0 0,-1 0 1 0 0,-1 0-1 0 0,1 1 1 0 0,0-1-1 0 0,-1 1 1 0 0,0 0-1 0 0,0 0 1 0 0,0 0-53 0 0,2 2 73 0 0,-1 0 0 0 0,1 0 0 0 0,-1 0 0 0 0,1 1-1 0 0,0-1 1 0 0,-1 1 0 0 0,1 0 0 0 0,-1 0 0 0 0,1 0 0 0 0,-1 0 0 0 0,1 1 0 0 0,-1-1 0 0 0,1 1 0 0 0,0 0 0 0 0,-1 0 0 0 0,1 0 0 0 0,0 1-1 0 0,0-1 1 0 0,-2 2-73 0 0,-1 1 67 0 0,1 0-1 0 0,0 0 1 0 0,-1 0 0 0 0,1 1-1 0 0,1 0 1 0 0,-1 0-1 0 0,1 0 1 0 0,0 1-1 0 0,0-1 1 0 0,0 2-67 0 0,-3 4 87 0 0,1 0-1 0 0,0 1 1 0 0,1 0-1 0 0,0 0 1 0 0,1 1-1 0 0,1-1 1 0 0,0 1-1 0 0,0 0 1 0 0,1 0 0 0 0,1 7-87 0 0,0-15 30 0 0,2 1 1 0 0,-1 0 0 0 0,1-1 0 0 0,-1 1 0 0 0,2-1 0 0 0,-1 1 0 0 0,1-1 0 0 0,-1 1 0 0 0,2-1 0 0 0,-1 0 0 0 0,0 0 0 0 0,1 0 0 0 0,0 0-1 0 0,0 0 1 0 0,1 0 0 0 0,-1-1 0 0 0,1 0 0 0 0,0 0 0 0 0,0 0 0 0 0,0 0 0 0 0,1-1 0 0 0,-1 1 0 0 0,1-1 0 0 0,0 0 0 0 0,0 0 0 0 0,0-1-1 0 0,0 0 1 0 0,1 0 0 0 0,-1 0 0 0 0,1 0 0 0 0,0-1-31 0 0,0 1-124 0 0,1-1 0 0 0,-1-1-1 0 0,0 1 1 0 0,1-1 0 0 0,-1 0-1 0 0,1 0 1 0 0,-1-1 0 0 0,1 0-1 0 0,-1 0 1 0 0,0-1 0 0 0,0 1-1 0 0,1-1 1 0 0,-1-1 0 0 0,0 1-1 0 0,-1-1 1 0 0,1 0 0 0 0,0 0 0 0 0,-1-1-1 0 0,0 0 1 0 0,0 0 0 0 0,0 0-1 0 0,0 0 1 0 0,0-1 0 0 0,-1 0-1 0 0,0 0 1 0 0,0 0 0 0 0,1-3 124 0 0,6-11-930 0 0,-2 0 0 0 0,0-1 1 0 0,-1 0-1 0 0,-1-1 0 0 0,-1 0 0 0 0,3-18 930 0 0,8-71 2771 0 0,-16 92 252 0 0,-2 25-782 0 0,-2 32-963 0 0,0 57-554 0 0,1-50-656 0 0,1 0 0 0 0,3 0 0 0 0,2 11-68 0 0,3-37-133 0 0,2-19-360 0 0,-7-2 443 0 0,-1-1 0 0 0,1 0 0 0 0,-1 0 0 0 0,0 0 0 0 0,1 0 0 0 0,-1 0 0 0 0,0 0 0 0 0,0 0 1 0 0,0 0-1 0 0,-1-1 0 0 0,1 1 0 0 0,0 0 0 0 0,-1-2 50 0 0,12-76-236 0 0,-6 38 227 0 0,1 1-1 0 0,4-10 10 0 0,-8 41 44 0 0,0-1 1 0 0,1 1-1 0 0,0 0 0 0 0,0 0 0 0 0,1 1 1 0 0,1-1-1 0 0,-1 1 0 0 0,2 0 1 0 0,-1 0-1 0 0,7-5-44 0 0,-12 13-17 0 0,-1 0 0 0 0,1 0 0 0 0,0 1 0 0 0,0-1 1 0 0,0 0-1 0 0,0 1 0 0 0,0-1 0 0 0,1 1 0 0 0,-1-1 0 0 0,0 1 0 0 0,0 0 0 0 0,0-1 0 0 0,0 1 0 0 0,0 0 0 0 0,1 0 1 0 0,-1 0-1 0 0,0 0 0 0 0,0 0 0 0 0,0 0 0 0 0,0 0 0 0 0,1 0 0 0 0,-1 1 0 0 0,0-1 0 0 0,0 0 0 0 0,0 1 0 0 0,0-1 0 0 0,0 1 1 0 0,0-1-1 0 0,0 1 0 0 0,0-1 0 0 0,0 1 0 0 0,0 0 0 0 0,0-1 0 0 0,0 1 0 0 0,0 0 0 0 0,0 0 0 0 0,-1 0 0 0 0,1 0 1 0 0,0 0 16 0 0,35 49-8145 0 0,-24-31-609 0 0,-8-14 3393 0 0</inkml:trace>
-  <inkml:trace contextRef="#ctx0" brushRef="#br0" timeOffset="1073.823">955 275 8050 0 0,'0'0'326'0'0,"-1"-1"0"0"0,1 1 0 0 0,0 0 0 0 0,0 0 0 0 0,-1 0 0 0 0,1-1 0 0 0,0 1 0 0 0,-1 0 0 0 0,1 0 0 0 0,0 0 0 0 0,-1 0 0 0 0,1 0 0 0 0,0 0 0 0 0,-1-1 0 0 0,1 1 0 0 0,-1 0 0 0 0,1 0 0 0 0,0 0 0 0 0,-1 0 0 0 0,1 0 0 0 0,0 1 0 0 0,-1-1 0 0 0,1 0 0 0 0,0 0 0 0 0,-1 0 0 0 0,1 0 0 0 0,0 0 0 0 0,-1 0 0 0 0,1 1 0 0 0,0-1 0 0 0,-1 0 0 0 0,1 0 0 0 0,0 0 0 0 0,-1 1-326 0 0,-11 12 3426 0 0,-4 17-2106 0 0,13-21-1161 0 0,0 0 0 0 0,0 0 1 0 0,1 0-1 0 0,0 0 0 0 0,0 1 1 0 0,1-1-1 0 0,0 0 0 0 0,1 1 1 0 0,0-1-1 0 0,1 1-159 0 0,-1-6 4 0 0,1-1 0 0 0,0 0-1 0 0,0 0 1 0 0,0 0 0 0 0,1 0 0 0 0,-1 0-1 0 0,1-1 1 0 0,0 1 0 0 0,-1 0 0 0 0,1-1-1 0 0,0 1 1 0 0,1-1 0 0 0,-1 1 0 0 0,0-1-1 0 0,1 0 1 0 0,-1 0 0 0 0,1 0 0 0 0,-1 0-1 0 0,1-1 1 0 0,0 1 0 0 0,0-1 0 0 0,0 1-1 0 0,0-1 1 0 0,0 0 0 0 0,0 0 0 0 0,0-1-1 0 0,1 1 1 0 0,-1-1 0 0 0,0 1 0 0 0,0-1-1 0 0,1 0-3 0 0,3 1 7 0 0,0 0 0 0 0,0 0 0 0 0,0-1 0 0 0,0 0 0 0 0,0 0 0 0 0,0-1 0 0 0,0 0-1 0 0,0 0 1 0 0,0-1 0 0 0,0 0 0 0 0,0 0 0 0 0,3-1-7 0 0,-5 0-25 0 0,0-1 1 0 0,0 1 0 0 0,-1-1-1 0 0,1 1 1 0 0,-1-1-1 0 0,1-1 1 0 0,-1 1-1 0 0,0 0 1 0 0,-1-1-1 0 0,1 0 1 0 0,-1 0-1 0 0,0 0 1 0 0,0 0-1 0 0,2-6 25 0 0,7-15-83 0 0,-1-1-1 0 0,-1-1 0 0 0,0-4 84 0 0,-7 22 39 0 0,-1 0-1 0 0,0 0 1 0 0,0 1-1 0 0,-1-1 1 0 0,-1 0-1 0 0,0 0 1 0 0,0-1-1 0 0,0 1 1 0 0,-2 0-1 0 0,1 1 0 0 0,-1-1-38 0 0,2 8 36 0 0,-1 0-1 0 0,0 0 0 0 0,1 0 0 0 0,-1 0 0 0 0,0 0 1 0 0,0 0-1 0 0,0 0 0 0 0,0 0 0 0 0,0 0 0 0 0,0 1 0 0 0,-1-1 1 0 0,1 0-1 0 0,-1 1 0 0 0,1-1 0 0 0,-1 1 0 0 0,1 0 0 0 0,-1-1 1 0 0,0 1-1 0 0,0 0 0 0 0,0 0 0 0 0,1 0 0 0 0,-1 0 1 0 0,-1 0-36 0 0,-1 0 29 0 0,1 1 0 0 0,-1 0 1 0 0,1-1-1 0 0,0 1 1 0 0,-1 1-1 0 0,1-1 1 0 0,-1 0-1 0 0,1 1 1 0 0,-1 0-1 0 0,1 0 1 0 0,0 0-1 0 0,-1 0 1 0 0,-1 1-30 0 0,-12 6-20 0 0,0 1 0 0 0,1 1 0 0 0,0 0 0 0 0,-14 13 20 0 0,26-19-32 0 0,-4 1-303 0 0,2 0 1 0 0,-1 1 0 0 0,1 0-1 0 0,0 1 1 0 0,0-1 0 0 0,1 1-1 0 0,-5 7 335 0 0,9-12-330 0 0,0 0-1 0 0,0 0 0 0 0,0 0 1 0 0,0 0-1 0 0,0 1 0 0 0,1-1 0 0 0,-1 0 1 0 0,1 1-1 0 0,0-1 0 0 0,-1 1 1 0 0,1-1-1 0 0,0 0 0 0 0,0 2 331 0 0,1-2-520 0 0,-1 0 0 0 0,1 0 0 0 0,0 0-1 0 0,-1 0 1 0 0,1 0 0 0 0,0 0 0 0 0,0 0-1 0 0,0 0 1 0 0,1 0 0 0 0,-1 0 0 0 0,0-1 0 0 0,1 1-1 0 0,-1 0 1 0 0,1-1 0 0 0,-1 0 0 0 0,1 1-1 0 0,0-1 521 0 0,8 6-6929 0 0</inkml:trace>
+  <inkml:trace contextRef="#ctx0" brushRef="#br0" timeOffset="1073.822">955 275 8050 0 0,'0'0'326'0'0,"-1"-1"0"0"0,1 1 0 0 0,0 0 0 0 0,0 0 0 0 0,-1 0 0 0 0,1-1 0 0 0,0 1 0 0 0,-1 0 0 0 0,1 0 0 0 0,0 0 0 0 0,-1 0 0 0 0,1 0 0 0 0,0 0 0 0 0,-1-1 0 0 0,1 1 0 0 0,-1 0 0 0 0,1 0 0 0 0,0 0 0 0 0,-1 0 0 0 0,1 0 0 0 0,0 1 0 0 0,-1-1 0 0 0,1 0 0 0 0,0 0 0 0 0,-1 0 0 0 0,1 0 0 0 0,0 0 0 0 0,-1 0 0 0 0,1 1 0 0 0,0-1 0 0 0,-1 0 0 0 0,1 0 0 0 0,0 0 0 0 0,-1 1-326 0 0,-11 12 3426 0 0,-4 17-2106 0 0,13-21-1161 0 0,0 0 0 0 0,0 0 1 0 0,1 0-1 0 0,0 0 0 0 0,0 1 1 0 0,1-1-1 0 0,0 0 0 0 0,1 1 1 0 0,0-1-1 0 0,1 1-159 0 0,-1-6 4 0 0,1-1 0 0 0,0 0-1 0 0,0 0 1 0 0,0 0 0 0 0,1 0 0 0 0,-1 0-1 0 0,1-1 1 0 0,0 1 0 0 0,-1 0 0 0 0,1-1-1 0 0,0 1 1 0 0,1-1 0 0 0,-1 1 0 0 0,0-1-1 0 0,1 0 1 0 0,-1 0 0 0 0,1 0 0 0 0,-1 0-1 0 0,1-1 1 0 0,0 1 0 0 0,0-1 0 0 0,0 1-1 0 0,0-1 1 0 0,0 0 0 0 0,0 0 0 0 0,0-1-1 0 0,1 1 1 0 0,-1-1 0 0 0,0 1 0 0 0,0-1-1 0 0,1 0-3 0 0,3 1 7 0 0,0 0 0 0 0,0 0 0 0 0,0-1 0 0 0,0 0 0 0 0,0 0 0 0 0,0-1 0 0 0,0 0-1 0 0,0 0 1 0 0,0-1 0 0 0,0 0 0 0 0,0 0 0 0 0,3-1-7 0 0,-5 0-25 0 0,0-1 1 0 0,0 1 0 0 0,-1-1-1 0 0,1 1 1 0 0,-1-1-1 0 0,1-1 1 0 0,-1 1-1 0 0,0 0 1 0 0,-1-1-1 0 0,1 0 1 0 0,-1 0-1 0 0,0 0 1 0 0,0 0-1 0 0,2-6 25 0 0,7-15-83 0 0,-1-1-1 0 0,-1-1 0 0 0,0-4 84 0 0,-7 22 39 0 0,-1 0-1 0 0,0 0 1 0 0,0 1-1 0 0,-1-1 1 0 0,-1 0-1 0 0,0 0 1 0 0,0-1-1 0 0,0 1 1 0 0,-2 0-1 0 0,1 1 0 0 0,-1-1-38 0 0,2 8 36 0 0,-1 0-1 0 0,0 0 0 0 0,1 0 0 0 0,-1 0 0 0 0,0 0 1 0 0,0 0-1 0 0,0 0 0 0 0,0 0 0 0 0,0 0 0 0 0,0 1 0 0 0,-1-1 1 0 0,1 0-1 0 0,-1 1 0 0 0,1-1 0 0 0,-1 1 0 0 0,1 0 0 0 0,-1-1 1 0 0,0 1-1 0 0,0 0 0 0 0,0 0 0 0 0,1 0 0 0 0,-1 0 1 0 0,-1 0-36 0 0,-1 0 29 0 0,1 1 0 0 0,-1 0 1 0 0,1-1-1 0 0,0 1 1 0 0,-1 1-1 0 0,1-1 1 0 0,-1 0-1 0 0,1 1 1 0 0,-1 0-1 0 0,1 0 1 0 0,0 0-1 0 0,-1 0 1 0 0,-1 1-30 0 0,-12 6-20 0 0,0 1 0 0 0,1 1 0 0 0,0 0 0 0 0,-14 13 20 0 0,26-19-32 0 0,-4 1-303 0 0,2 0 1 0 0,-1 1 0 0 0,1 0-1 0 0,0 1 1 0 0,0-1 0 0 0,1 1-1 0 0,-5 7 335 0 0,9-12-330 0 0,0 0-1 0 0,0 0 0 0 0,0 0 1 0 0,0 0-1 0 0,0 1 0 0 0,1-1 0 0 0,-1 0 1 0 0,1 1-1 0 0,0-1 0 0 0,-1 1 1 0 0,1-1-1 0 0,0 0 0 0 0,0 2 331 0 0,1-2-520 0 0,-1 0 0 0 0,1 0 0 0 0,0 0-1 0 0,-1 0 1 0 0,1 0 0 0 0,0 0 0 0 0,0 0-1 0 0,0 0 1 0 0,1 0 0 0 0,-1 0 0 0 0,0-1 0 0 0,1 1-1 0 0,-1 0 1 0 0,1-1 0 0 0,-1 0 0 0 0,1 1-1 0 0,0-1 521 0 0,8 6-6929 0 0</inkml:trace>
   <inkml:trace contextRef="#ctx0" brushRef="#br0" timeOffset="1899.377">1542 256 11506 0 0,'0'0'122'0'0,"0"-1"-1"0"0,0 1 0 0 0,0 0 0 0 0,0 0 1 0 0,0 0-1 0 0,-1-1 0 0 0,1 1 0 0 0,0 0 0 0 0,0 0 1 0 0,0 0-1 0 0,0-1 0 0 0,-1 1 0 0 0,1 0 0 0 0,0 0 1 0 0,0 0-1 0 0,0 0 0 0 0,-1 0 0 0 0,1-1 0 0 0,0 1 1 0 0,0 0-1 0 0,0 0 0 0 0,-1 0 0 0 0,1 0 1 0 0,0 0-1 0 0,0 0 0 0 0,-1 0 0 0 0,1 0 0 0 0,0 0 1 0 0,0 0-1 0 0,-1 0 0 0 0,1 0 0 0 0,0 0 0 0 0,0 0 1 0 0,-1 0-1 0 0,1 0 0 0 0,0 0 0 0 0,0 0 1 0 0,-1 0-1 0 0,1 1 0 0 0,0-1 0 0 0,0 0 0 0 0,0 0 1 0 0,-1 0-1 0 0,1 0 0 0 0,0 0 0 0 0,0 1-121 0 0,-2 15 2832 0 0,10 46-1601 0 0,-2-17-275 0 0,-3 108-119 0 0,2 25-2346 0 0,12-62-5886 0 0,-6-80 495 0 0,-8-29 2030 0 0</inkml:trace>
   <inkml:trace contextRef="#ctx0" brushRef="#br0" timeOffset="2265.175">1539 332 11146 0 0,'-4'-24'3082'0'0,"2"16"-2424"0"0,1 1-1 0 0,-1-1 1 0 0,1 1 0 0 0,1-1 0 0 0,-1 0 0 0 0,1 1 0 0 0,0-1 0 0 0,1 0-1 0 0,0 1 1 0 0,0-1 0 0 0,1 1 0 0 0,2-7-658 0 0,-4 14 34 0 0,1-1 1 0 0,0 0-1 0 0,0 1 1 0 0,-1-1-1 0 0,1 0 1 0 0,0 1-1 0 0,0-1 1 0 0,0 1-1 0 0,0 0 0 0 0,0-1 1 0 0,-1 1-1 0 0,1 0 1 0 0,0-1-1 0 0,0 1 1 0 0,0 0-1 0 0,0 0 0 0 0,0 0 1 0 0,0 0-1 0 0,0 0 1 0 0,0 0-1 0 0,0 0 1 0 0,0 0-1 0 0,0 0 0 0 0,0 0 1 0 0,0 0-1 0 0,0 1 1 0 0,0-1-1 0 0,0 0 1 0 0,0 1-1 0 0,0-1 0 0 0,-1 1 1 0 0,1-1-1 0 0,0 1 1 0 0,0 0-1 0 0,0-1 1 0 0,-1 1-1 0 0,1 0 0 0 0,0-1 1 0 0,-1 1-1 0 0,1 0-34 0 0,34 30 28 0 0,-33-30-7 0 0,5 6-84 0 0,0 1 1 0 0,0-1 0 0 0,-1 1-1 0 0,0 1 1 0 0,-1-1-1 0 0,0 1 1 0 0,0 0 0 0 0,0 0-1 0 0,-2 0 1 0 0,1 1-1 0 0,-1 0 1 0 0,0-1 0 0 0,0 6 62 0 0,-2-11-27 0 0,-1 1 0 0 0,0-1 0 0 0,0 1 1 0 0,0-1-1 0 0,-1 1 0 0 0,1-1 1 0 0,-1 1-1 0 0,0-1 0 0 0,-1 1 0 0 0,1-1 1 0 0,-1 0-1 0 0,1 0 0 0 0,-1 0 1 0 0,0 0-1 0 0,-1 0 0 0 0,1 0 1 0 0,-1 0-1 0 0,0-1 0 0 0,0 1 0 0 0,0-1 1 0 0,0 0-1 0 0,0 0 0 0 0,-1 0 1 0 0,0 0-1 0 0,1-1 0 0 0,-1 1 0 0 0,0-1 1 0 0,0 0-1 0 0,0 0 0 0 0,-5 1 27 0 0,4-1-49 0 0,-1 0 0 0 0,0-1-1 0 0,1 1 1 0 0,-1-1 0 0 0,0-1-1 0 0,0 1 1 0 0,0-1 0 0 0,0 0 0 0 0,0 0-1 0 0,-1-1 50 0 0,3 1-37 0 0,1 0 0 0 0,0-1-1 0 0,-1 1 1 0 0,1-1 0 0 0,0 0 0 0 0,0 0-1 0 0,-1 0 1 0 0,1-1 0 0 0,0 1-1 0 0,0-1 1 0 0,0 1 0 0 0,1-1 0 0 0,-1 0-1 0 0,0 0 1 0 0,1 0 0 0 0,-1-1-1 0 0,1 1 1 0 0,-2-2 37 0 0,4 3-136 0 0,1 0 0 0 0,-1 0 0 0 0,0 1 0 0 0,0-1 0 0 0,1 0 1 0 0,-1 0-1 0 0,0 0 0 0 0,1 1 0 0 0,-1-1 0 0 0,1 0 0 0 0,-1 0 0 0 0,1 1 0 0 0,-1-1 0 0 0,1 0 0 0 0,-1 1 0 0 0,1-1 0 0 0,0 1 0 0 0,-1-1 0 0 0,1 1 1 0 0,0-1-1 0 0,0 1 0 0 0,-1-1 0 0 0,1 1 0 0 0,0 0 0 0 0,0-1 0 0 0,0 1 0 0 0,-1 0 0 0 0,1 0 0 0 0,0-1 0 0 0,0 1 0 0 0,0 0 0 0 0,0 0 1 0 0,0 0-1 0 0,0 0 136 0 0,35-8-4371 0 0,-2 1-1165 0 0,-18 3 941 0 0</inkml:trace>
   <inkml:trace contextRef="#ctx0" brushRef="#br0" timeOffset="2644.941">1934 389 12715 0 0,'-2'-55'7528'0'0,"-8"-5"-5556"0"0,9 53-1921 0 0,-1 0 0 0 0,0 0 0 0 0,0 0 0 0 0,-1 0 0 0 0,0 0 0 0 0,0 1 0 0 0,-1-1 1 0 0,0 1-1 0 0,0 0 0 0 0,0 0 0 0 0,0 1 0 0 0,-1-1 0 0 0,0 1 0 0 0,-5-4-51 0 0,9 8 24 0 0,0 0 0 0 0,0 1-1 0 0,0-1 1 0 0,0 1 0 0 0,0-1-1 0 0,0 1 1 0 0,0-1 0 0 0,0 1-1 0 0,0-1 1 0 0,-1 1 0 0 0,1 0-1 0 0,0 0 1 0 0,0 0 0 0 0,0 0-1 0 0,0 0 1 0 0,-1 0 0 0 0,1 0-1 0 0,0 0 1 0 0,0 0 0 0 0,0 0-1 0 0,0 1 1 0 0,-1-1-1 0 0,1 0 1 0 0,0 1 0 0 0,0-1-1 0 0,0 1-23 0 0,-2 1 27 0 0,0 0-1 0 0,0 0 0 0 0,1 0 1 0 0,-1 0-1 0 0,1 1 0 0 0,0-1 1 0 0,0 1-1 0 0,0-1 1 0 0,0 1-1 0 0,0 0-26 0 0,-5 10 24 0 0,0 0 1 0 0,1 0-1 0 0,0 0 0 0 0,0 3-24 0 0,-2 8-17 0 0,0 1-1 0 0,1 0 1 0 0,2 1-1 0 0,0 4 18 0 0,4-24-3 0 0,0 0 0 0 0,0 0 0 0 0,1 0-1 0 0,0 1 1 0 0,0-1 0 0 0,1 0-1 0 0,-1 0 1 0 0,1 0 0 0 0,0 0-1 0 0,1 0 1 0 0,0-1 0 0 0,0 1 0 0 0,0 0-1 0 0,0-1 1 0 0,1 1 0 0 0,0-1-1 0 0,0 0 1 0 0,1 0 0 0 0,-1 0-1 0 0,4 3 4 0 0,-6-7-13 0 0,0 0 0 0 0,0 0 0 0 0,0 0 0 0 0,0 0 0 0 0,1-1 0 0 0,-1 1 0 0 0,0 0 0 0 0,0-1 0 0 0,1 1 0 0 0,-1 0 0 0 0,0-1 0 0 0,1 0 0 0 0,-1 1-1 0 0,0-1 1 0 0,1 0 0 0 0,-1 0 0 0 0,1 0 0 0 0,-1 0 0 0 0,0 0 0 0 0,1 0 0 0 0,-1 0 0 0 0,1 0 0 0 0,-1 0 0 0 0,1-1 13 0 0,1 0-66 0 0,0-1 0 0 0,-1 1 0 0 0,1 0 1 0 0,-1-1-1 0 0,1 0 0 0 0,-1 0 0 0 0,0 0 0 0 0,0 0 1 0 0,0 0-1 0 0,0 0 0 0 0,2-3 66 0 0,5-8-343 0 0,-1-1 0 0 0,0 0-1 0 0,-1 0 1 0 0,3-7 343 0 0,-5 9-89 0 0,-1 3 149 0 0,1 0 0 0 0,0 0 0 0 0,0 0 0 0 0,1 1 0 0 0,0 0 0 0 0,5-6-60 0 0,-10 13 60 0 0,0 0 0 0 0,0 0 1 0 0,0 0-1 0 0,0 0 1 0 0,1 0-1 0 0,-1 1 0 0 0,0-1 1 0 0,0 0-1 0 0,1 1 1 0 0,-1-1-1 0 0,1 1 1 0 0,-1-1-1 0 0,0 1 0 0 0,1-1 1 0 0,-1 1-1 0 0,1 0 1 0 0,-1 0-1 0 0,1 0 1 0 0,-1 0-1 0 0,1 0-60 0 0,0 1 67 0 0,0-1 1 0 0,0 1 0 0 0,-1 0-1 0 0,1 0 1 0 0,0 0-1 0 0,0 0 1 0 0,-1 0-1 0 0,1 1 1 0 0,-1-1-1 0 0,1 0 1 0 0,-1 1 0 0 0,0-1-1 0 0,1 1 1 0 0,-1 0-1 0 0,0-1 1 0 0,0 1-1 0 0,0 0 1 0 0,0 0-1 0 0,0 0-67 0 0,5 8 98 0 0,1 0-1 0 0,0 0 1 0 0,0-1-1 0 0,1-1 0 0 0,0 1-97 0 0,21 16-2108 0 0,1-13-6159 0 0,-23-12 2287 0 0,-5-2 367 0 0</inkml:trace>
@@ -244,6 +244,36 @@
   <inkml:trace contextRef="#ctx0" brushRef="#br0" timeOffset="3812.91">2672 36 11442 0 0,'-7'-15'2448'0'0,"-4"-5"3745"0"0,15 43-3286 0 0,-2-17-3576 0 0,11 36 2268 0 0,-4-22-4787 0 0,3-10-8007 0 0,-10-9 4835 0 0</inkml:trace>
   <inkml:trace contextRef="#ctx0" brushRef="#br0" timeOffset="4284.895">2889 272 11146 0 0,'0'0'234'0'0,"-1"0"-1"0"0,1 0 1 0 0,-1 0-1 0 0,1-1 1 0 0,0 1-1 0 0,-1 0 1 0 0,1 0-1 0 0,-1 0 1 0 0,1 0-1 0 0,0 0 1 0 0,-1 0-1 0 0,1 0 1 0 0,0 0-1 0 0,-1 0 1 0 0,1 1 0 0 0,-1-1-1 0 0,1 0 1 0 0,0 0-1 0 0,-1 0 1 0 0,1 0-1 0 0,0 0 1 0 0,-1 1-1 0 0,1-1 1 0 0,0 0-1 0 0,-1 0 1 0 0,1 1-1 0 0,0-1 1 0 0,-1 0-1 0 0,1 0 1 0 0,0 1-1 0 0,0-1 1 0 0,0 0-1 0 0,-1 1 1 0 0,1-1-1 0 0,0 0 1 0 0,0 1-1 0 0,0-1-233 0 0,-3 23 3071 0 0,12 38-3879 0 0,-6-40 1704 0 0,1 11-774 0 0,7 51 123 0 0,-10-76-318 0 0,0 0 0 0 0,1 0 0 0 0,1 0 0 0 0,-1 0 0 0 0,1 0 0 0 0,0-1-1 0 0,0 1 1 0 0,1-1 0 0 0,1 2 73 0 0,-5-8-9 0 0,0 0 0 0 0,0 1 0 0 0,1-1 0 0 0,-1 0 0 0 0,0 0-1 0 0,0 0 1 0 0,0 0 0 0 0,0 0 0 0 0,0 0 0 0 0,0 1 0 0 0,0-1 0 0 0,1 0 0 0 0,-1 0 0 0 0,0 0-1 0 0,0 0 1 0 0,0 0 0 0 0,0 0 0 0 0,1 0 0 0 0,-1 0 0 0 0,0 0 0 0 0,0 0 0 0 0,0 0-1 0 0,0 0 1 0 0,1 0 0 0 0,-1 0 0 0 0,0 0 0 0 0,0 0 0 0 0,0 0 0 0 0,0 0 0 0 0,1 0-1 0 0,-1 0 1 0 0,0 0 0 0 0,0 0 0 0 0,0 0 0 0 0,0 0 0 0 0,0 0 0 0 0,1 0 0 0 0,-1 0 0 0 0,0 0-1 0 0,0-1 1 0 0,0 1 0 0 0,0 0 0 0 0,0 0 0 0 0,0 0 0 0 0,1 0 0 0 0,-1 0 0 0 0,0 0-1 0 0,0-1 1 0 0,0 1 0 0 0,0 0 0 0 0,0 0 0 0 0,0 0 0 0 0,0 0 9 0 0,6-16-283 0 0,1-28-3 0 0,-5 34 166 0 0,6-68-158 0 0,-8 63 372 0 0,1 0 0 0 0,1-1 1 0 0,0 1-1 0 0,0 0 0 0 0,2 0 0 0 0,0 1 0 0 0,1-1 1 0 0,0 1-1 0 0,1 0 0 0 0,1-1-94 0 0,-7 14 29 0 0,1 0-1 0 0,-1 0 0 0 0,0 1 1 0 0,1-1-1 0 0,-1 0 1 0 0,1 1-1 0 0,-1-1 1 0 0,1 0-1 0 0,-1 1 0 0 0,1-1 1 0 0,-1 0-1 0 0,1 1 1 0 0,0-1-1 0 0,-1 1 1 0 0,1-1-1 0 0,0 1 1 0 0,-1 0-1 0 0,1-1 0 0 0,0 1 1 0 0,0 0-1 0 0,-1-1 1 0 0,1 1-1 0 0,0 0 1 0 0,0 0-1 0 0,0 0 0 0 0,-1-1 1 0 0,1 1-1 0 0,0 0 1 0 0,0 0-1 0 0,0 0 1 0 0,0 1-1 0 0,0-1-28 0 0,1 1 28 0 0,-1 0 1 0 0,1 0-1 0 0,-1 0 1 0 0,0 1-1 0 0,1-1 0 0 0,-1 0 1 0 0,0 1-1 0 0,0-1 0 0 0,0 1 1 0 0,0-1-1 0 0,0 1 1 0 0,0 0-1 0 0,0-1 0 0 0,0 2-28 0 0,20 67 154 0 0,-20-64-117 0 0,9 42 258 0 0,-3-1 1 0 0,-2 13-296 0 0,1-8 156 0 0,-2-36-412 0 0,2-15-4299 0 0,7-25-8490 0 0,-9 12 7910 0 0</inkml:trace>
   <inkml:trace contextRef="#ctx0" brushRef="#br0" timeOffset="4835.752">3340 412 9546 0 0,'3'-37'6790'0'0,"-2"25"-5881"0"0,0 1 0 0 0,0-1 0 0 0,-1 1 0 0 0,-2-11-909 0 0,2 19 82 0 0,-1-1 0 0 0,0 1-1 0 0,0 0 1 0 0,0 0 0 0 0,0 0-1 0 0,0 0 1 0 0,-1 0 0 0 0,1 0 0 0 0,-1 0-1 0 0,0 0 1 0 0,0 0 0 0 0,0 1-1 0 0,0-1 1 0 0,0 1 0 0 0,-1 0-1 0 0,1-1 1 0 0,-1 1 0 0 0,0 0 0 0 0,0 0-82 0 0,0 1 68 0 0,0-1 0 0 0,-1 1 0 0 0,1 0 0 0 0,-1 0 0 0 0,1 1 0 0 0,-1-1 1 0 0,1 1-1 0 0,-1 0 0 0 0,1-1 0 0 0,-1 2 0 0 0,1-1 0 0 0,-1 0 1 0 0,1 1-1 0 0,0-1 0 0 0,-1 1 0 0 0,1 0 0 0 0,-1 0 0 0 0,1 1 0 0 0,0-1 1 0 0,0 1-1 0 0,0-1 0 0 0,0 1 0 0 0,0 0 0 0 0,0 0 0 0 0,-1 1-68 0 0,-2 1 60 0 0,0 1 0 0 0,0 0 0 0 0,0 0 0 0 0,1 0-1 0 0,-1 1 1 0 0,1 0 0 0 0,0 0 0 0 0,1 0 0 0 0,0 0 0 0 0,0 1-1 0 0,-1 1-59 0 0,3 0 10 0 0,-1-1-1 0 0,1 1 1 0 0,0 0-1 0 0,1-1 0 0 0,0 1 1 0 0,0 0-1 0 0,0 0 1 0 0,1 0-1 0 0,1 7-9 0 0,-1-12-2 0 0,1 0 1 0 0,-1 0-1 0 0,0 0 1 0 0,1 0-1 0 0,0 0 0 0 0,0-1 1 0 0,0 1-1 0 0,0 0 1 0 0,0 0-1 0 0,1 0 0 0 0,-1-1 1 0 0,1 1-1 0 0,0-1 1 0 0,-1 1-1 0 0,1-1 0 0 0,0 0 1 0 0,0 0-1 0 0,1 0 1 0 0,-1 0-1 0 0,0 0 0 0 0,1 0 1 0 0,-1 0-1 0 0,1-1 1 0 0,0 1-1 0 0,0-1 0 0 0,-1 0 1 0 0,1 0 1 0 0,1-1-51 0 0,-1 0 1 0 0,0 0-1 0 0,1 0 1 0 0,-1 0-1 0 0,0-1 1 0 0,1 1-1 0 0,-1-1 0 0 0,0 0 1 0 0,0 0-1 0 0,0 0 1 0 0,0 0-1 0 0,1-1 1 0 0,-2 1-1 0 0,1-1 1 0 0,0 0-1 0 0,0 0 1 0 0,-1 0-1 0 0,1 0 1 0 0,-1 0-1 0 0,3-3 51 0 0,5-5-394 0 0,0 0 0 0 0,0-1 0 0 0,-1 0 0 0 0,1-3 394 0 0,37-64-971 0 0,-34 146 3291 0 0,-6-32-2362 0 0,-1 1 0 0 0,-2-1 0 0 0,-1 1 0 0 0,-3 2 42 0 0,0-20 113 0 0,0 0 0 0 0,-2 0 1 0 0,-1 0-1 0 0,0 0 1 0 0,-1-1-1 0 0,-1 1 1 0 0,-1-1-1 0 0,-6 13-113 0 0,9-24 190 0 0,-1 0 0 0 0,0 0 0 0 0,0 0 0 0 0,-1 0 0 0 0,0-1 0 0 0,0 0 0 0 0,-1 0-1 0 0,0 0 1 0 0,0-1 0 0 0,0 0 0 0 0,0 0 0 0 0,-1 0 0 0 0,0-1 0 0 0,0 0 0 0 0,0-1 0 0 0,0 1 0 0 0,-7 1-190 0 0,6-3 25 0 0,0 0 1 0 0,1-1 0 0 0,-1 0-1 0 0,0 0 1 0 0,1 0 0 0 0,-1-1-1 0 0,0 0 1 0 0,0-1 0 0 0,1 0-1 0 0,-1 0 1 0 0,0-1-1 0 0,1 0 1 0 0,-1 0 0 0 0,1-1-1 0 0,0 0 1 0 0,0 0 0 0 0,0 0-1 0 0,0-1 1 0 0,0 0-1 0 0,1-1 1 0 0,0 1 0 0 0,0-1-1 0 0,0 0 1 0 0,0-1 0 0 0,1 1-1 0 0,0-1 1 0 0,-3-5-26 0 0,-28-44-32 0 0,34 52-178 0 0,0-1-1 0 0,0 0 1 0 0,1 0 0 0 0,-1 0 0 0 0,1 0 0 0 0,0 0-1 0 0,0 0 1 0 0,0 0 0 0 0,0 0 0 0 0,1 0-1 0 0,-1 0 1 0 0,1-1 0 0 0,0 1 0 0 0,1-1 210 0 0,-1 5-329 0 0,0-1 1 0 0,0 1 0 0 0,1 0 0 0 0,-1-1-1 0 0,0 1 1 0 0,1-1 0 0 0,-1 1 0 0 0,0 0 0 0 0,1-1-1 0 0,-1 1 1 0 0,0 0 0 0 0,1-1 0 0 0,-1 1 0 0 0,1 0-1 0 0,-1 0 1 0 0,1-1 0 0 0,-1 1 0 0 0,0 0 0 0 0,1 0-1 0 0,-1 0 1 0 0,1 0 0 0 0,-1 0 0 0 0,1-1-1 0 0,-1 1 1 0 0,1 0 0 0 0,-1 0 0 0 0,1 0 0 0 0,0 0 328 0 0,4 1-9344 0 0</inkml:trace>
+</inkml:ink>
+</file>
+
+<file path=ppt/ink/ink12.xml><?xml version="1.0" encoding="utf-8"?>
+<inkml:ink xmlns:inkml="http://www.w3.org/2003/InkML">
+  <inkml:definitions>
+    <inkml:context xml:id="ctx0">
+      <inkml:inkSource xml:id="inkSrc0">
+        <inkml:traceFormat>
+          <inkml:channel name="X" type="integer" min="-2.14748E9" max="2.14748E9" units="cm"/>
+          <inkml:channel name="Y" type="integer" min="-2.14748E9" max="2.14748E9" units="cm"/>
+        </inkml:traceFormat>
+        <inkml:channelProperties>
+          <inkml:channelProperty channel="X" name="resolution" value="1000" units="1/cm"/>
+          <inkml:channelProperty channel="Y" name="resolution" value="1000" units="1/cm"/>
+        </inkml:channelProperties>
+      </inkml:inkSource>
+      <inkml:timestamp xml:id="ts0" timeString="2020-02-20T10:00:25.466"/>
+    </inkml:context>
+    <inkml:brush xml:id="br0">
+      <inkml:brushProperty name="width" value="0.025" units="cm"/>
+      <inkml:brushProperty name="height" value="0.025" units="cm"/>
+      <inkml:brushProperty name="color" value="#FF0066"/>
+      <inkml:brushProperty name="ignorePressure" value="1"/>
+    </inkml:brush>
+  </inkml:definitions>
+  <inkml:trace contextRef="#ctx0" brushRef="#br0">3344 257,'0'0</inkml:trace>
+  <inkml:trace contextRef="#ctx0" brushRef="#br0" timeOffset="862.999">3647 47,'0'0</inkml:trace>
+  <inkml:trace contextRef="#ctx0" brushRef="#br0" timeOffset="1205.312">3647 47,'0'0</inkml:trace>
+  <inkml:trace contextRef="#ctx0" brushRef="#br0" timeOffset="1551.482">3647 47,'0'0</inkml:trace>
 </inkml:ink>
 </file>
 
@@ -278,7 +308,7 @@
   <inkml:trace contextRef="#ctx0" brushRef="#br0">24 356 6529 0 0,'19'-3'9925'0'0,"-16"18"-8140"0"0,-3-13-1631 0 0,1-1 1 0 0,-1 0 0 0 0,1 0 0 0 0,-1 1 0 0 0,0-1 0 0 0,0 0 0 0 0,1 1 0 0 0,-1-1 0 0 0,0 0 0 0 0,0 1 0 0 0,-1-1-1 0 0,1 0 1 0 0,0 1 0 0 0,0-1 0 0 0,0 0 0 0 0,-1 1 0 0 0,1-1 0 0 0,-1 0 0 0 0,1 1 0 0 0,-1-1 0 0 0,0 0-1 0 0,1 0 1 0 0,-1 0 0 0 0,0 0 0 0 0,0 0 0 0 0,0 1-155 0 0,9 74 1560 0 0,-3 65-922 0 0,14 79-638 0 0,-15-191 7 0 0,3 42 87 0 0,4 0 1 0 0,6 13-95 0 0,-15-74 69 0 0,-1 0 0 0 0,-1 1 1 0 0,0-1-1 0 0,0 0 0 0 0,-1 0 1 0 0,0 1-1 0 0,-1-1 0 0 0,0 0 0 0 0,-3 8-69 0 0,2-5 47 0 0,0-1 0 0 0,1 0-1 0 0,1 1 1 0 0,0-1-1 0 0,0 1 1 0 0,1 2-47 0 0,7 99 100 0 0,-6 3-100 0 0,-3-21 25 0 0,-1-49-45 0 0,3-1 1 0 0,1 0-1 0 0,6 23 20 0 0,-3-30 41 0 0,-2 0-1 0 0,-1 17-40 0 0,4 65 48 0 0,-1-61 24 0 0,-2 0 0 0 0,-3 0 0 0 0,-4 11-72 0 0,0 70 88 0 0,3-59-54 0 0,-11 77-34 0 0,13-155 1 0 0,-24 214-116 0 0,22-174 47 0 0,1 0 0 0 0,3 0 0 0 0,7 43 68 0 0,4-24-346 0 0,5 32-26 0 0,-18-87-164 0 0,1 0-1 0 0,-1 0 0 0 0,-1 0 0 0 0,1 0 0 0 0,-1 0 0 0 0,-1 0 1 0 0,0 0-1 0 0,0 0 0 0 0,0 0 0 0 0,-2 4 537 0 0,-4-2-4111 0 0,1-7-4279 0 0,1-4 2735 0 0</inkml:trace>
   <inkml:trace contextRef="#ctx0" brushRef="#br0" timeOffset="3028.499">2 352 8 0 0,'-1'-1'193'0'0,"1"1"0"0"0,0 0 0 0 0,0 0 0 0 0,0 0 0 0 0,0-1 1 0 0,0 1-1 0 0,0 0 0 0 0,0 0 0 0 0,-1 0 0 0 0,1-1 0 0 0,0 1 0 0 0,0 0 0 0 0,0 0 0 0 0,0-1 0 0 0,0 1 1 0 0,0 0-1 0 0,0 0 0 0 0,0-1 0 0 0,0 1 0 0 0,0 0 0 0 0,0 0 0 0 0,1-1 0 0 0,-1 1 0 0 0,0 0 0 0 0,0 0 1 0 0,0-1-1 0 0,0 1 0 0 0,0 0 0 0 0,0 0 0 0 0,0 0 0 0 0,1-1 0 0 0,-1 1 0 0 0,0 0 0 0 0,0 0 0 0 0,0 0 0 0 0,0 0 1 0 0,1-1-1 0 0,-1 1 0 0 0,0 0 0 0 0,0 0 0 0 0,0 0 0 0 0,1 0 0 0 0,-1 0 0 0 0,0 0 0 0 0,0 0 0 0 0,1 0 1 0 0,-1 0-1 0 0,0-1 0 0 0,0 1 0 0 0,1 0 0 0 0,-1 0 0 0 0,0 0 0 0 0,0 0 0 0 0,0 0 0 0 0,1 0 0 0 0,-1 1 0 0 0,0-1 1 0 0,0 0-1 0 0,1 0 0 0 0,-1 0 0 0 0,0 0 0 0 0,0 0 0 0 0,1 0 0 0 0,-1 0 0 0 0,0 0 0 0 0,0 1 0 0 0,0-1 1 0 0,1 0-194 0 0,0-17 6607 0 0,-1 16-6501 0 0,1 1 1 0 0,-1-1 0 0 0,1 0-1 0 0,-1 1 1 0 0,1-1 0 0 0,0 1-1 0 0,-1-1 1 0 0,1 1 0 0 0,0-1-1 0 0,0 1 1 0 0,-1-1 0 0 0,1 1-1 0 0,0-1 1 0 0,0 1 0 0 0,0 0 0 0 0,-1 0-1 0 0,1-1 1 0 0,0 1 0 0 0,0 0-1 0 0,0 0 1 0 0,0 0 0 0 0,-1 0-1 0 0,1 0 1 0 0,0 0 0 0 0,0 0-1 0 0,0 0-106 0 0,4 1 232 0 0,1 0-1 0 0,-1 0 0 0 0,0 0 1 0 0,1 1-1 0 0,-1 0 0 0 0,0 0 0 0 0,0 0 1 0 0,1 1-232 0 0,41 13 466 0 0,-11-11-247 0 0,-26-3-88 0 0,1 0 0 0 0,0-1 0 0 0,0 0 0 0 0,0-1 1 0 0,0 0-1 0 0,-1-1 0 0 0,1 0 0 0 0,0-1 0 0 0,9-2-131 0 0,6-2 75 0 0,1 2-1 0 0,1 1 1 0 0,-1 2-1 0 0,0 0 1 0 0,6 2-75 0 0,-7-1 87 0 0,26 6 119 0 0,-43-4-161 0 0,-1-1 0 0 0,1 0 1 0 0,-1 0-1 0 0,1-1 0 0 0,0 0 1 0 0,-1-1-1 0 0,1 1 0 0 0,2-2-45 0 0,7-2 73 0 0,-10 1-6 0 0,1 1 0 0 0,-1 0-1 0 0,1 0 1 0 0,0 1 0 0 0,-1 0 0 0 0,1 0-1 0 0,0 1 1 0 0,0 0 0 0 0,-1 1-1 0 0,1 0 1 0 0,0 0 0 0 0,-1 1-1 0 0,1 0 1 0 0,-1 0 0 0 0,1 1-1 0 0,0 1-66 0 0,-1-1 5 0 0,-1-1 0 0 0,0 0 0 0 0,1-1 0 0 0,0 0 0 0 0,-1 0 0 0 0,1 0-1 0 0,0-1 1 0 0,-1 0 0 0 0,1 0 0 0 0,0-1 0 0 0,-1 0 0 0 0,1-1 0 0 0,0 0-1 0 0,-1 0 1 0 0,5-2-5 0 0,-2 1 46 0 0,-1 1 0 0 0,1 0 0 0 0,0 0 0 0 0,0 1-1 0 0,1 0 1 0 0,-1 0 0 0 0,0 1 0 0 0,0 1 0 0 0,6 1-46 0 0,-5 0 25 0 0,0 0 1 0 0,0 0-1 0 0,0-1 1 0 0,0 0-1 0 0,0-1 1 0 0,0 0-1 0 0,1-1 0 0 0,-1 0 1 0 0,0-1-1 0 0,0 0 1 0 0,0 0-1 0 0,2-2-25 0 0,24-6 108 0 0,-1 2-1 0 0,22 0-107 0 0,-21 2 67 0 0,0-1-1 0 0,20-7-66 0 0,-39 10 17 0 0,1 1-1 0 0,-1 1 1 0 0,0 0-1 0 0,1 1 0 0 0,17 2-16 0 0,49-4-38 0 0,-69 2 37 0 0,0 1-1 0 0,-1 0 1 0 0,1 1-1 0 0,0 1 0 0 0,-1 1 1 0 0,10 2 1 0 0,-10-1 2 0 0,-1-1 0 0 0,1-1 0 0 0,-1 0 0 0 0,1-1-1 0 0,0-1 1 0 0,0 0 0 0 0,12-2-2 0 0,-5-2 3 0 0,7-3 19 0 0,0 2-1 0 0,0 2 1 0 0,0 0 0 0 0,0 2 0 0 0,1 1-1 0 0,-1 1 1 0 0,10 3-22 0 0,7 1 14 0 0,0-3 0 0 0,0-1 0 0 0,0-3 0 0 0,-1-1 0 0 0,7-4-14 0 0,22 0 6 0 0,26 2-6 0 0,46-2-45 0 0,-82 2 45 0 0,62 4 0 0 0,30 5 65 0 0,6-6-65 0 0,138 7-54 0 0,-78 1 76 0 0,-77-9 18 0 0,81-15-40 0 0,-157 14-26 0 0,0 2 0 0 0,41 6 26 0 0,23 0-15 0 0,-47-7 30 0 0,-57 0 0 0 0,0 2 1 0 0,0 0 0 0 0,0 3 0 0 0,0 0 0 0 0,22 5-16 0 0,-5 6 0 0 0,-31-8 0 0 0,0 0-1 0 0,0-1 0 0 0,1-1 1 0 0,-1 0-1 0 0,1-1 0 0 0,0-1 1 0 0,0 0-1 0 0,0-1 0 0 0,13-2 1 0 0,-29 2 4 0 0,1 0 0 0 0,-1 0 0 0 0,1 0 0 0 0,-1 0 0 0 0,1 0 1 0 0,-1 0-1 0 0,0 0 0 0 0,1 0 0 0 0,-1 0 0 0 0,1-1 0 0 0,-1 1 0 0 0,1 0 0 0 0,-1 0 0 0 0,0 0 0 0 0,1-1 0 0 0,-1 1 0 0 0,1 0 0 0 0,-1 0 0 0 0,0-1 0 0 0,1 1 0 0 0,-1 0 0 0 0,0-1 0 0 0,0 1 0 0 0,1 0 0 0 0,-1-1 0 0 0,0 1 0 0 0,0 0 0 0 0,1-1 0 0 0,-1 1 0 0 0,0-1 0 0 0,0 1 0 0 0,0 0 0 0 0,0-1 0 0 0,0 1 0 0 0,0-1 0 0 0,1 1 0 0 0,-1-1 0 0 0,0 1 0 0 0,0-1-4 0 0,-1 1 9 0 0,1-1-1 0 0,-1 0 1 0 0,1 1-1 0 0,-1-1 1 0 0,1 1 0 0 0,-1-1-1 0 0,1 1 1 0 0,-1-1-1 0 0,1 1 1 0 0,-1 0-1 0 0,0-1 1 0 0,1 1-1 0 0,-1 0 1 0 0,0-1 0 0 0,1 1-1 0 0,-1 0 1 0 0,0 0-1 0 0,1 0 1 0 0,-1-1-1 0 0,0 1 1 0 0,0 0-1 0 0,1 0 1 0 0,-1 0 0 0 0,0 0-1 0 0,0 0-8 0 0,1 0 5 0 0,-12 50 54 0 0,-11 57-23 0 0,15-78-19 0 0,2 1-1 0 0,1 0 0 0 0,1 0 0 0 0,0 21-16 0 0,2-16 13 0 0,-1 0-1 0 0,-2 0 0 0 0,-9 28-12 0 0,6-28 14 0 0,2 0-1 0 0,1 0 1 0 0,0 31-14 0 0,6 21 108 0 0,1-13-54 0 0,-4-1 0 0 0,-8 50-54 0 0,3-51 7 0 0,3 0 0 0 0,4 14-7 0 0,-2 46-35 0 0,-8 475-43 0 0,9-596 62 0 0,-4 128-257 0 0,7 56 273 0 0,-1-76-90 0 0,-1-73 61 0 0,1 0 0 0 0,2 1-1 0 0,3 2 30 0 0,-1-7-130 0 0,-1-1 0 0 0,-2 1 0 0 0,-2-1 0 0 0,-2 1 0 0 0,-2 1 130 0 0,3-9-193 0 0,1 1 0 0 0,1-1 0 0 0,2 1-1 0 0,4 12 194 0 0,-7-44-48 0 0,0 0-1 0 0,0 0 1 0 0,-1 0-1 0 0,1 0 1 0 0,-1 0-1 0 0,1 0 1 0 0,-1 0-1 0 0,0 0 1 0 0,0 0-1 0 0,0-1 1 0 0,-1 1 48 0 0,-9 13-2138 0 0,-4-10-4072 0 0,10-11-1191 0 0,3 0-571 0 0</inkml:trace>
   <inkml:trace contextRef="#ctx0" brushRef="#br0" timeOffset="4802.812">66 3439 5673 0 0,'5'-6'8807'0'0,"-5"5"-8668"0"0,1 1 0 0 0,-1-1 0 0 0,0 0 0 0 0,0 0-1 0 0,0 1 1 0 0,1-1 0 0 0,-1 0 0 0 0,0 1 0 0 0,1-1 0 0 0,-1 1 0 0 0,1-1-1 0 0,-1 0 1 0 0,0 1 0 0 0,1-1 0 0 0,-1 1 0 0 0,1-1 0 0 0,0 1 0 0 0,-1-1-1 0 0,1 1 1 0 0,-1 0 0 0 0,1-1 0 0 0,0 1 0 0 0,-1 0 0 0 0,1-1 0 0 0,0 1-1 0 0,-1 0 1 0 0,1 0 0 0 0,0 0 0 0 0,-1-1 0 0 0,1 1 0 0 0,0 0 0 0 0,0 0-1 0 0,-1 0 1 0 0,1 0 0 0 0,0 0 0 0 0,-1 0 0 0 0,1 1 0 0 0,0-1 0 0 0,0 0-1 0 0,-1 0 1 0 0,1 0 0 0 0,0 1 0 0 0,-1-1 0 0 0,1 0 0 0 0,0 1 0 0 0,-1-1 0 0 0,1 1-1 0 0,-1-1 1 0 0,1 0 0 0 0,-1 1 0 0 0,1-1 0 0 0,-1 1 0 0 0,1 0 0 0 0,-1-1-1 0 0,1 1 1 0 0,-1-1 0 0 0,0 1 0 0 0,1 0 0 0 0,-1 0-139 0 0,2 0 71 0 0,-1 0 0 0 0,0 1 0 0 0,1-1 0 0 0,0 0 1 0 0,-1 1-1 0 0,1-1 0 0 0,0 0 0 0 0,-1 0 0 0 0,1-1 0 0 0,0 1 0 0 0,0 0 1 0 0,0 0-1 0 0,0-1 0 0 0,0 1 0 0 0,0-1 0 0 0,0 0 0 0 0,0 0 0 0 0,0 1 1 0 0,0-1-1 0 0,0-1 0 0 0,0 1 0 0 0,0 0 0 0 0,0 0 0 0 0,0-1 0 0 0,1 0-70 0 0,54-16 349 0 0,-47 13-136 0 0,14-3-83 0 0,1 1-1 0 0,-1 1 1 0 0,1 1-1 0 0,0 1 1 0 0,6 1-131 0 0,-1 0 376 0 0,0-2 0 0 0,0 0 1 0 0,7-4-377 0 0,-23 4 89 0 0,0 2 0 0 0,0 0 0 0 0,0 0 0 0 0,0 1 0 0 0,0 1 0 0 0,0 1 0 0 0,10 1-89 0 0,16 4 126 0 0,-1 2-1 0 0,1 1-125 0 0,-17-2 31 0 0,0-1-1 0 0,1-1 1 0 0,0-2-1 0 0,0 0 1 0 0,0-2-1 0 0,0 0 1 0 0,16-3-31 0 0,117-25 584 0 0,28-3 43 0 0,2 7-467 0 0,170-44-160 0 0,-268 49 45 0 0,0 3 1 0 0,1 4-1 0 0,0 4 0 0 0,0 5 1 0 0,88 7-46 0 0,-101-3-52 0 0,0-4 1 0 0,53-9 51 0 0,-60 3 7 0 0,0 4-1 0 0,0 3 1 0 0,37 5-7 0 0,28 12 0 0 0,-41-3-4 0 0,1-5 0 0 0,5-3 4 0 0,-32-6 5 0 0,57 1 38 0 0,-1 4 0 0 0,44 11-43 0 0,-35 1-28 0 0,0-6 1 0 0,1-7-1 0 0,93-9 28 0 0,-141-2 78 0 0,-39 3-73 0 0,1 2 0 0 0,44 3-5 0 0,0 3 24 0 0,-89-2-530 0 0,-9 3 1501 0 0,-5 2-4484 0 0,11-1-6436 0 0,1-5 1075 0 0</inkml:trace>
-  <inkml:trace contextRef="#ctx0" brushRef="#br0" timeOffset="6126.438">4410 1762 8666 0 0,'-23'14'4025'0'0,"19"-12"-2440"0"0,9-9-192 0 0,4-5-209 0 0,7-9-4 0 0,1 1 1 0 0,0 1-1 0 0,2 1 1 0 0,12-9-1181 0 0,0 1 577 0 0,2 3 1 0 0,24-14-578 0 0,39-15-545 0 0,77-28 545 0 0,-134 63 340 0 0,104-42 683 0 0,135-36-1023 0 0,155-22 1252 0 0,-196 55-1125 0 0,-26 9 1113 0 0,103-7-1240 0 0,-251 58 2124 0 0,-70 2-4887 0 0,5 0-1613 0 0,1 1-4407 0 0,1-2 751 0 0</inkml:trace>
+  <inkml:trace contextRef="#ctx0" brushRef="#br0" timeOffset="6126.437">4410 1762 8666 0 0,'-23'14'4025'0'0,"19"-12"-2440"0"0,9-9-192 0 0,4-5-209 0 0,7-9-4 0 0,1 1 1 0 0,0 1-1 0 0,2 1 1 0 0,12-9-1181 0 0,0 1 577 0 0,2 3 1 0 0,24-14-578 0 0,39-15-545 0 0,77-28 545 0 0,-134 63 340 0 0,104-42 683 0 0,135-36-1023 0 0,155-22 1252 0 0,-196 55-1125 0 0,-26 9 1113 0 0,103-7-1240 0 0,-251 58 2124 0 0,-70 2-4887 0 0,5 0-1613 0 0,1 1-4407 0 0,1-2 751 0 0</inkml:trace>
   <inkml:trace contextRef="#ctx0" brushRef="#br0" timeOffset="6777.259">6988 832 10786 0 0,'-3'1'257'0'0,"1"1"0"0"0,-1 0 0 0 0,1-1 0 0 0,0 1 0 0 0,0 1 0 0 0,0-1 0 0 0,0 0 0 0 0,0 0-1 0 0,0 1 1 0 0,0-1 0 0 0,1 1 0 0 0,0-1 0 0 0,-1 1 0 0 0,1 0 0 0 0,0 0 0 0 0,0-1 0 0 0,0 1 0 0 0,1 0 0 0 0,-1 0-1 0 0,1 0 1 0 0,-1 0 0 0 0,1 0 0 0 0,0 0 0 0 0,0 0 0 0 0,1 1-257 0 0,0 15 191 0 0,1-1-1 0 0,1 1 1 0 0,4 17-191 0 0,2 6 240 0 0,-6-17-562 0 0,0 0 0 0 0,-2 0-1 0 0,-1 1 1 0 0,-1 5 322 0 0,-4-3-4141 0 0,-3-2-3573 0 0,7-24 3645 0 0</inkml:trace>
   <inkml:trace contextRef="#ctx0" brushRef="#br0" timeOffset="7146.031">6994 958 11771 0 0,'-1'-1'144'0'0,"0"0"0"0"0,1 0 1 0 0,-1-1-1 0 0,0 1 0 0 0,1-1 1 0 0,-1 1-1 0 0,1-1 0 0 0,-1 1 1 0 0,1-1-1 0 0,-1 1 0 0 0,1-1 1 0 0,0 1-1 0 0,0-1 0 0 0,0 1 1 0 0,0-1-1 0 0,0 1 0 0 0,0-1 1 0 0,0 0-1 0 0,1 1 0 0 0,-1-1 1 0 0,1 1-1 0 0,-1-1 0 0 0,1 1 1 0 0,-1 0-1 0 0,1-1 0 0 0,0 1 1 0 0,0-1-145 0 0,1 0 144 0 0,0-1 0 0 0,1 1 0 0 0,-1 0 0 0 0,1-1-1 0 0,-1 1 1 0 0,1 1 0 0 0,0-1 0 0 0,0 0 0 0 0,0 1 0 0 0,0-1 0 0 0,0 1 0 0 0,3-1-144 0 0,3-1 93 0 0,1 0 0 0 0,-1 1 0 0 0,1 1 1 0 0,0-1-1 0 0,0 1 0 0 0,-1 1 0 0 0,1 0 0 0 0,10 1-93 0 0,-17-1 20 0 0,1 1 0 0 0,-1-1 1 0 0,1 1-1 0 0,-1 0 0 0 0,0 0 0 0 0,0 0 0 0 0,1 0 1 0 0,-1 1-1 0 0,0-1 0 0 0,0 1 0 0 0,0 0 1 0 0,0 0-1 0 0,-1 0 0 0 0,1 0 0 0 0,0 1 0 0 0,-1-1 1 0 0,0 1-1 0 0,1-1 0 0 0,-1 1 0 0 0,0 0 1 0 0,0 0-1 0 0,-1 0 0 0 0,1 0 0 0 0,-1 0 0 0 0,1 0 1 0 0,0 3-21 0 0,-1 1-77 0 0,0-1-1 0 0,-1 1 1 0 0,0 0 0 0 0,0-1 0 0 0,-1 1 0 0 0,1-1-1 0 0,-1 1 1 0 0,-1-1 0 0 0,1 1 0 0 0,-1-1 0 0 0,0 0 0 0 0,-1 0-1 0 0,-2 5 78 0 0,0 0-207 0 0,0 0 0 0 0,0-1 0 0 0,-1 0 0 0 0,-1 0 0 0 0,0 0 0 0 0,0-1-1 0 0,-1 0 1 0 0,0-1 0 0 0,0 1 0 0 0,-1-1 0 0 0,0-1 0 0 0,-1 0-1 0 0,0 0 1 0 0,0-1 0 0 0,-5 2 207 0 0,9-5 375 0 0,0 0-1 0 0,0 0 1 0 0,1 1 0 0 0,-1-1-1 0 0,1 1 1 0 0,0 1-1 0 0,0-1 1 0 0,0 1 0 0 0,1-1-1 0 0,-1 2-374 0 0,5-6 328 0 0,36-13 2474 0 0,28 19-2615 0 0,24-1-2566 0 0,-81-5 908 0 0,-1-1 1 0 0,0 0-1 0 0,0 0 1 0 0,0 0-1 0 0,0-1 0 0 0,0 0 1 0 0,4-1 1470 0 0,-1-2-5088 0 0</inkml:trace>
   <inkml:trace contextRef="#ctx0" brushRef="#br0" timeOffset="7489.521">7330 822 14971 0 0,'-2'-2'396'0'0,"0"0"0"0"0,-1 1-1 0 0,1-1 1 0 0,0 0 0 0 0,-1 1-1 0 0,1 0 1 0 0,-1-1 0 0 0,0 1 0 0 0,1 0-1 0 0,-1 1 1 0 0,0-1 0 0 0,1 0-1 0 0,-1 1 1 0 0,-2-1-396 0 0,5 1 68 0 0,-1 0 0 0 0,1 0 0 0 0,-1 1 0 0 0,1-1 0 0 0,0 0 0 0 0,-1 0-1 0 0,1 0 1 0 0,-1 1 0 0 0,1-1 0 0 0,0 0 0 0 0,-1 1 0 0 0,1-1 0 0 0,0 0 0 0 0,-1 1 0 0 0,1-1 0 0 0,0 0 0 0 0,-1 1 0 0 0,1-1-1 0 0,0 0 1 0 0,0 1 0 0 0,0-1 0 0 0,-1 1 0 0 0,1-1 0 0 0,0 1 0 0 0,0-1 0 0 0,0 0 0 0 0,0 1 0 0 0,0 0-68 0 0,3 25 1047 0 0,26 74-454 0 0,-16-60-620 0 0,-1 0 0 0 0,-3 1-1 0 0,-1 0 1 0 0,-1 1 0 0 0,-3 5 27 0 0,-3-18-814 0 0,2 35-1901 0 0,5-25-5514 0 0,-5-35 3604 0 0,-3-5-420 0 0</inkml:trace>
@@ -437,7 +467,7 @@
   <inkml:trace contextRef="#ctx0" brushRef="#br0">93 137 4881 0 0,'-92'10'12661'0'0,"129"-43"-10520"0"0,-26 26-2083 0 0,49-31 22 0 0,-56 36-74 0 0,1-1 0 0 0,0 1 0 0 0,0 0 0 0 0,-1 1 0 0 0,1-1 1 0 0,0 1-1 0 0,1 0 0 0 0,-1 0 0 0 0,0 0 0 0 0,0 1 0 0 0,3 0-6 0 0,-6 0 6 0 0,0 1-1 0 0,-1 0 0 0 0,1 0 1 0 0,0 0-1 0 0,-1 0 0 0 0,0 0 1 0 0,1 0-1 0 0,-1 0 0 0 0,1 0 1 0 0,-1 1-1 0 0,0-1 0 0 0,0 1 1 0 0,0-1-1 0 0,0 1 0 0 0,0-1 1 0 0,0 1-1 0 0,0 0 0 0 0,-1-1 1 0 0,1 1-1 0 0,0 0 0 0 0,-1-1 1 0 0,1 1-1 0 0,-1 0 0 0 0,0 0 0 0 0,0 0 1 0 0,0-1-1 0 0,0 1 0 0 0,0 2-4 0 0,-1 53 120 0 0,-3-43-44 0 0,0 0-1 0 0,-1 0 1 0 0,-1 0 0 0 0,0 0-1 0 0,-1-1 1 0 0,0 0 0 0 0,-1 0-1 0 0,-1 0-76 0 0,-25 45-682 0 0,45-64-8064 0 0,4-15 4333 0 0,-14 14 3031 0 0,2 0-1919 0 0</inkml:trace>
   <inkml:trace contextRef="#ctx0" brushRef="#br0" timeOffset="349.85">152 230 5777 0 0,'3'3'7296'0'0,"6"5"-3475"0"0,49 40-2290 0 0,-53-46-1846 0 0,26 17 476 0 0,-23-7-2805 0 0,-14 3-4681 0 0,6-14 5256 0 0,0-2-2220 0 0</inkml:trace>
   <inkml:trace contextRef="#ctx0" brushRef="#br0" timeOffset="686.116">210 151 7282 0 0,'-1'0'466'0'0,"0"-1"1"0"0,-1 1-1 0 0,1 0 1 0 0,0 0 0 0 0,-1 0-1 0 0,1 0 1 0 0,0 0-1 0 0,-1 0 1 0 0,1 0 0 0 0,0 0-1 0 0,-1 0 1 0 0,1 0-1 0 0,0 1 1 0 0,-1-1 0 0 0,1 1-1 0 0,0-1 1 0 0,0 1-1 0 0,-1 0-466 0 0,3 3 1651 0 0,14-1-1121 0 0,120-10-735 0 0,-133 3-1231 0 0,-1 0 0 0 0,0 0 0 0 0,0-1 0 0 0,0 1 0 0 0,0 0-1 0 0,0 0 1 0 0,-1-1 0 0 0,0-3 1436 0 0,1-5-363 0 0,0 9 295 0 0,3-36 2273 0 0,-4 38-1651 0 0,0 0 0 0 0,0 1 1 0 0,-1-1-1 0 0,1 1 0 0 0,-1-1 0 0 0,1 0 1 0 0,-1 1-1 0 0,0 0 0 0 0,1-1 1 0 0,-1 1-1 0 0,0-1 0 0 0,0 1 0 0 0,0 0 1 0 0,-1-2-555 0 0,3 13 3994 0 0,-1 20-2869 0 0,0-12-682 0 0,8 89 472 0 0,0 1-1322 0 0,-6-36-3615 0 0,-6-84-7275 0 0,2 8 6813 0 0</inkml:trace>
-  <inkml:trace contextRef="#ctx0" brushRef="#br0" timeOffset="1038.053">113 455 10234 0 0,'-27'-1'5406'0'0,"46"1"-2197"0"0,45-1-1843 0 0,-56 1-1327 0 0,0 0 1 0 0,0 1-1 0 0,0-1 1 0 0,0 2-1 0 0,0-1 1 0 0,0 1-1 0 0,0 0 1 0 0,0 1-1 0 0,-1 0 1 0 0,1 0-1 0 0,3 2-39 0 0,-7-2 7 0 0,0 0-1 0 0,0 0 1 0 0,-1 1-1 0 0,1-1 0 0 0,0 1 1 0 0,-1 0-1 0 0,0 0 0 0 0,0 0 1 0 0,0 0-1 0 0,-1 0 1 0 0,1 1-1 0 0,-1-1 0 0 0,0 1 1 0 0,0-1-1 0 0,-1 1 1 0 0,1 0-1 0 0,-1 0 0 0 0,0 5-6 0 0,2 8-145 0 0,-3-13-215 0 0,0 0 0 0 0,1 0 0 0 0,-1-1-1 0 0,1 1 1 0 0,0 0 0 0 0,1-1 0 0 0,-1 1-1 0 0,1 0 1 0 0,0-1 0 0 0,2 4 360 0 0,7-47-11097 0 0,-9 31 7033 0 0</inkml:trace>
+  <inkml:trace contextRef="#ctx0" brushRef="#br0" timeOffset="1038.052">113 455 10234 0 0,'-27'-1'5406'0'0,"46"1"-2197"0"0,45-1-1843 0 0,-56 1-1327 0 0,0 0 1 0 0,0 1-1 0 0,0-1 1 0 0,0 2-1 0 0,0-1 1 0 0,0 1-1 0 0,0 0 1 0 0,0 1-1 0 0,-1 0 1 0 0,1 0-1 0 0,3 2-39 0 0,-7-2 7 0 0,0 0-1 0 0,0 0 1 0 0,-1 1-1 0 0,1-1 0 0 0,0 1 1 0 0,-1 0-1 0 0,0 0 0 0 0,0 0 1 0 0,0 0-1 0 0,-1 0 1 0 0,1 1-1 0 0,-1-1 0 0 0,0 1 1 0 0,0-1-1 0 0,-1 1 1 0 0,1 0-1 0 0,-1 0 0 0 0,0 5-6 0 0,2 8-145 0 0,-3-13-215 0 0,0 0 0 0 0,1 0 0 0 0,-1-1-1 0 0,1 1 1 0 0,0 0 0 0 0,1-1 0 0 0,-1 1-1 0 0,1 0 1 0 0,0-1 0 0 0,2 4 360 0 0,7-47-11097 0 0,-9 31 7033 0 0</inkml:trace>
   <inkml:trace contextRef="#ctx0" brushRef="#br0" timeOffset="1372.014">452 78 8810 0 0,'-2'0'435'0'0,"1"-1"0"0"0,-1 1 0 0 0,0 0 0 0 0,0 1 0 0 0,0-1 0 0 0,0 0 0 0 0,0 1 0 0 0,0-1 1 0 0,0 1-1 0 0,0-1 0 0 0,1 1 0 0 0,-1 0 0 0 0,0 0 0 0 0,0 0-435 0 0,2-1 115 0 0,-1 1 0 0 0,1-1-1 0 0,0 1 1 0 0,-1-1 0 0 0,1 0 0 0 0,0 1-1 0 0,0-1 1 0 0,-1 1 0 0 0,1-1 0 0 0,0 1 0 0 0,0-1-1 0 0,0 1 1 0 0,0-1 0 0 0,0 1 0 0 0,0-1 0 0 0,0 1-1 0 0,0-1 1 0 0,0 1 0 0 0,0-1 0 0 0,0 1-1 0 0,0-1 1 0 0,0 1 0 0 0,0-1 0 0 0,0 1 0 0 0,1-1-1 0 0,-1 1 1 0 0,0-1 0 0 0,0 1 0 0 0,1-1 0 0 0,-1 1-1 0 0,0-1-114 0 0,5 6 291 0 0,-1 0 0 0 0,1 0 0 0 0,0-1 0 0 0,1 1-1 0 0,-1-1 1 0 0,2 0-291 0 0,0 1-213 0 0,0 1 229 0 0,0-2-1 0 0,0 1 1 0 0,0-1 0 0 0,1 0-1 0 0,-1 0 1 0 0,1-1 0 0 0,0 0-1 0 0,7 2-15 0 0,-12-5-4 0 0,-1 0-1 0 0,1-1 1 0 0,0 1-1 0 0,0-1 0 0 0,-1 1 1 0 0,1-1-1 0 0,0 0 1 0 0,0 0-1 0 0,-1-1 1 0 0,1 1-1 0 0,0-1 1 0 0,-1 1-1 0 0,1-1 1 0 0,0 0-1 0 0,-1 0 0 0 0,1 0 1 0 0,-1 0-1 0 0,1 0 1 0 0,-1 0-1 0 0,1-1 1 0 0,-1 0-1 0 0,0 1 1 0 0,0-1-1 0 0,0 0 0 0 0,0 0 1 0 0,0 0-1 0 0,0 0 1 0 0,-1 0-1 0 0,2-3 5 0 0,1 0 6 0 0,0 0-1 0 0,0-1 0 0 0,-1 1 1 0 0,0-1-1 0 0,0 0 0 0 0,-1 0 1 0 0,0 0-1 0 0,0 0 1 0 0,0-1-1 0 0,0 1 0 0 0,-1-1 1 0 0,0-2-6 0 0,-1 6 55 0 0,0 0 0 0 0,-1 0 1 0 0,1 0-1 0 0,-1 0 1 0 0,1 0-1 0 0,-1 0 0 0 0,0 0 1 0 0,0 0-1 0 0,0 0 0 0 0,-1 1 1 0 0,1-1-1 0 0,-1 0 1 0 0,1 1-1 0 0,-1-1 0 0 0,0 1 1 0 0,0-1-1 0 0,0 1 0 0 0,0 0 1 0 0,0 0-1 0 0,-1 0 1 0 0,1 0-1 0 0,-1 0 0 0 0,1 1 1 0 0,-1-1-1 0 0,0 1 1 0 0,-2-1-56 0 0,0-1 11 0 0,0 0 1 0 0,0 1 0 0 0,0 0-1 0 0,-1 0 1 0 0,1 1 0 0 0,0-1-1 0 0,-1 1 1 0 0,0 0 0 0 0,1 1-1 0 0,-1-1 1 0 0,0 1 0 0 0,1 0 0 0 0,-5 1-12 0 0,8 0-5 0 0,0 0 1 0 0,0-1 0 0 0,0 1 0 0 0,0 0 0 0 0,0 1-1 0 0,0-1 1 0 0,0 0 0 0 0,0 1 0 0 0,0-1 0 0 0,1 1-1 0 0,-1-1 1 0 0,0 1 0 0 0,1 0 0 0 0,0 0 0 0 0,-1-1-1 0 0,1 1 1 0 0,0 0 0 0 0,0 0 0 0 0,0 0 0 0 0,0 1-1 0 0,0-1 1 0 0,0 0 0 0 0,1 0 0 0 0,-1 0 0 0 0,1 1 0 0 0,0-1-1 0 0,-1 0 1 0 0,1 1 0 0 0,0-1 0 0 0,0 0 0 0 0,1 0-1 0 0,-1 1 1 0 0,0-1 0 0 0,1 2 4 0 0,0 9-133 0 0,1 90 319 0 0,-14-34-3340 0 0,6-43-1189 0 0,3-6-3322 0 0,2-17 3204 0 0</inkml:trace>
   <inkml:trace contextRef="#ctx0" brushRef="#br0" timeOffset="1719.636">530 218 4857 0 0,'-3'0'856'0'0,"2"1"-728"0"0,-2-1-152 0 0,2 2-32 0 0,1-2-128 0 0,-1 0-144 0 0,1 0-1880 0 0,0 0-337 0 0</inkml:trace>
   <inkml:trace contextRef="#ctx0" brushRef="#br0" timeOffset="1720.636">527 214 4001 0 0,'-1'0'1784'0'0,"1"0"-1512"0"0,-1 0-96 0 0,1 0 56 0 0,0 0 24 0 0,0 0-56 0 0,0 0-71 0 0,1 0-81 0 0,0 1-48 0 0,1-1-89 0 0,0 0-103 0 0,0 2-88 0 0,0-2-8 0 0,2 0-112 0 0,0-2-3617 0 0</inkml:trace>
@@ -3928,7 +3958,7 @@
     <mc:Choice Requires="p14">
       <p:transition/>
     </mc:Choice>
-    <mc:Fallback xmlns:dsp="http://schemas.microsoft.com/office/drawing/2008/diagram" xmlns:dgm="http://schemas.openxmlformats.org/drawingml/2006/diagram" xmlns:c="http://schemas.openxmlformats.org/drawingml/2006/chart" xmlns="">
+    <mc:Fallback xmlns="" xmlns:c="http://schemas.openxmlformats.org/drawingml/2006/chart" xmlns:dgm="http://schemas.openxmlformats.org/drawingml/2006/diagram" xmlns:dsp="http://schemas.microsoft.com/office/drawing/2008/diagram">
       <p:transition/>
     </mc:Fallback>
   </mc:AlternateContent>
@@ -4987,7 +5017,7 @@
     <mc:Choice Requires="p14">
       <p:transition/>
     </mc:Choice>
-    <mc:Fallback xmlns:dsp="http://schemas.microsoft.com/office/drawing/2008/diagram" xmlns:dgm="http://schemas.openxmlformats.org/drawingml/2006/diagram" xmlns:c="http://schemas.openxmlformats.org/drawingml/2006/chart" xmlns="">
+    <mc:Fallback xmlns="" xmlns:c="http://schemas.openxmlformats.org/drawingml/2006/chart" xmlns:dgm="http://schemas.openxmlformats.org/drawingml/2006/diagram" xmlns:dsp="http://schemas.microsoft.com/office/drawing/2008/diagram">
       <p:transition/>
     </mc:Fallback>
   </mc:AlternateContent>
@@ -6513,7 +6543,7 @@
     <mc:Choice Requires="p14">
       <p:transition/>
     </mc:Choice>
-    <mc:Fallback xmlns:dsp="http://schemas.microsoft.com/office/drawing/2008/diagram" xmlns:dgm="http://schemas.openxmlformats.org/drawingml/2006/diagram" xmlns:c="http://schemas.openxmlformats.org/drawingml/2006/chart" xmlns="">
+    <mc:Fallback xmlns="" xmlns:c="http://schemas.openxmlformats.org/drawingml/2006/chart" xmlns:dgm="http://schemas.openxmlformats.org/drawingml/2006/diagram" xmlns:dsp="http://schemas.microsoft.com/office/drawing/2008/diagram">
       <p:transition/>
     </mc:Fallback>
   </mc:AlternateContent>
@@ -7390,7 +7420,7 @@
     <mc:Choice Requires="p14">
       <p:transition/>
     </mc:Choice>
-    <mc:Fallback xmlns:dsp="http://schemas.microsoft.com/office/drawing/2008/diagram" xmlns:dgm="http://schemas.openxmlformats.org/drawingml/2006/diagram" xmlns:c="http://schemas.openxmlformats.org/drawingml/2006/chart" xmlns="">
+    <mc:Fallback xmlns="" xmlns:c="http://schemas.openxmlformats.org/drawingml/2006/chart" xmlns:dgm="http://schemas.openxmlformats.org/drawingml/2006/diagram" xmlns:dsp="http://schemas.microsoft.com/office/drawing/2008/diagram">
       <p:transition/>
     </mc:Fallback>
   </mc:AlternateContent>
@@ -7883,7 +7913,7 @@
     <mc:Choice Requires="p14">
       <p:transition/>
     </mc:Choice>
-    <mc:Fallback xmlns:dsp="http://schemas.microsoft.com/office/drawing/2008/diagram" xmlns:dgm="http://schemas.openxmlformats.org/drawingml/2006/diagram" xmlns:c="http://schemas.openxmlformats.org/drawingml/2006/chart" xmlns="">
+    <mc:Fallback xmlns="" xmlns:c="http://schemas.openxmlformats.org/drawingml/2006/chart" xmlns:dgm="http://schemas.openxmlformats.org/drawingml/2006/diagram" xmlns:dsp="http://schemas.microsoft.com/office/drawing/2008/diagram">
       <p:transition/>
     </mc:Fallback>
   </mc:AlternateContent>
@@ -8397,7 +8427,7 @@
     <mc:Choice Requires="p14">
       <p:transition/>
     </mc:Choice>
-    <mc:Fallback xmlns:dsp="http://schemas.microsoft.com/office/drawing/2008/diagram" xmlns:dgm="http://schemas.openxmlformats.org/drawingml/2006/diagram" xmlns:c="http://schemas.openxmlformats.org/drawingml/2006/chart" xmlns="">
+    <mc:Fallback xmlns="" xmlns:c="http://schemas.openxmlformats.org/drawingml/2006/chart" xmlns:dgm="http://schemas.openxmlformats.org/drawingml/2006/diagram" xmlns:dsp="http://schemas.microsoft.com/office/drawing/2008/diagram">
       <p:transition/>
     </mc:Fallback>
   </mc:AlternateContent>
@@ -8815,7 +8845,7 @@
     <mc:Choice Requires="p14">
       <p:transition/>
     </mc:Choice>
-    <mc:Fallback xmlns:dsp="http://schemas.microsoft.com/office/drawing/2008/diagram" xmlns:dgm="http://schemas.openxmlformats.org/drawingml/2006/diagram" xmlns:c="http://schemas.openxmlformats.org/drawingml/2006/chart" xmlns="">
+    <mc:Fallback xmlns="" xmlns:c="http://schemas.openxmlformats.org/drawingml/2006/chart" xmlns:dgm="http://schemas.openxmlformats.org/drawingml/2006/diagram" xmlns:dsp="http://schemas.microsoft.com/office/drawing/2008/diagram">
       <p:transition/>
     </mc:Fallback>
   </mc:AlternateContent>
@@ -9297,7 +9327,7 @@
               <a:defRPr/>
             </a:pPr>
             <a:r>
-              <a:rPr lang="en-US" altLang="ko-KR" dirty="0">
+              <a:rPr lang="en-US" altLang="ko-KR" strike="sngStrike" dirty="0">
                 <a:solidFill>
                   <a:schemeClr val="tx1">
                     <a:lumMod val="50000"/>
@@ -9318,7 +9348,7 @@
               <a:defRPr/>
             </a:pPr>
             <a:r>
-              <a:rPr lang="en-US" altLang="ko-KR" dirty="0">
+              <a:rPr lang="en-US" altLang="ko-KR" strike="sngStrike" dirty="0">
                 <a:solidFill>
                   <a:schemeClr val="tx1">
                     <a:lumMod val="50000"/>
@@ -9331,7 +9361,7 @@
               <a:t>   (2</a:t>
             </a:r>
             <a:r>
-              <a:rPr lang="ko-KR" altLang="en-US" dirty="0">
+              <a:rPr lang="ko-KR" altLang="en-US" strike="sngStrike" dirty="0">
                 <a:solidFill>
                   <a:schemeClr val="tx1">
                     <a:lumMod val="50000"/>
@@ -9344,7 +9374,7 @@
               <a:t>월 </a:t>
             </a:r>
             <a:r>
-              <a:rPr lang="en-US" altLang="ko-KR" dirty="0">
+              <a:rPr lang="en-US" altLang="ko-KR" strike="sngStrike" dirty="0">
                 <a:solidFill>
                   <a:schemeClr val="tx1">
                     <a:lumMod val="50000"/>
@@ -9357,7 +9387,7 @@
               <a:t>19</a:t>
             </a:r>
             <a:r>
-              <a:rPr lang="ko-KR" altLang="en-US" dirty="0">
+              <a:rPr lang="ko-KR" altLang="en-US" strike="sngStrike" dirty="0">
                 <a:solidFill>
                   <a:schemeClr val="tx1">
                     <a:lumMod val="50000"/>
@@ -9370,7 +9400,7 @@
               <a:t>일 부터 공부 시작</a:t>
             </a:r>
             <a:r>
-              <a:rPr lang="en-US" altLang="ko-KR" dirty="0">
+              <a:rPr lang="en-US" altLang="ko-KR" strike="sngStrike" dirty="0">
                 <a:solidFill>
                   <a:schemeClr val="tx1">
                     <a:lumMod val="50000"/>
@@ -9434,7 +9464,7 @@
     <mc:Choice Requires="p14">
       <p:transition/>
     </mc:Choice>
-    <mc:Fallback xmlns:dsp="http://schemas.microsoft.com/office/drawing/2008/diagram" xmlns:dgm="http://schemas.openxmlformats.org/drawingml/2006/diagram" xmlns:c="http://schemas.openxmlformats.org/drawingml/2006/chart" xmlns="">
+    <mc:Fallback xmlns="" xmlns:c="http://schemas.openxmlformats.org/drawingml/2006/chart" xmlns:dgm="http://schemas.openxmlformats.org/drawingml/2006/diagram" xmlns:dsp="http://schemas.microsoft.com/office/drawing/2008/diagram">
       <p:transition/>
     </mc:Fallback>
   </mc:AlternateContent>
@@ -9810,7 +9840,7 @@
     <mc:Choice Requires="p14">
       <p:transition/>
     </mc:Choice>
-    <mc:Fallback xmlns:dsp="http://schemas.microsoft.com/office/drawing/2008/diagram" xmlns:dgm="http://schemas.openxmlformats.org/drawingml/2006/diagram" xmlns:c="http://schemas.openxmlformats.org/drawingml/2006/chart" xmlns="">
+    <mc:Fallback xmlns="" xmlns:c="http://schemas.openxmlformats.org/drawingml/2006/chart" xmlns:dgm="http://schemas.openxmlformats.org/drawingml/2006/diagram" xmlns:dsp="http://schemas.microsoft.com/office/drawing/2008/diagram">
       <p:transition/>
     </mc:Fallback>
   </mc:AlternateContent>
@@ -10407,7 +10437,7 @@
               <a:defRPr/>
             </a:pPr>
             <a:r>
-              <a:rPr lang="en-US" altLang="ko-KR" dirty="0">
+              <a:rPr lang="ko-KR" altLang="en-US" dirty="0">
                 <a:solidFill>
                   <a:schemeClr val="tx1">
                     <a:lumMod val="50000"/>
@@ -10417,7 +10447,20 @@
                 <a:latin typeface="바탕"/>
                 <a:ea typeface="바탕"/>
               </a:rPr>
-              <a:t>LMI (~3/15)</a:t>
+              <a:t>제어 이론</a:t>
+            </a:r>
+            <a:r>
+              <a:rPr lang="en-US" altLang="ko-KR" dirty="0">
+                <a:solidFill>
+                  <a:schemeClr val="tx1">
+                    <a:lumMod val="50000"/>
+                    <a:lumOff val="50000"/>
+                  </a:schemeClr>
+                </a:solidFill>
+                <a:latin typeface="바탕"/>
+                <a:ea typeface="바탕"/>
+              </a:rPr>
+              <a:t>, LMI (~3/15)</a:t>
             </a:r>
             <a:r>
               <a:rPr lang="ko-KR" altLang="en-US" dirty="0">
@@ -10509,7 +10552,59 @@
                 <a:latin typeface="바탕"/>
                 <a:ea typeface="바탕"/>
               </a:rPr>
-              <a:t>(~3/15)</a:t>
+              <a:t>(~3/15) -&gt; </a:t>
+            </a:r>
+            <a:r>
+              <a:rPr lang="ko-KR" altLang="en-US" dirty="0">
+                <a:solidFill>
+                  <a:schemeClr val="tx1">
+                    <a:lumMod val="50000"/>
+                    <a:lumOff val="50000"/>
+                  </a:schemeClr>
+                </a:solidFill>
+                <a:latin typeface="바탕"/>
+                <a:ea typeface="바탕"/>
+              </a:rPr>
+              <a:t>코로나 때문에</a:t>
+            </a:r>
+            <a:r>
+              <a:rPr lang="en-US" altLang="ko-KR" dirty="0">
+                <a:solidFill>
+                  <a:schemeClr val="tx1">
+                    <a:lumMod val="50000"/>
+                    <a:lumOff val="50000"/>
+                  </a:schemeClr>
+                </a:solidFill>
+                <a:latin typeface="바탕"/>
+                <a:ea typeface="바탕"/>
+              </a:rPr>
+              <a:t>... </a:t>
+            </a:r>
+            <a:r>
+              <a:rPr lang="ko-KR" altLang="en-US" dirty="0">
+                <a:solidFill>
+                  <a:schemeClr val="tx1">
+                    <a:lumMod val="50000"/>
+                    <a:lumOff val="50000"/>
+                  </a:schemeClr>
+                </a:solidFill>
+                <a:latin typeface="바탕"/>
+                <a:ea typeface="바탕"/>
+              </a:rPr>
+              <a:t>취소할 것 같습니다</a:t>
+            </a:r>
+            <a:r>
+              <a:rPr lang="en-US" altLang="ko-KR" dirty="0">
+                <a:solidFill>
+                  <a:schemeClr val="tx1">
+                    <a:lumMod val="50000"/>
+                    <a:lumOff val="50000"/>
+                  </a:schemeClr>
+                </a:solidFill>
+                <a:latin typeface="바탕"/>
+                <a:ea typeface="바탕"/>
+              </a:rPr>
+              <a:t>...</a:t>
             </a:r>
           </a:p>
         </p:txBody>
@@ -10570,6 +10665,57 @@
           </a:p>
         </p:txBody>
       </p:sp>
+      <mc:AlternateContent xmlns:mc="http://schemas.openxmlformats.org/markup-compatibility/2006">
+        <mc:Choice xmlns:p14="http://schemas.microsoft.com/office/powerpoint/2010/main" Requires="p14">
+          <p:contentPart p14:bwMode="auto" r:id="rId2">
+            <p14:nvContentPartPr>
+              <p14:cNvPr id="10" name="잉크 9">
+                <a:extLst>
+                  <a:ext uri="{FF2B5EF4-FFF2-40B4-BE49-F238E27FC236}">
+                    <a16:creationId xmlns:a16="http://schemas.microsoft.com/office/drawing/2014/main" id="{ABCF400C-DFD4-4673-A983-BAB493103927}"/>
+                  </a:ext>
+                </a:extLst>
+              </p14:cNvPr>
+              <p14:cNvContentPartPr/>
+              <p14:nvPr/>
+            </p14:nvContentPartPr>
+            <p14:xfrm>
+              <a:off x="3514541" y="5553416"/>
+              <a:ext cx="109440" cy="75960"/>
+            </p14:xfrm>
+          </p:contentPart>
+        </mc:Choice>
+        <mc:Fallback>
+          <p:pic>
+            <p:nvPicPr>
+              <p:cNvPr id="10" name="잉크 9">
+                <a:extLst>
+                  <a:ext uri="{FF2B5EF4-FFF2-40B4-BE49-F238E27FC236}">
+                    <a16:creationId xmlns:a16="http://schemas.microsoft.com/office/drawing/2014/main" id="{ABCF400C-DFD4-4673-A983-BAB493103927}"/>
+                  </a:ext>
+                </a:extLst>
+              </p:cNvPr>
+              <p:cNvPicPr/>
+              <p:nvPr/>
+            </p:nvPicPr>
+            <p:blipFill>
+              <a:blip r:embed="rId3"/>
+              <a:stretch>
+                <a:fillRect/>
+              </a:stretch>
+            </p:blipFill>
+            <p:spPr>
+              <a:xfrm>
+                <a:off x="3510221" y="5549096"/>
+                <a:ext cx="118080" cy="84600"/>
+              </a:xfrm>
+              <a:prstGeom prst="rect">
+                <a:avLst/>
+              </a:prstGeom>
+            </p:spPr>
+          </p:pic>
+        </mc:Fallback>
+      </mc:AlternateContent>
     </p:spTree>
     <p:extLst>
       <p:ext uri="{BB962C8B-B14F-4D97-AF65-F5344CB8AC3E}">
@@ -10584,7 +10730,7 @@
     <mc:Choice Requires="p14">
       <p:transition/>
     </mc:Choice>
-    <mc:Fallback xmlns:dsp="http://schemas.microsoft.com/office/drawing/2008/diagram" xmlns:dgm="http://schemas.openxmlformats.org/drawingml/2006/diagram" xmlns:c="http://schemas.openxmlformats.org/drawingml/2006/chart" xmlns="">
+    <mc:Fallback xmlns="" xmlns:c="http://schemas.openxmlformats.org/drawingml/2006/chart" xmlns:dgm="http://schemas.openxmlformats.org/drawingml/2006/diagram" xmlns:dsp="http://schemas.microsoft.com/office/drawing/2008/diagram">
       <p:transition/>
     </mc:Fallback>
   </mc:AlternateContent>
@@ -10759,7 +10905,7 @@
     <mc:Choice Requires="p14">
       <p:transition/>
     </mc:Choice>
-    <mc:Fallback xmlns:dsp="http://schemas.microsoft.com/office/drawing/2008/diagram" xmlns:dgm="http://schemas.openxmlformats.org/drawingml/2006/diagram" xmlns:c="http://schemas.openxmlformats.org/drawingml/2006/chart" xmlns="">
+    <mc:Fallback xmlns="" xmlns:c="http://schemas.openxmlformats.org/drawingml/2006/chart" xmlns:dgm="http://schemas.openxmlformats.org/drawingml/2006/diagram" xmlns:dsp="http://schemas.microsoft.com/office/drawing/2008/diagram">
       <p:transition/>
     </mc:Fallback>
   </mc:AlternateContent>
@@ -11377,7 +11523,7 @@
     <mc:Choice Requires="p14">
       <p:transition/>
     </mc:Choice>
-    <mc:Fallback xmlns:dsp="http://schemas.microsoft.com/office/drawing/2008/diagram" xmlns:dgm="http://schemas.openxmlformats.org/drawingml/2006/diagram" xmlns:c="http://schemas.openxmlformats.org/drawingml/2006/chart" xmlns="">
+    <mc:Fallback xmlns="" xmlns:c="http://schemas.openxmlformats.org/drawingml/2006/chart" xmlns:dgm="http://schemas.openxmlformats.org/drawingml/2006/diagram" xmlns:dsp="http://schemas.microsoft.com/office/drawing/2008/diagram">
       <p:transition/>
     </mc:Fallback>
   </mc:AlternateContent>
@@ -11429,7 +11575,7 @@
         </p:blipFill>
         <p:spPr>
           <a:xfrm>
-            <a:off x="4079630" y="3352800"/>
+            <a:off x="4079630" y="3336022"/>
             <a:ext cx="4324954" cy="2495898"/>
           </a:xfrm>
           <a:prstGeom prst="rect">
@@ -11655,7 +11801,7 @@
         </p:blipFill>
         <p:spPr>
           <a:xfrm>
-            <a:off x="140277" y="1150400"/>
+            <a:off x="140277" y="1289174"/>
             <a:ext cx="3968718" cy="5585604"/>
           </a:xfrm>
           <a:prstGeom prst="rect">
@@ -11745,6 +11891,68 @@
           </a:p>
         </p:txBody>
       </p:sp>
+      <p:sp>
+        <p:nvSpPr>
+          <p:cNvPr id="9" name="TextBox 8">
+            <a:extLst>
+              <a:ext uri="{FF2B5EF4-FFF2-40B4-BE49-F238E27FC236}">
+                <a16:creationId xmlns:a16="http://schemas.microsoft.com/office/drawing/2014/main" id="{B62CBBA5-01C1-4835-8A10-0D93FC820FB9}"/>
+              </a:ext>
+            </a:extLst>
+          </p:cNvPr>
+          <p:cNvSpPr txBox="1"/>
+          <p:nvPr/>
+        </p:nvSpPr>
+        <p:spPr>
+          <a:xfrm>
+            <a:off x="1240958" y="1037940"/>
+            <a:ext cx="7561076" cy="380873"/>
+          </a:xfrm>
+          <a:prstGeom prst="rect">
+            <a:avLst/>
+          </a:prstGeom>
+          <a:noFill/>
+        </p:spPr>
+        <p:txBody>
+          <a:bodyPr wrap="square" anchor="b">
+            <a:spAutoFit/>
+          </a:bodyPr>
+          <a:lstStyle/>
+          <a:p>
+            <a:pPr marL="285750" indent="-285750">
+              <a:lnSpc>
+                <a:spcPct val="120000"/>
+              </a:lnSpc>
+              <a:buFont typeface="Arial" panose="020B0604020202020204" pitchFamily="34" charset="0"/>
+              <a:buChar char="•"/>
+              <a:defRPr/>
+            </a:pPr>
+            <a:r>
+              <a:rPr lang="ko-KR" altLang="en-US" dirty="0">
+                <a:solidFill>
+                  <a:schemeClr val="tx1">
+                    <a:lumMod val="50000"/>
+                    <a:lumOff val="50000"/>
+                  </a:schemeClr>
+                </a:solidFill>
+                <a:latin typeface="바탕"/>
+                <a:ea typeface="바탕"/>
+              </a:rPr>
+              <a:t>함수를 활용해 계산기 프로그램 만들기</a:t>
+            </a:r>
+            <a:endParaRPr lang="en-US" altLang="ko-KR" dirty="0">
+              <a:solidFill>
+                <a:schemeClr val="tx1">
+                  <a:lumMod val="50000"/>
+                  <a:lumOff val="50000"/>
+                </a:schemeClr>
+              </a:solidFill>
+              <a:latin typeface="바탕"/>
+              <a:ea typeface="바탕"/>
+            </a:endParaRPr>
+          </a:p>
+        </p:txBody>
+      </p:sp>
     </p:spTree>
     <p:extLst>
       <p:ext uri="{BB962C8B-B14F-4D97-AF65-F5344CB8AC3E}">
@@ -11759,7 +11967,7 @@
     <mc:Choice Requires="p14">
       <p:transition/>
     </mc:Choice>
-    <mc:Fallback xmlns:dsp="http://schemas.microsoft.com/office/drawing/2008/diagram" xmlns:dgm="http://schemas.openxmlformats.org/drawingml/2006/diagram" xmlns:c="http://schemas.openxmlformats.org/drawingml/2006/chart" xmlns="">
+    <mc:Fallback xmlns="" xmlns:c="http://schemas.openxmlformats.org/drawingml/2006/chart" xmlns:dgm="http://schemas.openxmlformats.org/drawingml/2006/diagram" xmlns:dsp="http://schemas.microsoft.com/office/drawing/2008/diagram">
       <p:transition/>
     </mc:Fallback>
   </mc:AlternateContent>
@@ -12313,7 +12521,7 @@
     <mc:Choice Requires="p14">
       <p:transition/>
     </mc:Choice>
-    <mc:Fallback xmlns:dsp="http://schemas.microsoft.com/office/drawing/2008/diagram" xmlns:dgm="http://schemas.openxmlformats.org/drawingml/2006/diagram" xmlns:c="http://schemas.openxmlformats.org/drawingml/2006/chart" xmlns="">
+    <mc:Fallback xmlns="" xmlns:c="http://schemas.openxmlformats.org/drawingml/2006/chart" xmlns:dgm="http://schemas.openxmlformats.org/drawingml/2006/diagram" xmlns:dsp="http://schemas.microsoft.com/office/drawing/2008/diagram">
       <p:transition/>
     </mc:Fallback>
   </mc:AlternateContent>
@@ -13172,7 +13380,7 @@
     <mc:Choice Requires="p14">
       <p:transition/>
     </mc:Choice>
-    <mc:Fallback xmlns:dsp="http://schemas.microsoft.com/office/drawing/2008/diagram" xmlns:dgm="http://schemas.openxmlformats.org/drawingml/2006/diagram" xmlns:c="http://schemas.openxmlformats.org/drawingml/2006/chart" xmlns="">
+    <mc:Fallback xmlns="" xmlns:c="http://schemas.openxmlformats.org/drawingml/2006/chart" xmlns:dgm="http://schemas.openxmlformats.org/drawingml/2006/diagram" xmlns:dsp="http://schemas.microsoft.com/office/drawing/2008/diagram">
       <p:transition/>
     </mc:Fallback>
   </mc:AlternateContent>
@@ -14416,7 +14624,7 @@
     <mc:Choice Requires="p14">
       <p:transition/>
     </mc:Choice>
-    <mc:Fallback xmlns:dsp="http://schemas.microsoft.com/office/drawing/2008/diagram" xmlns:dgm="http://schemas.openxmlformats.org/drawingml/2006/diagram" xmlns:c="http://schemas.openxmlformats.org/drawingml/2006/chart" xmlns="">
+    <mc:Fallback xmlns="" xmlns:c="http://schemas.openxmlformats.org/drawingml/2006/chart" xmlns:dgm="http://schemas.openxmlformats.org/drawingml/2006/diagram" xmlns:dsp="http://schemas.microsoft.com/office/drawing/2008/diagram">
       <p:transition/>
     </mc:Fallback>
   </mc:AlternateContent>
@@ -15572,7 +15780,7 @@
     <mc:Choice Requires="p14">
       <p:transition/>
     </mc:Choice>
-    <mc:Fallback xmlns:dsp="http://schemas.microsoft.com/office/drawing/2008/diagram" xmlns:dgm="http://schemas.openxmlformats.org/drawingml/2006/diagram" xmlns:c="http://schemas.openxmlformats.org/drawingml/2006/chart" xmlns="">
+    <mc:Fallback xmlns="" xmlns:c="http://schemas.openxmlformats.org/drawingml/2006/chart" xmlns:dgm="http://schemas.openxmlformats.org/drawingml/2006/diagram" xmlns:dsp="http://schemas.microsoft.com/office/drawing/2008/diagram">
       <p:transition/>
     </mc:Fallback>
   </mc:AlternateContent>
@@ -16584,7 +16792,7 @@
     <mc:Choice Requires="p14">
       <p:transition/>
     </mc:Choice>
-    <mc:Fallback xmlns:dsp="http://schemas.microsoft.com/office/drawing/2008/diagram" xmlns:dgm="http://schemas.openxmlformats.org/drawingml/2006/diagram" xmlns:c="http://schemas.openxmlformats.org/drawingml/2006/chart" xmlns="">
+    <mc:Fallback xmlns="" xmlns:c="http://schemas.openxmlformats.org/drawingml/2006/chart" xmlns:dgm="http://schemas.openxmlformats.org/drawingml/2006/diagram" xmlns:dsp="http://schemas.microsoft.com/office/drawing/2008/diagram">
       <p:transition/>
     </mc:Fallback>
   </mc:AlternateContent>
@@ -18016,7 +18224,7 @@
     <mc:Choice Requires="p14">
       <p:transition/>
     </mc:Choice>
-    <mc:Fallback xmlns:dsp="http://schemas.microsoft.com/office/drawing/2008/diagram" xmlns:dgm="http://schemas.openxmlformats.org/drawingml/2006/diagram" xmlns:c="http://schemas.openxmlformats.org/drawingml/2006/chart" xmlns="">
+    <mc:Fallback xmlns="" xmlns:c="http://schemas.openxmlformats.org/drawingml/2006/chart" xmlns:dgm="http://schemas.openxmlformats.org/drawingml/2006/diagram" xmlns:dsp="http://schemas.microsoft.com/office/drawing/2008/diagram">
       <p:transition/>
     </mc:Fallback>
   </mc:AlternateContent>
